--- a/Présentation APPSINF.pptx
+++ b/Présentation APPSINF.pptx
@@ -1,21 +1,21 @@
 
 <file path=ppt/presentation.xml><?xml version="1.0" encoding="utf-8"?>
-<p:presentation xmlns:a="http://schemas.openxmlformats.org/drawingml/2006/main" xmlns:r="http://schemas.openxmlformats.org/officeDocument/2006/relationships" xmlns:p="http://schemas.openxmlformats.org/presentationml/2006/main" xmlns:m="http://schemas.openxmlformats.org/officeDocument/2006/math" xmlns:a14="http://schemas.microsoft.com/office/drawing/2010/main">
+<p:presentation xmlns:a="http://schemas.openxmlformats.org/drawingml/2006/main" xmlns:r="http://schemas.openxmlformats.org/officeDocument/2006/relationships" xmlns:p="http://schemas.openxmlformats.org/presentationml/2006/main">
   <p:sldMasterIdLst>
-    <p:sldMasterId id="2147483648" r:id="rId5"/>
+    <p:sldMasterId id="2147483648" r:id="rId1"/>
   </p:sldMasterIdLst>
   <p:notesMasterIdLst>
-    <p:notesMasterId r:id="rId7"/>
+    <p:notesMasterId r:id="rId10"/>
   </p:notesMasterIdLst>
   <p:sldIdLst>
-    <p:sldId id="256" r:id="rId8"/>
-    <p:sldId id="257" r:id="rId9"/>
-    <p:sldId id="258" r:id="rId10"/>
-    <p:sldId id="259" r:id="rId11"/>
-    <p:sldId id="260" r:id="rId12"/>
-    <p:sldId id="261" r:id="rId13"/>
-    <p:sldId id="262" r:id="rId14"/>
-    <p:sldId id="263" r:id="rId15"/>
+    <p:sldId id="256" r:id="rId2"/>
+    <p:sldId id="257" r:id="rId3"/>
+    <p:sldId id="258" r:id="rId4"/>
+    <p:sldId id="259" r:id="rId5"/>
+    <p:sldId id="260" r:id="rId6"/>
+    <p:sldId id="261" r:id="rId7"/>
+    <p:sldId id="262" r:id="rId8"/>
+    <p:sldId id="263" r:id="rId9"/>
   </p:sldIdLst>
   <p:sldSz cx="12192000" cy="6858000"/>
   <p:notesSz cx="6858000" cy="9144000"/>
@@ -35,7 +35,7 @@
       <a:buFontTx/>
       <a:buNone/>
       <a:tabLst/>
-      <a:defRPr b="0" baseline="0" cap="none" i="0" spc="0" strike="noStrike" sz="1800" u="none" kumimoji="0" normalizeH="0">
+      <a:defRPr kumimoji="0" sz="1800" b="0" i="0" u="none" strike="noStrike" cap="none" spc="0" normalizeH="0" baseline="0">
         <a:ln>
           <a:noFill/>
         </a:ln>
@@ -61,7 +61,7 @@
       <a:buFontTx/>
       <a:buNone/>
       <a:tabLst/>
-      <a:defRPr b="0" baseline="0" cap="none" i="0" spc="0" strike="noStrike" sz="1800" u="none" kumimoji="0" normalizeH="0">
+      <a:defRPr kumimoji="0" sz="1800" b="0" i="0" u="none" strike="noStrike" cap="none" spc="0" normalizeH="0" baseline="0">
         <a:ln>
           <a:noFill/>
         </a:ln>
@@ -91,7 +91,7 @@
       <a:buFontTx/>
       <a:buNone/>
       <a:tabLst/>
-      <a:defRPr b="0" baseline="0" cap="none" i="0" spc="0" strike="noStrike" sz="1800" u="none" kumimoji="0" normalizeH="0">
+      <a:defRPr kumimoji="0" sz="1800" b="0" i="0" u="none" strike="noStrike" cap="none" spc="0" normalizeH="0" baseline="0">
         <a:ln>
           <a:noFill/>
         </a:ln>
@@ -121,7 +121,7 @@
       <a:buFontTx/>
       <a:buNone/>
       <a:tabLst/>
-      <a:defRPr b="0" baseline="0" cap="none" i="0" spc="0" strike="noStrike" sz="1800" u="none" kumimoji="0" normalizeH="0">
+      <a:defRPr kumimoji="0" sz="1800" b="0" i="0" u="none" strike="noStrike" cap="none" spc="0" normalizeH="0" baseline="0">
         <a:ln>
           <a:noFill/>
         </a:ln>
@@ -151,7 +151,7 @@
       <a:buFontTx/>
       <a:buNone/>
       <a:tabLst/>
-      <a:defRPr b="0" baseline="0" cap="none" i="0" spc="0" strike="noStrike" sz="1800" u="none" kumimoji="0" normalizeH="0">
+      <a:defRPr kumimoji="0" sz="1800" b="0" i="0" u="none" strike="noStrike" cap="none" spc="0" normalizeH="0" baseline="0">
         <a:ln>
           <a:noFill/>
         </a:ln>
@@ -181,7 +181,7 @@
       <a:buFontTx/>
       <a:buNone/>
       <a:tabLst/>
-      <a:defRPr b="0" baseline="0" cap="none" i="0" spc="0" strike="noStrike" sz="1800" u="none" kumimoji="0" normalizeH="0">
+      <a:defRPr kumimoji="0" sz="1800" b="0" i="0" u="none" strike="noStrike" cap="none" spc="0" normalizeH="0" baseline="0">
         <a:ln>
           <a:noFill/>
         </a:ln>
@@ -211,7 +211,7 @@
       <a:buFontTx/>
       <a:buNone/>
       <a:tabLst/>
-      <a:defRPr b="0" baseline="0" cap="none" i="0" spc="0" strike="noStrike" sz="1800" u="none" kumimoji="0" normalizeH="0">
+      <a:defRPr kumimoji="0" sz="1800" b="0" i="0" u="none" strike="noStrike" cap="none" spc="0" normalizeH="0" baseline="0">
         <a:ln>
           <a:noFill/>
         </a:ln>
@@ -241,7 +241,7 @@
       <a:buFontTx/>
       <a:buNone/>
       <a:tabLst/>
-      <a:defRPr b="0" baseline="0" cap="none" i="0" spc="0" strike="noStrike" sz="1800" u="none" kumimoji="0" normalizeH="0">
+      <a:defRPr kumimoji="0" sz="1800" b="0" i="0" u="none" strike="noStrike" cap="none" spc="0" normalizeH="0" baseline="0">
         <a:ln>
           <a:noFill/>
         </a:ln>
@@ -271,7 +271,7 @@
       <a:buFontTx/>
       <a:buNone/>
       <a:tabLst/>
-      <a:defRPr b="0" baseline="0" cap="none" i="0" spc="0" strike="noStrike" sz="1800" u="none" kumimoji="0" normalizeH="0">
+      <a:defRPr kumimoji="0" sz="1800" b="0" i="0" u="none" strike="noStrike" cap="none" spc="0" normalizeH="0" baseline="0">
         <a:ln>
           <a:noFill/>
         </a:ln>
@@ -301,7 +301,7 @@
       <a:buFontTx/>
       <a:buNone/>
       <a:tabLst/>
-      <a:defRPr b="0" baseline="0" cap="none" i="0" spc="0" strike="noStrike" sz="1800" u="none" kumimoji="0" normalizeH="0">
+      <a:defRPr kumimoji="0" sz="1800" b="0" i="0" u="none" strike="noStrike" cap="none" spc="0" normalizeH="0" baseline="0">
         <a:ln>
           <a:noFill/>
         </a:ln>
@@ -320,13 +320,14 @@
 </p:presentation>
 </file>
 
-<file path=ppt/commentAuthors.xml><?xml version="1.0" encoding="utf-8"?>
-<p:cmAuthorLst xmlns:a="http://schemas.openxmlformats.org/drawingml/2006/main" xmlns:r="http://schemas.openxmlformats.org/officeDocument/2006/relationships" xmlns:p="http://schemas.openxmlformats.org/presentationml/2006/main" xmlns:m="http://schemas.openxmlformats.org/officeDocument/2006/math" xmlns:a14="http://schemas.microsoft.com/office/drawing/2010/main"/>
-</file>
-
 <file path=ppt/notesMasters/notesMaster1.xml><?xml version="1.0" encoding="utf-8"?>
-<p:notesMaster xmlns:a="http://schemas.openxmlformats.org/drawingml/2006/main" xmlns:r="http://schemas.openxmlformats.org/officeDocument/2006/relationships" xmlns:p="http://schemas.openxmlformats.org/presentationml/2006/main" xmlns:m="http://schemas.openxmlformats.org/officeDocument/2006/math" xmlns:a14="http://schemas.microsoft.com/office/drawing/2010/main">
+<p:notesMaster xmlns:a="http://schemas.openxmlformats.org/drawingml/2006/main" xmlns:r="http://schemas.openxmlformats.org/officeDocument/2006/relationships" xmlns:p="http://schemas.openxmlformats.org/presentationml/2006/main">
   <p:cSld>
+    <p:bg>
+      <p:bgRef idx="1001">
+        <a:schemeClr val="bg1"/>
+      </p:bgRef>
+    </p:bg>
     <p:spTree>
       <p:nvGrpSpPr>
         <p:cNvPr id="1" name=""/>
@@ -344,7 +345,9 @@
       <p:sp>
         <p:nvSpPr>
           <p:cNvPr id="109" name="Shape 109"/>
-          <p:cNvSpPr/>
+          <p:cNvSpPr>
+            <a:spLocks noGrp="1" noRot="1" noChangeAspect="1"/>
+          </p:cNvSpPr>
           <p:nvPr>
             <p:ph type="sldImg"/>
           </p:nvPr>
@@ -362,14 +365,16 @@
           <a:bodyPr/>
           <a:lstStyle/>
           <a:p>
-            <a:pPr/>
+            <a:endParaRPr/>
           </a:p>
         </p:txBody>
       </p:sp>
       <p:sp>
         <p:nvSpPr>
           <p:cNvPr id="110" name="Shape 110"/>
-          <p:cNvSpPr/>
+          <p:cNvSpPr>
+            <a:spLocks noGrp="1"/>
+          </p:cNvSpPr>
           <p:nvPr>
             <p:ph type="body" sz="quarter" idx="1"/>
           </p:nvPr>
@@ -387,7 +392,7 @@
           <a:bodyPr/>
           <a:lstStyle/>
           <a:p>
-            <a:pPr/>
+            <a:endParaRPr/>
           </a:p>
         </p:txBody>
       </p:sp>
@@ -472,7 +477,7 @@
 </file>
 
 <file path=ppt/slideLayouts/slideLayout1.xml><?xml version="1.0" encoding="utf-8"?>
-<p:sldLayout xmlns:a="http://schemas.openxmlformats.org/drawingml/2006/main" xmlns:r="http://schemas.openxmlformats.org/officeDocument/2006/relationships" xmlns:p="http://schemas.openxmlformats.org/presentationml/2006/main" xmlns:m="http://schemas.openxmlformats.org/officeDocument/2006/math" xmlns:a14="http://schemas.microsoft.com/office/drawing/2010/main" type="title" showMasterSp="0" showMasterPhAnim="1">
+<p:sldLayout xmlns:a="http://schemas.openxmlformats.org/drawingml/2006/main" xmlns:r="http://schemas.openxmlformats.org/officeDocument/2006/relationships" xmlns:p="http://schemas.openxmlformats.org/presentationml/2006/main" showMasterSp="0" type="title">
   <p:cSld name="Title Slide">
     <p:spTree>
       <p:nvGrpSpPr>
@@ -524,6 +529,7 @@
                 <a:sym typeface="AvenirNext LT Pro Medium"/>
               </a:defRPr>
             </a:pPr>
+            <a:endParaRPr/>
           </a:p>
         </p:txBody>
       </p:sp>
@@ -538,7 +544,6 @@
         <p:blipFill>
           <a:blip r:embed="rId2">
             <a:alphaModFix amt="35000"/>
-            <a:extLst/>
           </a:blip>
           <a:stretch>
             <a:fillRect/>
@@ -560,7 +565,9 @@
       <p:sp>
         <p:nvSpPr>
           <p:cNvPr id="15" name="Texte du titre"/>
-          <p:cNvSpPr txBox="1"/>
+          <p:cNvSpPr txBox="1">
+            <a:spLocks noGrp="1"/>
+          </p:cNvSpPr>
           <p:nvPr>
             <p:ph type="title"/>
           </p:nvPr>
@@ -580,7 +587,6 @@
             <a:lvl1pPr algn="ctr"/>
           </a:lstStyle>
           <a:p>
-            <a:pPr/>
             <a:r>
               <a:t>Texte du titre</a:t>
             </a:r>
@@ -590,7 +596,9 @@
       <p:sp>
         <p:nvSpPr>
           <p:cNvPr id="16" name="Texte niveau 1…"/>
-          <p:cNvSpPr txBox="1"/>
+          <p:cNvSpPr txBox="1">
+            <a:spLocks noGrp="1"/>
+          </p:cNvSpPr>
           <p:nvPr>
             <p:ph type="body" sz="quarter" idx="1"/>
           </p:nvPr>
@@ -644,7 +652,6 @@
             </a:lvl5pPr>
           </a:lstStyle>
           <a:p>
-            <a:pPr/>
             <a:r>
               <a:t>Texte niveau 1</a:t>
             </a:r>
@@ -678,7 +685,9 @@
       <p:sp>
         <p:nvSpPr>
           <p:cNvPr id="17" name="Numéro de diapositive"/>
-          <p:cNvSpPr txBox="1"/>
+          <p:cNvSpPr txBox="1">
+            <a:spLocks noGrp="1"/>
+          </p:cNvSpPr>
           <p:nvPr>
             <p:ph type="sldNum" sz="quarter" idx="2"/>
           </p:nvPr>
@@ -692,8 +701,10 @@
           <a:bodyPr/>
           <a:lstStyle/>
           <a:p>
-            <a:pPr/>
-            <a:fld id="{86CB4B4D-7CA3-9044-876B-883B54F8677D}" type="slidenum"/>
+            <a:fld id="{86CB4B4D-7CA3-9044-876B-883B54F8677D}" type="slidenum">
+              <a:t>‹N°›</a:t>
+            </a:fld>
+            <a:endParaRPr/>
           </a:p>
         </p:txBody>
       </p:sp>
@@ -702,12 +713,12 @@
   <p:clrMapOvr>
     <a:masterClrMapping/>
   </p:clrMapOvr>
-  <p:transition xmlns:p14="http://schemas.microsoft.com/office/powerpoint/2010/main" spd="med" advClick="1"/>
+  <p:transition spd="med"/>
 </p:sldLayout>
 </file>
 
 <file path=ppt/slideLayouts/slideLayout2.xml><?xml version="1.0" encoding="utf-8"?>
-<p:sldLayout xmlns:a="http://schemas.openxmlformats.org/drawingml/2006/main" xmlns:r="http://schemas.openxmlformats.org/officeDocument/2006/relationships" xmlns:p="http://schemas.openxmlformats.org/presentationml/2006/main" xmlns:m="http://schemas.openxmlformats.org/officeDocument/2006/math" xmlns:a14="http://schemas.microsoft.com/office/drawing/2010/main" type="tx" showMasterSp="1" showMasterPhAnim="1">
+<p:sldLayout xmlns:a="http://schemas.openxmlformats.org/drawingml/2006/main" xmlns:r="http://schemas.openxmlformats.org/officeDocument/2006/relationships" xmlns:p="http://schemas.openxmlformats.org/presentationml/2006/main" type="tx">
   <p:cSld name="Title and Content">
     <p:spTree>
       <p:nvGrpSpPr>
@@ -726,7 +737,9 @@
       <p:sp>
         <p:nvSpPr>
           <p:cNvPr id="24" name="Texte du titre"/>
-          <p:cNvSpPr txBox="1"/>
+          <p:cNvSpPr txBox="1">
+            <a:spLocks noGrp="1"/>
+          </p:cNvSpPr>
           <p:nvPr>
             <p:ph type="title"/>
           </p:nvPr>
@@ -740,7 +753,6 @@
           <a:bodyPr/>
           <a:lstStyle/>
           <a:p>
-            <a:pPr/>
             <a:r>
               <a:t>Texte du titre</a:t>
             </a:r>
@@ -750,7 +762,9 @@
       <p:sp>
         <p:nvSpPr>
           <p:cNvPr id="25" name="Texte niveau 1…"/>
-          <p:cNvSpPr txBox="1"/>
+          <p:cNvSpPr txBox="1">
+            <a:spLocks noGrp="1"/>
+          </p:cNvSpPr>
           <p:nvPr>
             <p:ph type="body" idx="1"/>
           </p:nvPr>
@@ -764,7 +778,6 @@
           <a:bodyPr/>
           <a:lstStyle/>
           <a:p>
-            <a:pPr/>
             <a:r>
               <a:t>Texte niveau 1</a:t>
             </a:r>
@@ -798,7 +811,9 @@
       <p:sp>
         <p:nvSpPr>
           <p:cNvPr id="26" name="Numéro de diapositive"/>
-          <p:cNvSpPr txBox="1"/>
+          <p:cNvSpPr txBox="1">
+            <a:spLocks noGrp="1"/>
+          </p:cNvSpPr>
           <p:nvPr>
             <p:ph type="sldNum" sz="quarter" idx="2"/>
           </p:nvPr>
@@ -812,8 +827,10 @@
           <a:bodyPr/>
           <a:lstStyle/>
           <a:p>
-            <a:pPr/>
-            <a:fld id="{86CB4B4D-7CA3-9044-876B-883B54F8677D}" type="slidenum"/>
+            <a:fld id="{86CB4B4D-7CA3-9044-876B-883B54F8677D}" type="slidenum">
+              <a:t>‹N°›</a:t>
+            </a:fld>
+            <a:endParaRPr/>
           </a:p>
         </p:txBody>
       </p:sp>
@@ -822,12 +839,12 @@
   <p:clrMapOvr>
     <a:masterClrMapping/>
   </p:clrMapOvr>
-  <p:transition xmlns:p14="http://schemas.microsoft.com/office/powerpoint/2010/main" spd="med" advClick="1"/>
+  <p:transition spd="med"/>
 </p:sldLayout>
 </file>
 
 <file path=ppt/slideLayouts/slideLayout3.xml><?xml version="1.0" encoding="utf-8"?>
-<p:sldLayout xmlns:a="http://schemas.openxmlformats.org/drawingml/2006/main" xmlns:r="http://schemas.openxmlformats.org/officeDocument/2006/relationships" xmlns:p="http://schemas.openxmlformats.org/presentationml/2006/main" xmlns:m="http://schemas.openxmlformats.org/officeDocument/2006/math" xmlns:a14="http://schemas.microsoft.com/office/drawing/2010/main" type="tx" showMasterSp="0" showMasterPhAnim="1">
+<p:sldLayout xmlns:a="http://schemas.openxmlformats.org/drawingml/2006/main" xmlns:r="http://schemas.openxmlformats.org/officeDocument/2006/relationships" xmlns:p="http://schemas.openxmlformats.org/presentationml/2006/main" showMasterSp="0" type="tx">
   <p:cSld name="Section Header">
     <p:spTree>
       <p:nvGrpSpPr>
@@ -879,6 +896,7 @@
                 <a:sym typeface="AvenirNext LT Pro Medium"/>
               </a:defRPr>
             </a:pPr>
+            <a:endParaRPr/>
           </a:p>
         </p:txBody>
       </p:sp>
@@ -891,9 +909,7 @@
           <p:nvPr/>
         </p:nvPicPr>
         <p:blipFill>
-          <a:blip r:embed="rId2">
-            <a:extLst/>
-          </a:blip>
+          <a:blip r:embed="rId2"/>
           <a:stretch>
             <a:fillRect/>
           </a:stretch>
@@ -914,7 +930,9 @@
       <p:sp>
         <p:nvSpPr>
           <p:cNvPr id="35" name="Texte du titre"/>
-          <p:cNvSpPr txBox="1"/>
+          <p:cNvSpPr txBox="1">
+            <a:spLocks noGrp="1"/>
+          </p:cNvSpPr>
           <p:nvPr>
             <p:ph type="title"/>
           </p:nvPr>
@@ -932,7 +950,6 @@
           <a:bodyPr anchor="b"/>
           <a:lstStyle/>
           <a:p>
-            <a:pPr/>
             <a:r>
               <a:t>Texte du titre</a:t>
             </a:r>
@@ -942,7 +959,9 @@
       <p:sp>
         <p:nvSpPr>
           <p:cNvPr id="36" name="Texte niveau 1…"/>
-          <p:cNvSpPr txBox="1"/>
+          <p:cNvSpPr txBox="1">
+            <a:spLocks noGrp="1"/>
+          </p:cNvSpPr>
           <p:nvPr>
             <p:ph type="body" sz="quarter" idx="1"/>
           </p:nvPr>
@@ -996,7 +1015,6 @@
             </a:lvl5pPr>
           </a:lstStyle>
           <a:p>
-            <a:pPr/>
             <a:r>
               <a:t>Texte niveau 1</a:t>
             </a:r>
@@ -1030,7 +1048,9 @@
       <p:sp>
         <p:nvSpPr>
           <p:cNvPr id="37" name="Numéro de diapositive"/>
-          <p:cNvSpPr txBox="1"/>
+          <p:cNvSpPr txBox="1">
+            <a:spLocks noGrp="1"/>
+          </p:cNvSpPr>
           <p:nvPr>
             <p:ph type="sldNum" sz="quarter" idx="2"/>
           </p:nvPr>
@@ -1044,8 +1064,10 @@
           <a:bodyPr/>
           <a:lstStyle/>
           <a:p>
-            <a:pPr/>
-            <a:fld id="{86CB4B4D-7CA3-9044-876B-883B54F8677D}" type="slidenum"/>
+            <a:fld id="{86CB4B4D-7CA3-9044-876B-883B54F8677D}" type="slidenum">
+              <a:t>‹N°›</a:t>
+            </a:fld>
+            <a:endParaRPr/>
           </a:p>
         </p:txBody>
       </p:sp>
@@ -1054,12 +1076,12 @@
   <p:clrMapOvr>
     <a:masterClrMapping/>
   </p:clrMapOvr>
-  <p:transition xmlns:p14="http://schemas.microsoft.com/office/powerpoint/2010/main" spd="med" advClick="1"/>
+  <p:transition spd="med"/>
 </p:sldLayout>
 </file>
 
 <file path=ppt/slideLayouts/slideLayout4.xml><?xml version="1.0" encoding="utf-8"?>
-<p:sldLayout xmlns:a="http://schemas.openxmlformats.org/drawingml/2006/main" xmlns:r="http://schemas.openxmlformats.org/officeDocument/2006/relationships" xmlns:p="http://schemas.openxmlformats.org/presentationml/2006/main" xmlns:m="http://schemas.openxmlformats.org/officeDocument/2006/math" xmlns:a14="http://schemas.microsoft.com/office/drawing/2010/main" type="tx" showMasterSp="0" showMasterPhAnim="1">
+<p:sldLayout xmlns:a="http://schemas.openxmlformats.org/drawingml/2006/main" xmlns:r="http://schemas.openxmlformats.org/officeDocument/2006/relationships" xmlns:p="http://schemas.openxmlformats.org/presentationml/2006/main" showMasterSp="0" type="tx">
   <p:cSld name="Two Content">
     <p:spTree>
       <p:nvGrpSpPr>
@@ -1111,6 +1133,7 @@
                 <a:sym typeface="AvenirNext LT Pro Medium"/>
               </a:defRPr>
             </a:pPr>
+            <a:endParaRPr/>
           </a:p>
         </p:txBody>
       </p:sp>
@@ -1123,9 +1146,7 @@
           <p:nvPr/>
         </p:nvPicPr>
         <p:blipFill>
-          <a:blip r:embed="rId2">
-            <a:extLst/>
-          </a:blip>
+          <a:blip r:embed="rId2"/>
           <a:stretch>
             <a:fillRect/>
           </a:stretch>
@@ -1146,7 +1167,9 @@
       <p:sp>
         <p:nvSpPr>
           <p:cNvPr id="46" name="Texte du titre"/>
-          <p:cNvSpPr txBox="1"/>
+          <p:cNvSpPr txBox="1">
+            <a:spLocks noGrp="1"/>
+          </p:cNvSpPr>
           <p:nvPr>
             <p:ph type="title"/>
           </p:nvPr>
@@ -1160,7 +1183,6 @@
           <a:bodyPr/>
           <a:lstStyle/>
           <a:p>
-            <a:pPr/>
             <a:r>
               <a:t>Texte du titre</a:t>
             </a:r>
@@ -1170,7 +1192,9 @@
       <p:sp>
         <p:nvSpPr>
           <p:cNvPr id="47" name="Texte niveau 1…"/>
-          <p:cNvSpPr txBox="1"/>
+          <p:cNvSpPr txBox="1">
+            <a:spLocks noGrp="1"/>
+          </p:cNvSpPr>
           <p:nvPr>
             <p:ph type="body" sz="half" idx="1"/>
           </p:nvPr>
@@ -1188,7 +1212,6 @@
           <a:bodyPr/>
           <a:lstStyle/>
           <a:p>
-            <a:pPr/>
             <a:r>
               <a:t>Texte niveau 1</a:t>
             </a:r>
@@ -1222,7 +1245,9 @@
       <p:sp>
         <p:nvSpPr>
           <p:cNvPr id="48" name="Numéro de diapositive"/>
-          <p:cNvSpPr txBox="1"/>
+          <p:cNvSpPr txBox="1">
+            <a:spLocks noGrp="1"/>
+          </p:cNvSpPr>
           <p:nvPr>
             <p:ph type="sldNum" sz="quarter" idx="2"/>
           </p:nvPr>
@@ -1236,8 +1261,10 @@
           <a:bodyPr/>
           <a:lstStyle/>
           <a:p>
-            <a:pPr/>
-            <a:fld id="{86CB4B4D-7CA3-9044-876B-883B54F8677D}" type="slidenum"/>
+            <a:fld id="{86CB4B4D-7CA3-9044-876B-883B54F8677D}" type="slidenum">
+              <a:t>‹N°›</a:t>
+            </a:fld>
+            <a:endParaRPr/>
           </a:p>
         </p:txBody>
       </p:sp>
@@ -1246,12 +1273,12 @@
   <p:clrMapOvr>
     <a:masterClrMapping/>
   </p:clrMapOvr>
-  <p:transition xmlns:p14="http://schemas.microsoft.com/office/powerpoint/2010/main" spd="med" advClick="1"/>
+  <p:transition spd="med"/>
 </p:sldLayout>
 </file>
 
 <file path=ppt/slideLayouts/slideLayout5.xml><?xml version="1.0" encoding="utf-8"?>
-<p:sldLayout xmlns:a="http://schemas.openxmlformats.org/drawingml/2006/main" xmlns:r="http://schemas.openxmlformats.org/officeDocument/2006/relationships" xmlns:p="http://schemas.openxmlformats.org/presentationml/2006/main" xmlns:m="http://schemas.openxmlformats.org/officeDocument/2006/math" xmlns:a14="http://schemas.microsoft.com/office/drawing/2010/main" type="tx" showMasterSp="0" showMasterPhAnim="1">
+<p:sldLayout xmlns:a="http://schemas.openxmlformats.org/drawingml/2006/main" xmlns:r="http://schemas.openxmlformats.org/officeDocument/2006/relationships" xmlns:p="http://schemas.openxmlformats.org/presentationml/2006/main" showMasterSp="0" type="tx">
   <p:cSld name="Comparison">
     <p:spTree>
       <p:nvGrpSpPr>
@@ -1303,6 +1330,7 @@
                 <a:sym typeface="AvenirNext LT Pro Medium"/>
               </a:defRPr>
             </a:pPr>
+            <a:endParaRPr/>
           </a:p>
         </p:txBody>
       </p:sp>
@@ -1315,9 +1343,7 @@
           <p:nvPr/>
         </p:nvPicPr>
         <p:blipFill>
-          <a:blip r:embed="rId2">
-            <a:extLst/>
-          </a:blip>
+          <a:blip r:embed="rId2"/>
           <a:stretch>
             <a:fillRect/>
           </a:stretch>
@@ -1338,7 +1364,9 @@
       <p:sp>
         <p:nvSpPr>
           <p:cNvPr id="57" name="Texte du titre"/>
-          <p:cNvSpPr txBox="1"/>
+          <p:cNvSpPr txBox="1">
+            <a:spLocks noGrp="1"/>
+          </p:cNvSpPr>
           <p:nvPr>
             <p:ph type="title"/>
           </p:nvPr>
@@ -1356,7 +1384,6 @@
           <a:bodyPr/>
           <a:lstStyle/>
           <a:p>
-            <a:pPr/>
             <a:r>
               <a:t>Texte du titre</a:t>
             </a:r>
@@ -1366,7 +1393,9 @@
       <p:sp>
         <p:nvSpPr>
           <p:cNvPr id="58" name="Texte niveau 1…"/>
-          <p:cNvSpPr txBox="1"/>
+          <p:cNvSpPr txBox="1">
+            <a:spLocks noGrp="1"/>
+          </p:cNvSpPr>
           <p:nvPr>
             <p:ph type="body" sz="quarter" idx="1"/>
           </p:nvPr>
@@ -1388,39 +1417,38 @@
               <a:buSzTx/>
               <a:buFontTx/>
               <a:buNone/>
-              <a:defRPr b="1" sz="2400"/>
+              <a:defRPr sz="2400" b="1"/>
             </a:lvl1pPr>
             <a:lvl2pPr marL="0" indent="457200">
               <a:buClrTx/>
               <a:buSzTx/>
               <a:buFontTx/>
               <a:buNone/>
-              <a:defRPr b="1" sz="2400"/>
+              <a:defRPr sz="2400" b="1"/>
             </a:lvl2pPr>
             <a:lvl3pPr marL="0" indent="914400">
               <a:buClrTx/>
               <a:buSzTx/>
               <a:buFontTx/>
               <a:buNone/>
-              <a:defRPr b="1" sz="2400"/>
+              <a:defRPr sz="2400" b="1"/>
             </a:lvl3pPr>
             <a:lvl4pPr marL="0" indent="1371600">
               <a:buClrTx/>
               <a:buSzTx/>
               <a:buFontTx/>
               <a:buNone/>
-              <a:defRPr b="1" sz="2400"/>
+              <a:defRPr sz="2400" b="1"/>
             </a:lvl4pPr>
             <a:lvl5pPr marL="0" indent="1828800">
               <a:buClrTx/>
               <a:buSzTx/>
               <a:buFontTx/>
               <a:buNone/>
-              <a:defRPr b="1" sz="2400"/>
+              <a:defRPr sz="2400" b="1"/>
             </a:lvl5pPr>
           </a:lstStyle>
           <a:p>
-            <a:pPr/>
             <a:r>
               <a:t>Texte niveau 1</a:t>
             </a:r>
@@ -1454,7 +1482,9 @@
       <p:sp>
         <p:nvSpPr>
           <p:cNvPr id="59" name="Text Placeholder 4"/>
-          <p:cNvSpPr/>
+          <p:cNvSpPr>
+            <a:spLocks noGrp="1"/>
+          </p:cNvSpPr>
           <p:nvPr>
             <p:ph type="body" sz="quarter" idx="21"/>
           </p:nvPr>
@@ -1477,15 +1507,18 @@
               <a:buSzTx/>
               <a:buFontTx/>
               <a:buNone/>
-              <a:defRPr b="1" sz="2400"/>
+              <a:defRPr sz="2400" b="1"/>
             </a:pPr>
+            <a:endParaRPr/>
           </a:p>
         </p:txBody>
       </p:sp>
       <p:sp>
         <p:nvSpPr>
           <p:cNvPr id="60" name="Numéro de diapositive"/>
-          <p:cNvSpPr txBox="1"/>
+          <p:cNvSpPr txBox="1">
+            <a:spLocks noGrp="1"/>
+          </p:cNvSpPr>
           <p:nvPr>
             <p:ph type="sldNum" sz="quarter" idx="2"/>
           </p:nvPr>
@@ -1499,8 +1532,10 @@
           <a:bodyPr/>
           <a:lstStyle/>
           <a:p>
-            <a:pPr/>
-            <a:fld id="{86CB4B4D-7CA3-9044-876B-883B54F8677D}" type="slidenum"/>
+            <a:fld id="{86CB4B4D-7CA3-9044-876B-883B54F8677D}" type="slidenum">
+              <a:t>‹N°›</a:t>
+            </a:fld>
+            <a:endParaRPr/>
           </a:p>
         </p:txBody>
       </p:sp>
@@ -1509,12 +1544,12 @@
   <p:clrMapOvr>
     <a:masterClrMapping/>
   </p:clrMapOvr>
-  <p:transition xmlns:p14="http://schemas.microsoft.com/office/powerpoint/2010/main" spd="med" advClick="1"/>
+  <p:transition spd="med"/>
 </p:sldLayout>
 </file>
 
 <file path=ppt/slideLayouts/slideLayout6.xml><?xml version="1.0" encoding="utf-8"?>
-<p:sldLayout xmlns:a="http://schemas.openxmlformats.org/drawingml/2006/main" xmlns:r="http://schemas.openxmlformats.org/officeDocument/2006/relationships" xmlns:p="http://schemas.openxmlformats.org/presentationml/2006/main" xmlns:m="http://schemas.openxmlformats.org/officeDocument/2006/math" xmlns:a14="http://schemas.microsoft.com/office/drawing/2010/main" type="tx" showMasterSp="0" showMasterPhAnim="1">
+<p:sldLayout xmlns:a="http://schemas.openxmlformats.org/drawingml/2006/main" xmlns:r="http://schemas.openxmlformats.org/officeDocument/2006/relationships" xmlns:p="http://schemas.openxmlformats.org/presentationml/2006/main" showMasterSp="0" type="tx">
   <p:cSld name="Title Only">
     <p:spTree>
       <p:nvGrpSpPr>
@@ -1566,6 +1601,7 @@
                 <a:sym typeface="AvenirNext LT Pro Medium"/>
               </a:defRPr>
             </a:pPr>
+            <a:endParaRPr/>
           </a:p>
         </p:txBody>
       </p:sp>
@@ -1578,9 +1614,7 @@
           <p:nvPr/>
         </p:nvPicPr>
         <p:blipFill>
-          <a:blip r:embed="rId2">
-            <a:extLst/>
-          </a:blip>
+          <a:blip r:embed="rId2"/>
           <a:stretch>
             <a:fillRect/>
           </a:stretch>
@@ -1601,7 +1635,9 @@
       <p:sp>
         <p:nvSpPr>
           <p:cNvPr id="69" name="Texte du titre"/>
-          <p:cNvSpPr txBox="1"/>
+          <p:cNvSpPr txBox="1">
+            <a:spLocks noGrp="1"/>
+          </p:cNvSpPr>
           <p:nvPr>
             <p:ph type="title"/>
           </p:nvPr>
@@ -1615,7 +1651,6 @@
           <a:bodyPr/>
           <a:lstStyle/>
           <a:p>
-            <a:pPr/>
             <a:r>
               <a:t>Texte du titre</a:t>
             </a:r>
@@ -1625,7 +1660,9 @@
       <p:sp>
         <p:nvSpPr>
           <p:cNvPr id="70" name="Numéro de diapositive"/>
-          <p:cNvSpPr txBox="1"/>
+          <p:cNvSpPr txBox="1">
+            <a:spLocks noGrp="1"/>
+          </p:cNvSpPr>
           <p:nvPr>
             <p:ph type="sldNum" sz="quarter" idx="2"/>
           </p:nvPr>
@@ -1639,8 +1676,10 @@
           <a:bodyPr/>
           <a:lstStyle/>
           <a:p>
-            <a:pPr/>
-            <a:fld id="{86CB4B4D-7CA3-9044-876B-883B54F8677D}" type="slidenum"/>
+            <a:fld id="{86CB4B4D-7CA3-9044-876B-883B54F8677D}" type="slidenum">
+              <a:t>‹N°›</a:t>
+            </a:fld>
+            <a:endParaRPr/>
           </a:p>
         </p:txBody>
       </p:sp>
@@ -1649,12 +1688,12 @@
   <p:clrMapOvr>
     <a:masterClrMapping/>
   </p:clrMapOvr>
-  <p:transition xmlns:p14="http://schemas.microsoft.com/office/powerpoint/2010/main" spd="med" advClick="1"/>
+  <p:transition spd="med"/>
 </p:sldLayout>
 </file>
 
 <file path=ppt/slideLayouts/slideLayout7.xml><?xml version="1.0" encoding="utf-8"?>
-<p:sldLayout xmlns:a="http://schemas.openxmlformats.org/drawingml/2006/main" xmlns:r="http://schemas.openxmlformats.org/officeDocument/2006/relationships" xmlns:p="http://schemas.openxmlformats.org/presentationml/2006/main" xmlns:m="http://schemas.openxmlformats.org/officeDocument/2006/math" xmlns:a14="http://schemas.microsoft.com/office/drawing/2010/main" type="tx" showMasterSp="0" showMasterPhAnim="1">
+<p:sldLayout xmlns:a="http://schemas.openxmlformats.org/drawingml/2006/main" xmlns:r="http://schemas.openxmlformats.org/officeDocument/2006/relationships" xmlns:p="http://schemas.openxmlformats.org/presentationml/2006/main" showMasterSp="0" type="tx">
   <p:cSld name="Blank">
     <p:spTree>
       <p:nvGrpSpPr>
@@ -1706,6 +1745,7 @@
                 <a:sym typeface="AvenirNext LT Pro Medium"/>
               </a:defRPr>
             </a:pPr>
+            <a:endParaRPr/>
           </a:p>
         </p:txBody>
       </p:sp>
@@ -1718,9 +1758,7 @@
           <p:nvPr/>
         </p:nvPicPr>
         <p:blipFill>
-          <a:blip r:embed="rId2">
-            <a:extLst/>
-          </a:blip>
+          <a:blip r:embed="rId2"/>
           <a:stretch>
             <a:fillRect/>
           </a:stretch>
@@ -1741,7 +1779,9 @@
       <p:sp>
         <p:nvSpPr>
           <p:cNvPr id="79" name="Numéro de diapositive"/>
-          <p:cNvSpPr txBox="1"/>
+          <p:cNvSpPr txBox="1">
+            <a:spLocks noGrp="1"/>
+          </p:cNvSpPr>
           <p:nvPr>
             <p:ph type="sldNum" sz="quarter" idx="2"/>
           </p:nvPr>
@@ -1755,8 +1795,10 @@
           <a:bodyPr/>
           <a:lstStyle/>
           <a:p>
-            <a:pPr/>
-            <a:fld id="{86CB4B4D-7CA3-9044-876B-883B54F8677D}" type="slidenum"/>
+            <a:fld id="{86CB4B4D-7CA3-9044-876B-883B54F8677D}" type="slidenum">
+              <a:t>‹N°›</a:t>
+            </a:fld>
+            <a:endParaRPr/>
           </a:p>
         </p:txBody>
       </p:sp>
@@ -1765,12 +1807,12 @@
   <p:clrMapOvr>
     <a:masterClrMapping/>
   </p:clrMapOvr>
-  <p:transition xmlns:p14="http://schemas.microsoft.com/office/powerpoint/2010/main" spd="med" advClick="1"/>
+  <p:transition spd="med"/>
 </p:sldLayout>
 </file>
 
 <file path=ppt/slideLayouts/slideLayout8.xml><?xml version="1.0" encoding="utf-8"?>
-<p:sldLayout xmlns:a="http://schemas.openxmlformats.org/drawingml/2006/main" xmlns:r="http://schemas.openxmlformats.org/officeDocument/2006/relationships" xmlns:p="http://schemas.openxmlformats.org/presentationml/2006/main" xmlns:m="http://schemas.openxmlformats.org/officeDocument/2006/math" xmlns:a14="http://schemas.microsoft.com/office/drawing/2010/main" type="tx" showMasterSp="0" showMasterPhAnim="1">
+<p:sldLayout xmlns:a="http://schemas.openxmlformats.org/drawingml/2006/main" xmlns:r="http://schemas.openxmlformats.org/officeDocument/2006/relationships" xmlns:p="http://schemas.openxmlformats.org/presentationml/2006/main" showMasterSp="0" type="tx">
   <p:cSld name="Content with Caption">
     <p:spTree>
       <p:nvGrpSpPr>
@@ -1822,6 +1864,7 @@
                 <a:sym typeface="AvenirNext LT Pro Medium"/>
               </a:defRPr>
             </a:pPr>
+            <a:endParaRPr/>
           </a:p>
         </p:txBody>
       </p:sp>
@@ -1834,9 +1877,7 @@
           <p:nvPr/>
         </p:nvPicPr>
         <p:blipFill>
-          <a:blip r:embed="rId2">
-            <a:extLst/>
-          </a:blip>
+          <a:blip r:embed="rId2"/>
           <a:stretch>
             <a:fillRect/>
           </a:stretch>
@@ -1857,7 +1898,9 @@
       <p:sp>
         <p:nvSpPr>
           <p:cNvPr id="88" name="Texte du titre"/>
-          <p:cNvSpPr txBox="1"/>
+          <p:cNvSpPr txBox="1">
+            <a:spLocks noGrp="1"/>
+          </p:cNvSpPr>
           <p:nvPr>
             <p:ph type="title"/>
           </p:nvPr>
@@ -1879,7 +1922,6 @@
             </a:lvl1pPr>
           </a:lstStyle>
           <a:p>
-            <a:pPr/>
             <a:r>
               <a:t>Texte du titre</a:t>
             </a:r>
@@ -1889,7 +1931,9 @@
       <p:sp>
         <p:nvSpPr>
           <p:cNvPr id="89" name="Texte niveau 1…"/>
-          <p:cNvSpPr txBox="1"/>
+          <p:cNvSpPr txBox="1">
+            <a:spLocks noGrp="1"/>
+          </p:cNvSpPr>
           <p:nvPr>
             <p:ph type="body" sz="half" idx="1"/>
           </p:nvPr>
@@ -1923,7 +1967,6 @@
             </a:lvl5pPr>
           </a:lstStyle>
           <a:p>
-            <a:pPr/>
             <a:r>
               <a:t>Texte niveau 1</a:t>
             </a:r>
@@ -1957,7 +2000,9 @@
       <p:sp>
         <p:nvSpPr>
           <p:cNvPr id="90" name="Text Placeholder 3"/>
-          <p:cNvSpPr/>
+          <p:cNvSpPr>
+            <a:spLocks noGrp="1"/>
+          </p:cNvSpPr>
           <p:nvPr>
             <p:ph type="body" sz="quarter" idx="21"/>
           </p:nvPr>
@@ -1982,13 +2027,16 @@
               <a:buNone/>
               <a:defRPr sz="1600"/>
             </a:pPr>
+            <a:endParaRPr/>
           </a:p>
         </p:txBody>
       </p:sp>
       <p:sp>
         <p:nvSpPr>
           <p:cNvPr id="91" name="Numéro de diapositive"/>
-          <p:cNvSpPr txBox="1"/>
+          <p:cNvSpPr txBox="1">
+            <a:spLocks noGrp="1"/>
+          </p:cNvSpPr>
           <p:nvPr>
             <p:ph type="sldNum" sz="quarter" idx="2"/>
           </p:nvPr>
@@ -2002,8 +2050,10 @@
           <a:bodyPr/>
           <a:lstStyle/>
           <a:p>
-            <a:pPr/>
-            <a:fld id="{86CB4B4D-7CA3-9044-876B-883B54F8677D}" type="slidenum"/>
+            <a:fld id="{86CB4B4D-7CA3-9044-876B-883B54F8677D}" type="slidenum">
+              <a:t>‹N°›</a:t>
+            </a:fld>
+            <a:endParaRPr/>
           </a:p>
         </p:txBody>
       </p:sp>
@@ -2012,12 +2062,12 @@
   <p:clrMapOvr>
     <a:masterClrMapping/>
   </p:clrMapOvr>
-  <p:transition xmlns:p14="http://schemas.microsoft.com/office/powerpoint/2010/main" spd="med" advClick="1"/>
+  <p:transition spd="med"/>
 </p:sldLayout>
 </file>
 
 <file path=ppt/slideLayouts/slideLayout9.xml><?xml version="1.0" encoding="utf-8"?>
-<p:sldLayout xmlns:a="http://schemas.openxmlformats.org/drawingml/2006/main" xmlns:r="http://schemas.openxmlformats.org/officeDocument/2006/relationships" xmlns:p="http://schemas.openxmlformats.org/presentationml/2006/main" xmlns:m="http://schemas.openxmlformats.org/officeDocument/2006/math" xmlns:a14="http://schemas.microsoft.com/office/drawing/2010/main" type="tx" showMasterSp="0" showMasterPhAnim="1">
+<p:sldLayout xmlns:a="http://schemas.openxmlformats.org/drawingml/2006/main" xmlns:r="http://schemas.openxmlformats.org/officeDocument/2006/relationships" xmlns:p="http://schemas.openxmlformats.org/presentationml/2006/main" showMasterSp="0" type="tx">
   <p:cSld name="Picture with Caption">
     <p:spTree>
       <p:nvGrpSpPr>
@@ -2069,6 +2119,7 @@
                 <a:sym typeface="AvenirNext LT Pro Medium"/>
               </a:defRPr>
             </a:pPr>
+            <a:endParaRPr/>
           </a:p>
         </p:txBody>
       </p:sp>
@@ -2081,9 +2132,7 @@
           <p:nvPr/>
         </p:nvPicPr>
         <p:blipFill>
-          <a:blip r:embed="rId2">
-            <a:extLst/>
-          </a:blip>
+          <a:blip r:embed="rId2"/>
           <a:stretch>
             <a:fillRect/>
           </a:stretch>
@@ -2104,7 +2153,9 @@
       <p:sp>
         <p:nvSpPr>
           <p:cNvPr id="100" name="Texte du titre"/>
-          <p:cNvSpPr txBox="1"/>
+          <p:cNvSpPr txBox="1">
+            <a:spLocks noGrp="1"/>
+          </p:cNvSpPr>
           <p:nvPr>
             <p:ph type="title"/>
           </p:nvPr>
@@ -2126,7 +2177,6 @@
             </a:lvl1pPr>
           </a:lstStyle>
           <a:p>
-            <a:pPr/>
             <a:r>
               <a:t>Texte du titre</a:t>
             </a:r>
@@ -2136,7 +2186,9 @@
       <p:sp>
         <p:nvSpPr>
           <p:cNvPr id="101" name="Picture Placeholder 2"/>
-          <p:cNvSpPr/>
+          <p:cNvSpPr>
+            <a:spLocks noGrp="1"/>
+          </p:cNvSpPr>
           <p:nvPr>
             <p:ph type="pic" sz="half" idx="21"/>
           </p:nvPr>
@@ -2156,14 +2208,16 @@
           </a:bodyPr>
           <a:lstStyle/>
           <a:p>
-            <a:pPr/>
+            <a:endParaRPr/>
           </a:p>
         </p:txBody>
       </p:sp>
       <p:sp>
         <p:nvSpPr>
           <p:cNvPr id="102" name="Texte niveau 1…"/>
-          <p:cNvSpPr txBox="1"/>
+          <p:cNvSpPr txBox="1">
+            <a:spLocks noGrp="1"/>
+          </p:cNvSpPr>
           <p:nvPr>
             <p:ph type="body" sz="quarter" idx="1"/>
           </p:nvPr>
@@ -2217,7 +2271,6 @@
             </a:lvl5pPr>
           </a:lstStyle>
           <a:p>
-            <a:pPr/>
             <a:r>
               <a:t>Texte niveau 1</a:t>
             </a:r>
@@ -2251,7 +2304,9 @@
       <p:sp>
         <p:nvSpPr>
           <p:cNvPr id="103" name="Numéro de diapositive"/>
-          <p:cNvSpPr txBox="1"/>
+          <p:cNvSpPr txBox="1">
+            <a:spLocks noGrp="1"/>
+          </p:cNvSpPr>
           <p:nvPr>
             <p:ph type="sldNum" sz="quarter" idx="2"/>
           </p:nvPr>
@@ -2265,8 +2320,10 @@
           <a:bodyPr/>
           <a:lstStyle/>
           <a:p>
-            <a:pPr/>
-            <a:fld id="{86CB4B4D-7CA3-9044-876B-883B54F8677D}" type="slidenum"/>
+            <a:fld id="{86CB4B4D-7CA3-9044-876B-883B54F8677D}" type="slidenum">
+              <a:t>‹N°›</a:t>
+            </a:fld>
+            <a:endParaRPr/>
           </a:p>
         </p:txBody>
       </p:sp>
@@ -2275,18 +2332,19 @@
   <p:clrMapOvr>
     <a:masterClrMapping/>
   </p:clrMapOvr>
-  <p:transition xmlns:p14="http://schemas.microsoft.com/office/powerpoint/2010/main" spd="med" advClick="1"/>
+  <p:transition spd="med"/>
 </p:sldLayout>
 </file>
 
 <file path=ppt/slideMasters/slideMaster1.xml><?xml version="1.0" encoding="utf-8"?>
-<p:sldMaster xmlns:a="http://schemas.openxmlformats.org/drawingml/2006/main" xmlns:r="http://schemas.openxmlformats.org/officeDocument/2006/relationships" xmlns:p="http://schemas.openxmlformats.org/presentationml/2006/main" xmlns:m="http://schemas.openxmlformats.org/officeDocument/2006/math" xmlns:a14="http://schemas.microsoft.com/office/drawing/2010/main">
+<p:sldMaster xmlns:a="http://schemas.openxmlformats.org/drawingml/2006/main" xmlns:r="http://schemas.openxmlformats.org/officeDocument/2006/relationships" xmlns:p="http://schemas.openxmlformats.org/presentationml/2006/main">
   <p:cSld>
     <p:bg>
       <p:bgPr>
         <a:solidFill>
           <a:srgbClr val="FFFFFF"/>
         </a:solidFill>
+        <a:effectLst/>
       </p:bgPr>
     </p:bg>
     <p:spTree>
@@ -2339,6 +2397,7 @@
                 <a:sym typeface="AvenirNext LT Pro Medium"/>
               </a:defRPr>
             </a:pPr>
+            <a:endParaRPr/>
           </a:p>
         </p:txBody>
       </p:sp>
@@ -2351,9 +2410,7 @@
           <p:nvPr/>
         </p:nvPicPr>
         <p:blipFill>
-          <a:blip r:embed="rId2">
-            <a:extLst/>
-          </a:blip>
+          <a:blip r:embed="rId11"/>
           <a:stretch>
             <a:fillRect/>
           </a:stretch>
@@ -2374,7 +2431,9 @@
       <p:sp>
         <p:nvSpPr>
           <p:cNvPr id="4" name="Texte du titre"/>
-          <p:cNvSpPr txBox="1"/>
+          <p:cNvSpPr txBox="1">
+            <a:spLocks noGrp="1"/>
+          </p:cNvSpPr>
           <p:nvPr>
             <p:ph type="title"/>
           </p:nvPr>
@@ -2392,17 +2451,16 @@
           </a:ln>
           <a:extLst>
             <a:ext uri="{C572A759-6A51-4108-AA02-DFA0A04FC94B}">
-              <ma14:wrappingTextBoxFlag xmlns:ma14="http://schemas.microsoft.com/office/mac/drawingml/2011/main" val="1"/>
+              <ma14:wrappingTextBoxFlag xmlns:ma14="http://schemas.microsoft.com/office/mac/drawingml/2011/main" xmlns:a14="http://schemas.microsoft.com/office/drawing/2010/main" xmlns:m="http://schemas.openxmlformats.org/officeDocument/2006/math" xmlns="" val="1"/>
             </a:ext>
           </a:extLst>
         </p:spPr>
         <p:txBody>
           <a:bodyPr lIns="45719" rIns="45719" anchor="ctr">
-            <a:normAutofit fontScale="100000" lnSpcReduction="0"/>
+            <a:normAutofit/>
           </a:bodyPr>
           <a:lstStyle/>
           <a:p>
-            <a:pPr/>
             <a:r>
               <a:t>Texte du titre</a:t>
             </a:r>
@@ -2412,7 +2470,9 @@
       <p:sp>
         <p:nvSpPr>
           <p:cNvPr id="5" name="Texte niveau 1…"/>
-          <p:cNvSpPr txBox="1"/>
+          <p:cNvSpPr txBox="1">
+            <a:spLocks noGrp="1"/>
+          </p:cNvSpPr>
           <p:nvPr>
             <p:ph type="body" idx="1"/>
           </p:nvPr>
@@ -2430,17 +2490,16 @@
           </a:ln>
           <a:extLst>
             <a:ext uri="{C572A759-6A51-4108-AA02-DFA0A04FC94B}">
-              <ma14:wrappingTextBoxFlag xmlns:ma14="http://schemas.microsoft.com/office/mac/drawingml/2011/main" val="1"/>
+              <ma14:wrappingTextBoxFlag xmlns:ma14="http://schemas.microsoft.com/office/mac/drawingml/2011/main" xmlns:a14="http://schemas.microsoft.com/office/drawing/2010/main" xmlns:m="http://schemas.openxmlformats.org/officeDocument/2006/math" xmlns="" val="1"/>
             </a:ext>
           </a:extLst>
         </p:spPr>
         <p:txBody>
           <a:bodyPr lIns="45719" rIns="45719">
-            <a:normAutofit fontScale="100000" lnSpcReduction="0"/>
+            <a:normAutofit/>
           </a:bodyPr>
           <a:lstStyle/>
           <a:p>
-            <a:pPr/>
             <a:r>
               <a:t>Texte niveau 1</a:t>
             </a:r>
@@ -2474,7 +2533,9 @@
       <p:sp>
         <p:nvSpPr>
           <p:cNvPr id="6" name="Numéro de diapositive"/>
-          <p:cNvSpPr txBox="1"/>
+          <p:cNvSpPr txBox="1">
+            <a:spLocks noGrp="1"/>
+          </p:cNvSpPr>
           <p:nvPr>
             <p:ph type="sldNum" sz="quarter" idx="2"/>
           </p:nvPr>
@@ -2507,8 +2568,10 @@
             </a:lvl1pPr>
           </a:lstStyle>
           <a:p>
-            <a:pPr/>
-            <a:fld id="{86CB4B4D-7CA3-9044-876B-883B54F8677D}" type="slidenum"/>
+            <a:fld id="{86CB4B4D-7CA3-9044-876B-883B54F8677D}" type="slidenum">
+              <a:t>‹N°›</a:t>
+            </a:fld>
+            <a:endParaRPr/>
           </a:p>
         </p:txBody>
       </p:sp>
@@ -2516,17 +2579,17 @@
   </p:cSld>
   <p:clrMap bg1="lt1" tx1="dk1" bg2="lt2" tx2="dk2" accent1="accent1" accent2="accent2" accent3="accent3" accent4="accent4" accent5="accent5" accent6="accent6" hlink="hlink" folHlink="folHlink"/>
   <p:sldLayoutIdLst>
-    <p:sldLayoutId id="2147483649" r:id="rId3"/>
-    <p:sldLayoutId id="2147483650" r:id="rId4"/>
-    <p:sldLayoutId id="2147483651" r:id="rId5"/>
-    <p:sldLayoutId id="2147483652" r:id="rId6"/>
-    <p:sldLayoutId id="2147483653" r:id="rId7"/>
-    <p:sldLayoutId id="2147483654" r:id="rId8"/>
-    <p:sldLayoutId id="2147483655" r:id="rId9"/>
-    <p:sldLayoutId id="2147483656" r:id="rId10"/>
-    <p:sldLayoutId id="2147483657" r:id="rId11"/>
+    <p:sldLayoutId id="2147483649" r:id="rId1"/>
+    <p:sldLayoutId id="2147483650" r:id="rId2"/>
+    <p:sldLayoutId id="2147483651" r:id="rId3"/>
+    <p:sldLayoutId id="2147483652" r:id="rId4"/>
+    <p:sldLayoutId id="2147483653" r:id="rId5"/>
+    <p:sldLayoutId id="2147483654" r:id="rId6"/>
+    <p:sldLayoutId id="2147483655" r:id="rId7"/>
+    <p:sldLayoutId id="2147483656" r:id="rId8"/>
+    <p:sldLayoutId id="2147483657" r:id="rId9"/>
   </p:sldLayoutIdLst>
-  <p:transition xmlns:p14="http://schemas.microsoft.com/office/powerpoint/2010/main" spd="med" advClick="1"/>
+  <p:transition spd="med"/>
   <p:txStyles>
     <p:titleStyle>
       <a:lvl1pPr marL="0" marR="0" indent="0" algn="l" defTabSz="914400" rtl="0" latinLnBrk="0">
@@ -2544,7 +2607,7 @@
         <a:buFontTx/>
         <a:buNone/>
         <a:tabLst/>
-        <a:defRPr b="1" baseline="0" cap="none" i="0" spc="0" strike="noStrike" sz="4400" u="none">
+        <a:defRPr sz="4400" b="1" i="0" u="none" strike="noStrike" cap="none" spc="0" baseline="0">
           <a:solidFill>
             <a:srgbClr val="FFFFFF"/>
           </a:solidFill>
@@ -2570,7 +2633,7 @@
         <a:buFontTx/>
         <a:buNone/>
         <a:tabLst/>
-        <a:defRPr b="1" baseline="0" cap="none" i="0" spc="0" strike="noStrike" sz="4400" u="none">
+        <a:defRPr sz="4400" b="1" i="0" u="none" strike="noStrike" cap="none" spc="0" baseline="0">
           <a:solidFill>
             <a:srgbClr val="FFFFFF"/>
           </a:solidFill>
@@ -2596,7 +2659,7 @@
         <a:buFontTx/>
         <a:buNone/>
         <a:tabLst/>
-        <a:defRPr b="1" baseline="0" cap="none" i="0" spc="0" strike="noStrike" sz="4400" u="none">
+        <a:defRPr sz="4400" b="1" i="0" u="none" strike="noStrike" cap="none" spc="0" baseline="0">
           <a:solidFill>
             <a:srgbClr val="FFFFFF"/>
           </a:solidFill>
@@ -2622,7 +2685,7 @@
         <a:buFontTx/>
         <a:buNone/>
         <a:tabLst/>
-        <a:defRPr b="1" baseline="0" cap="none" i="0" spc="0" strike="noStrike" sz="4400" u="none">
+        <a:defRPr sz="4400" b="1" i="0" u="none" strike="noStrike" cap="none" spc="0" baseline="0">
           <a:solidFill>
             <a:srgbClr val="FFFFFF"/>
           </a:solidFill>
@@ -2648,7 +2711,7 @@
         <a:buFontTx/>
         <a:buNone/>
         <a:tabLst/>
-        <a:defRPr b="1" baseline="0" cap="none" i="0" spc="0" strike="noStrike" sz="4400" u="none">
+        <a:defRPr sz="4400" b="1" i="0" u="none" strike="noStrike" cap="none" spc="0" baseline="0">
           <a:solidFill>
             <a:srgbClr val="FFFFFF"/>
           </a:solidFill>
@@ -2674,7 +2737,7 @@
         <a:buFontTx/>
         <a:buNone/>
         <a:tabLst/>
-        <a:defRPr b="1" baseline="0" cap="none" i="0" spc="0" strike="noStrike" sz="4400" u="none">
+        <a:defRPr sz="4400" b="1" i="0" u="none" strike="noStrike" cap="none" spc="0" baseline="0">
           <a:solidFill>
             <a:srgbClr val="FFFFFF"/>
           </a:solidFill>
@@ -2700,7 +2763,7 @@
         <a:buFontTx/>
         <a:buNone/>
         <a:tabLst/>
-        <a:defRPr b="1" baseline="0" cap="none" i="0" spc="0" strike="noStrike" sz="4400" u="none">
+        <a:defRPr sz="4400" b="1" i="0" u="none" strike="noStrike" cap="none" spc="0" baseline="0">
           <a:solidFill>
             <a:srgbClr val="FFFFFF"/>
           </a:solidFill>
@@ -2726,7 +2789,7 @@
         <a:buFontTx/>
         <a:buNone/>
         <a:tabLst/>
-        <a:defRPr b="1" baseline="0" cap="none" i="0" spc="0" strike="noStrike" sz="4400" u="none">
+        <a:defRPr sz="4400" b="1" i="0" u="none" strike="noStrike" cap="none" spc="0" baseline="0">
           <a:solidFill>
             <a:srgbClr val="FFFFFF"/>
           </a:solidFill>
@@ -2752,7 +2815,7 @@
         <a:buFontTx/>
         <a:buNone/>
         <a:tabLst/>
-        <a:defRPr b="1" baseline="0" cap="none" i="0" spc="0" strike="noStrike" sz="4400" u="none">
+        <a:defRPr sz="4400" b="1" i="0" u="none" strike="noStrike" cap="none" spc="0" baseline="0">
           <a:solidFill>
             <a:srgbClr val="FFFFFF"/>
           </a:solidFill>
@@ -2782,7 +2845,7 @@
         <a:buFont typeface="Arial"/>
         <a:buChar char="•"/>
         <a:tabLst/>
-        <a:defRPr b="0" baseline="0" cap="none" i="0" spc="0" strike="noStrike" sz="2800" u="none">
+        <a:defRPr sz="2800" b="0" i="0" u="none" strike="noStrike" cap="none" spc="0" baseline="0">
           <a:solidFill>
             <a:srgbClr val="FFFFFF"/>
           </a:solidFill>
@@ -2810,7 +2873,7 @@
         <a:buFont typeface="Arial"/>
         <a:buChar char="•"/>
         <a:tabLst/>
-        <a:defRPr b="0" baseline="0" cap="none" i="0" spc="0" strike="noStrike" sz="2800" u="none">
+        <a:defRPr sz="2800" b="0" i="0" u="none" strike="noStrike" cap="none" spc="0" baseline="0">
           <a:solidFill>
             <a:srgbClr val="FFFFFF"/>
           </a:solidFill>
@@ -2838,7 +2901,7 @@
         <a:buFont typeface="Arial"/>
         <a:buChar char="•"/>
         <a:tabLst/>
-        <a:defRPr b="0" baseline="0" cap="none" i="0" spc="0" strike="noStrike" sz="2800" u="none">
+        <a:defRPr sz="2800" b="0" i="0" u="none" strike="noStrike" cap="none" spc="0" baseline="0">
           <a:solidFill>
             <a:srgbClr val="FFFFFF"/>
           </a:solidFill>
@@ -2866,7 +2929,7 @@
         <a:buFont typeface="Arial"/>
         <a:buChar char="•"/>
         <a:tabLst/>
-        <a:defRPr b="0" baseline="0" cap="none" i="0" spc="0" strike="noStrike" sz="2800" u="none">
+        <a:defRPr sz="2800" b="0" i="0" u="none" strike="noStrike" cap="none" spc="0" baseline="0">
           <a:solidFill>
             <a:srgbClr val="FFFFFF"/>
           </a:solidFill>
@@ -2894,7 +2957,7 @@
         <a:buFont typeface="Arial"/>
         <a:buChar char="•"/>
         <a:tabLst/>
-        <a:defRPr b="0" baseline="0" cap="none" i="0" spc="0" strike="noStrike" sz="2800" u="none">
+        <a:defRPr sz="2800" b="0" i="0" u="none" strike="noStrike" cap="none" spc="0" baseline="0">
           <a:solidFill>
             <a:srgbClr val="FFFFFF"/>
           </a:solidFill>
@@ -2922,7 +2985,7 @@
         <a:buFont typeface="Arial"/>
         <a:buChar char="•"/>
         <a:tabLst/>
-        <a:defRPr b="0" baseline="0" cap="none" i="0" spc="0" strike="noStrike" sz="2800" u="none">
+        <a:defRPr sz="2800" b="0" i="0" u="none" strike="noStrike" cap="none" spc="0" baseline="0">
           <a:solidFill>
             <a:srgbClr val="FFFFFF"/>
           </a:solidFill>
@@ -2950,7 +3013,7 @@
         <a:buFont typeface="Arial"/>
         <a:buChar char="•"/>
         <a:tabLst/>
-        <a:defRPr b="0" baseline="0" cap="none" i="0" spc="0" strike="noStrike" sz="2800" u="none">
+        <a:defRPr sz="2800" b="0" i="0" u="none" strike="noStrike" cap="none" spc="0" baseline="0">
           <a:solidFill>
             <a:srgbClr val="FFFFFF"/>
           </a:solidFill>
@@ -2978,7 +3041,7 @@
         <a:buFont typeface="Arial"/>
         <a:buChar char="•"/>
         <a:tabLst/>
-        <a:defRPr b="0" baseline="0" cap="none" i="0" spc="0" strike="noStrike" sz="2800" u="none">
+        <a:defRPr sz="2800" b="0" i="0" u="none" strike="noStrike" cap="none" spc="0" baseline="0">
           <a:solidFill>
             <a:srgbClr val="FFFFFF"/>
           </a:solidFill>
@@ -3006,7 +3069,7 @@
         <a:buFont typeface="Arial"/>
         <a:buChar char="•"/>
         <a:tabLst/>
-        <a:defRPr b="0" baseline="0" cap="none" i="0" spc="0" strike="noStrike" sz="2800" u="none">
+        <a:defRPr sz="2800" b="0" i="0" u="none" strike="noStrike" cap="none" spc="0" baseline="0">
           <a:solidFill>
             <a:srgbClr val="FFFFFF"/>
           </a:solidFill>
@@ -3034,7 +3097,7 @@
         <a:buFontTx/>
         <a:buNone/>
         <a:tabLst/>
-        <a:defRPr b="0" baseline="0" cap="none" i="0" spc="0" strike="noStrike" sz="900" u="none">
+        <a:defRPr sz="900" b="0" i="0" u="none" strike="noStrike" cap="none" spc="0" baseline="0">
           <a:solidFill>
             <a:schemeClr val="tx1"/>
           </a:solidFill>
@@ -3060,7 +3123,7 @@
         <a:buFontTx/>
         <a:buNone/>
         <a:tabLst/>
-        <a:defRPr b="0" baseline="0" cap="none" i="0" spc="0" strike="noStrike" sz="900" u="none">
+        <a:defRPr sz="900" b="0" i="0" u="none" strike="noStrike" cap="none" spc="0" baseline="0">
           <a:solidFill>
             <a:schemeClr val="tx1"/>
           </a:solidFill>
@@ -3086,7 +3149,7 @@
         <a:buFontTx/>
         <a:buNone/>
         <a:tabLst/>
-        <a:defRPr b="0" baseline="0" cap="none" i="0" spc="0" strike="noStrike" sz="900" u="none">
+        <a:defRPr sz="900" b="0" i="0" u="none" strike="noStrike" cap="none" spc="0" baseline="0">
           <a:solidFill>
             <a:schemeClr val="tx1"/>
           </a:solidFill>
@@ -3112,7 +3175,7 @@
         <a:buFontTx/>
         <a:buNone/>
         <a:tabLst/>
-        <a:defRPr b="0" baseline="0" cap="none" i="0" spc="0" strike="noStrike" sz="900" u="none">
+        <a:defRPr sz="900" b="0" i="0" u="none" strike="noStrike" cap="none" spc="0" baseline="0">
           <a:solidFill>
             <a:schemeClr val="tx1"/>
           </a:solidFill>
@@ -3138,7 +3201,7 @@
         <a:buFontTx/>
         <a:buNone/>
         <a:tabLst/>
-        <a:defRPr b="0" baseline="0" cap="none" i="0" spc="0" strike="noStrike" sz="900" u="none">
+        <a:defRPr sz="900" b="0" i="0" u="none" strike="noStrike" cap="none" spc="0" baseline="0">
           <a:solidFill>
             <a:schemeClr val="tx1"/>
           </a:solidFill>
@@ -3164,7 +3227,7 @@
         <a:buFontTx/>
         <a:buNone/>
         <a:tabLst/>
-        <a:defRPr b="0" baseline="0" cap="none" i="0" spc="0" strike="noStrike" sz="900" u="none">
+        <a:defRPr sz="900" b="0" i="0" u="none" strike="noStrike" cap="none" spc="0" baseline="0">
           <a:solidFill>
             <a:schemeClr val="tx1"/>
           </a:solidFill>
@@ -3190,7 +3253,7 @@
         <a:buFontTx/>
         <a:buNone/>
         <a:tabLst/>
-        <a:defRPr b="0" baseline="0" cap="none" i="0" spc="0" strike="noStrike" sz="900" u="none">
+        <a:defRPr sz="900" b="0" i="0" u="none" strike="noStrike" cap="none" spc="0" baseline="0">
           <a:solidFill>
             <a:schemeClr val="tx1"/>
           </a:solidFill>
@@ -3216,7 +3279,7 @@
         <a:buFontTx/>
         <a:buNone/>
         <a:tabLst/>
-        <a:defRPr b="0" baseline="0" cap="none" i="0" spc="0" strike="noStrike" sz="900" u="none">
+        <a:defRPr sz="900" b="0" i="0" u="none" strike="noStrike" cap="none" spc="0" baseline="0">
           <a:solidFill>
             <a:schemeClr val="tx1"/>
           </a:solidFill>
@@ -3242,7 +3305,7 @@
         <a:buFontTx/>
         <a:buNone/>
         <a:tabLst/>
-        <a:defRPr b="0" baseline="0" cap="none" i="0" spc="0" strike="noStrike" sz="900" u="none">
+        <a:defRPr sz="900" b="0" i="0" u="none" strike="noStrike" cap="none" spc="0" baseline="0">
           <a:solidFill>
             <a:schemeClr val="tx1"/>
           </a:solidFill>
@@ -3259,7 +3322,7 @@
 </file>
 
 <file path=ppt/slides/slide1.xml><?xml version="1.0" encoding="utf-8"?>
-<p:sld xmlns:a="http://schemas.openxmlformats.org/drawingml/2006/main" xmlns:r="http://schemas.openxmlformats.org/officeDocument/2006/relationships" xmlns:p="http://schemas.openxmlformats.org/presentationml/2006/main" xmlns:m="http://schemas.openxmlformats.org/officeDocument/2006/math" xmlns:a14="http://schemas.microsoft.com/office/drawing/2010/main" showMasterSp="1" showMasterPhAnim="1">
+<p:sld xmlns:a="http://schemas.openxmlformats.org/drawingml/2006/main" xmlns:r="http://schemas.openxmlformats.org/officeDocument/2006/relationships" xmlns:p="http://schemas.openxmlformats.org/presentationml/2006/main">
   <p:cSld>
     <p:spTree>
       <p:nvGrpSpPr>
@@ -3311,6 +3374,7 @@
                 <a:sym typeface="AvenirNext LT Pro Medium"/>
               </a:defRPr>
             </a:pPr>
+            <a:endParaRPr/>
           </a:p>
         </p:txBody>
       </p:sp>
@@ -3352,13 +3416,16 @@
                 <a:sym typeface="AvenirNext LT Pro Medium"/>
               </a:defRPr>
             </a:pPr>
+            <a:endParaRPr/>
           </a:p>
         </p:txBody>
       </p:sp>
       <p:sp>
         <p:nvSpPr>
           <p:cNvPr id="114" name="Titre 1"/>
-          <p:cNvSpPr txBox="1"/>
+          <p:cNvSpPr txBox="1">
+            <a:spLocks noGrp="1"/>
+          </p:cNvSpPr>
           <p:nvPr>
             <p:ph type="ctrTitle"/>
           </p:nvPr>
@@ -3384,7 +3451,6 @@
             </a:lvl1pPr>
           </a:lstStyle>
           <a:p>
-            <a:pPr/>
             <a:r>
               <a:t>Belgoteek</a:t>
             </a:r>
@@ -3394,7 +3460,9 @@
       <p:sp>
         <p:nvSpPr>
           <p:cNvPr id="115" name="Sous-titre 2"/>
-          <p:cNvSpPr txBox="1"/>
+          <p:cNvSpPr txBox="1">
+            <a:spLocks noGrp="1"/>
+          </p:cNvSpPr>
           <p:nvPr>
             <p:ph type="subTitle" sz="quarter" idx="1"/>
           </p:nvPr>
@@ -3420,7 +3488,6 @@
             </a:lvl1pPr>
           </a:lstStyle>
           <a:p>
-            <a:pPr/>
             <a:r>
               <a:t>Des livres à portée de tous</a:t>
             </a:r>
@@ -3463,6 +3530,7 @@
                 <a:sym typeface="AvenirNext LT Pro Medium"/>
               </a:defRPr>
             </a:pPr>
+            <a:endParaRPr/>
           </a:p>
         </p:txBody>
       </p:sp>
@@ -3498,6 +3566,7 @@
                 </a:solidFill>
               </a:defRPr>
             </a:pPr>
+            <a:endParaRPr/>
           </a:p>
         </p:txBody>
       </p:sp>
@@ -3506,20 +3575,20 @@
   <p:clrMapOvr>
     <a:masterClrMapping/>
   </p:clrMapOvr>
-  <p:transition xmlns:p14="http://schemas.microsoft.com/office/powerpoint/2010/main" spd="med" advClick="1"/>
+  <p:transition spd="med"/>
   <p:timing>
     <p:tnLst>
       <p:par>
-        <p:cTn id="1" nodeType="tmRoot" restart="never" dur="indefinite" fill="hold">
+        <p:cTn id="1" dur="indefinite" restart="never" fill="hold" nodeType="tmRoot">
           <p:childTnLst>
             <p:seq concurrent="1" prevAc="none" nextAc="seek">
-              <p:cTn id="2" nodeType="mainSeq" dur="indefinite" fill="hold">
+              <p:cTn id="2" dur="indefinite" fill="hold" nodeType="mainSeq">
                 <p:childTnLst>
                   <p:par>
                     <p:cTn id="3" fill="hold">
                       <p:stCondLst>
                         <p:cond delay="indefinite"/>
-                        <p:cond evt="onBegin">
+                        <p:cond evt="onBegin" delay="0">
                           <p:tn val="2"/>
                         </p:cond>
                       </p:stCondLst>
@@ -3531,11 +3600,11 @@
                             </p:stCondLst>
                             <p:childTnLst>
                               <p:par>
-                                <p:cTn id="5" presetClass="entr" nodeType="afterEffect" presetID="10" grpId="1" fill="hold">
+                                <p:cTn id="5" presetID="10" presetClass="entr" fill="hold" grpId="1" nodeType="afterEffect">
                                   <p:stCondLst>
                                     <p:cond delay="1000"/>
                                   </p:stCondLst>
-                                  <p:iterate type="el" backwards="0">
+                                  <p:iterate>
                                     <p:tmAbs val="0"/>
                                   </p:iterate>
                                   <p:childTnLst>
@@ -3555,7 +3624,7 @@
                                         <p:strVal val="visible"/>
                                       </p:to>
                                     </p:set>
-                                    <p:animEffect filter="fade" transition="in">
+                                    <p:animEffect transition="in" filter="fade">
                                       <p:cBhvr>
                                         <p:cTn id="7" dur="1000"/>
                                         <p:tgtEl>
@@ -3569,11 +3638,11 @@
                                 </p:cTn>
                               </p:par>
                               <p:par>
-                                <p:cTn id="8" presetClass="entr" nodeType="withEffect" presetSubtype="0" presetID="10" grpId="1" fill="hold">
+                                <p:cTn id="8" presetID="10" presetClass="entr" presetSubtype="0" fill="hold" grpId="1" nodeType="withEffect">
                                   <p:stCondLst>
                                     <p:cond delay="1000"/>
                                   </p:stCondLst>
-                                  <p:iterate type="el" backwards="0">
+                                  <p:iterate>
                                     <p:tmAbs val="0"/>
                                   </p:iterate>
                                   <p:childTnLst>
@@ -3595,7 +3664,7 @@
                                         <p:strVal val="visible"/>
                                       </p:to>
                                     </p:set>
-                                    <p:animEffect filter="fade" transition="in">
+                                    <p:animEffect transition="in" filter="fade">
                                       <p:cBhvr>
                                         <p:cTn id="10" dur="1000"/>
                                         <p:tgtEl>
@@ -3620,11 +3689,11 @@
                             </p:stCondLst>
                             <p:childTnLst>
                               <p:par>
-                                <p:cTn id="12" presetClass="entr" nodeType="afterEffect" presetID="10" grpId="2" fill="hold">
+                                <p:cTn id="12" presetID="10" presetClass="entr" fill="hold" grpId="2" nodeType="afterEffect">
                                   <p:stCondLst>
                                     <p:cond delay="500"/>
                                   </p:stCondLst>
-                                  <p:iterate type="el" backwards="0">
+                                  <p:iterate>
                                     <p:tmAbs val="0"/>
                                   </p:iterate>
                                   <p:childTnLst>
@@ -3642,7 +3711,7 @@
                                         <p:strVal val="visible"/>
                                       </p:to>
                                     </p:set>
-                                    <p:animEffect filter="fade" transition="in">
+                                    <p:animEffect transition="in" filter="fade">
                                       <p:cBhvr>
                                         <p:cTn id="14" dur="1000"/>
                                         <p:tgtEl>
@@ -3662,14 +3731,14 @@
                 </p:childTnLst>
               </p:cTn>
               <p:prevCondLst>
-                <p:cond evt="onPrev">
+                <p:cond evt="onPrev" delay="0">
                   <p:tgtEl>
                     <p:sldTgt/>
                   </p:tgtEl>
                 </p:cond>
               </p:prevCondLst>
               <p:nextCondLst>
-                <p:cond evt="onNext">
+                <p:cond evt="onNext" delay="0">
                   <p:tgtEl>
                     <p:sldTgt/>
                   </p:tgtEl>
@@ -3681,15 +3750,15 @@
       </p:par>
     </p:tnLst>
     <p:bldLst>
-      <p:bldP build="whole" bldLvl="1" animBg="1" rev="0" advAuto="0" spid="114" grpId="2"/>
-      <p:bldP build="p" bldLvl="1" animBg="1" rev="0" advAuto="0" spid="115" grpId="1"/>
+      <p:bldP spid="114" grpId="2" animBg="1" advAuto="0"/>
+      <p:bldP spid="115" grpId="1" build="p" animBg="1" advAuto="0"/>
     </p:bldLst>
   </p:timing>
 </p:sld>
 </file>
 
 <file path=ppt/slides/slide2.xml><?xml version="1.0" encoding="utf-8"?>
-<p:sld xmlns:a="http://schemas.openxmlformats.org/drawingml/2006/main" xmlns:r="http://schemas.openxmlformats.org/officeDocument/2006/relationships" xmlns:p="http://schemas.openxmlformats.org/presentationml/2006/main" xmlns:m="http://schemas.openxmlformats.org/officeDocument/2006/math" xmlns:a14="http://schemas.microsoft.com/office/drawing/2010/main" showMasterSp="1" showMasterPhAnim="1">
+<p:sld xmlns:a="http://schemas.openxmlformats.org/drawingml/2006/main" xmlns:r="http://schemas.openxmlformats.org/officeDocument/2006/relationships" xmlns:p="http://schemas.openxmlformats.org/presentationml/2006/main">
   <p:cSld>
     <p:spTree>
       <p:nvGrpSpPr>
@@ -3708,7 +3777,9 @@
       <p:sp>
         <p:nvSpPr>
           <p:cNvPr id="119" name="Titre 1"/>
-          <p:cNvSpPr txBox="1"/>
+          <p:cNvSpPr txBox="1">
+            <a:spLocks noGrp="1"/>
+          </p:cNvSpPr>
           <p:nvPr>
             <p:ph type="title"/>
           </p:nvPr>
@@ -3726,7 +3797,6 @@
           <a:bodyPr/>
           <a:lstStyle/>
           <a:p>
-            <a:pPr/>
             <a:r>
               <a:t>Consignes de la présentation</a:t>
             </a:r>
@@ -3736,7 +3806,9 @@
       <p:sp>
         <p:nvSpPr>
           <p:cNvPr id="120" name="Espace réservé du contenu 2"/>
-          <p:cNvSpPr txBox="1"/>
+          <p:cNvSpPr txBox="1">
+            <a:spLocks noGrp="1"/>
+          </p:cNvSpPr>
           <p:nvPr>
             <p:ph type="body" idx="1"/>
           </p:nvPr>
@@ -3802,6 +3874,7 @@
               <a:t>5) conclure avec une prise de recul sur le travail de groupe (càd une discussion sur ce qu'il s'est bien passé et ce qu'il pourrait être amélioré).</a:t>
             </a:r>
             <a:br/>
+            <a:endParaRPr/>
           </a:p>
         </p:txBody>
       </p:sp>
@@ -3810,12 +3883,12 @@
   <p:clrMapOvr>
     <a:masterClrMapping/>
   </p:clrMapOvr>
-  <p:transition xmlns:p14="http://schemas.microsoft.com/office/powerpoint/2010/main" spd="med" advClick="1"/>
+  <p:transition spd="med"/>
 </p:sld>
 </file>
 
 <file path=ppt/slides/slide3.xml><?xml version="1.0" encoding="utf-8"?>
-<p:sld xmlns:a="http://schemas.openxmlformats.org/drawingml/2006/main" xmlns:r="http://schemas.openxmlformats.org/officeDocument/2006/relationships" xmlns:p="http://schemas.openxmlformats.org/presentationml/2006/main" xmlns:m="http://schemas.openxmlformats.org/officeDocument/2006/math" xmlns:a14="http://schemas.microsoft.com/office/drawing/2010/main" showMasterSp="1" showMasterPhAnim="1">
+<p:sld xmlns:a="http://schemas.openxmlformats.org/drawingml/2006/main" xmlns:r="http://schemas.openxmlformats.org/officeDocument/2006/relationships" xmlns:p="http://schemas.openxmlformats.org/presentationml/2006/main">
   <p:cSld>
     <p:spTree>
       <p:nvGrpSpPr>
@@ -3834,7 +3907,9 @@
       <p:sp>
         <p:nvSpPr>
           <p:cNvPr id="122" name="Titre 1"/>
-          <p:cNvSpPr txBox="1"/>
+          <p:cNvSpPr txBox="1">
+            <a:spLocks noGrp="1"/>
+          </p:cNvSpPr>
           <p:nvPr>
             <p:ph type="title"/>
           </p:nvPr>
@@ -3852,7 +3927,6 @@
           <a:bodyPr/>
           <a:lstStyle/>
           <a:p>
-            <a:pPr/>
             <a:r>
               <a:t>Description du projet</a:t>
             </a:r>
@@ -3862,7 +3936,9 @@
       <p:sp>
         <p:nvSpPr>
           <p:cNvPr id="123" name="Espace réservé du contenu 2"/>
-          <p:cNvSpPr txBox="1"/>
+          <p:cNvSpPr txBox="1">
+            <a:spLocks noGrp="1"/>
+          </p:cNvSpPr>
           <p:nvPr>
             <p:ph type="body" idx="1"/>
           </p:nvPr>
@@ -3880,13 +3956,11 @@
           <a:bodyPr/>
           <a:lstStyle/>
           <a:p>
-            <a:pPr/>
             <a:r>
               <a:t>Le projet Belgoteek a pour but de rendre les livres accessibles à tous</a:t>
             </a:r>
           </a:p>
           <a:p>
-            <a:pPr/>
             <a:r>
               <a:t>Notre projet comporte un website fonctionnel, une base de données ainsi qu’un repository sur GitHub où vous pourrez regarder notre travail</a:t>
             </a:r>
@@ -3898,12 +3972,12 @@
   <p:clrMapOvr>
     <a:masterClrMapping/>
   </p:clrMapOvr>
-  <p:transition xmlns:p14="http://schemas.microsoft.com/office/powerpoint/2010/main" spd="med" advClick="1"/>
+  <p:transition spd="med"/>
 </p:sld>
 </file>
 
 <file path=ppt/slides/slide4.xml><?xml version="1.0" encoding="utf-8"?>
-<p:sld xmlns:a="http://schemas.openxmlformats.org/drawingml/2006/main" xmlns:r="http://schemas.openxmlformats.org/officeDocument/2006/relationships" xmlns:p="http://schemas.openxmlformats.org/presentationml/2006/main" xmlns:m="http://schemas.openxmlformats.org/officeDocument/2006/math" xmlns:a14="http://schemas.microsoft.com/office/drawing/2010/main" showMasterSp="1" showMasterPhAnim="1">
+<p:sld xmlns:a="http://schemas.openxmlformats.org/drawingml/2006/main" xmlns:r="http://schemas.openxmlformats.org/officeDocument/2006/relationships" xmlns:p="http://schemas.openxmlformats.org/presentationml/2006/main">
   <p:cSld>
     <p:spTree>
       <p:nvGrpSpPr>
@@ -3922,7 +3996,9 @@
       <p:sp>
         <p:nvSpPr>
           <p:cNvPr id="125" name="Titre 1"/>
-          <p:cNvSpPr txBox="1"/>
+          <p:cNvSpPr txBox="1">
+            <a:spLocks noGrp="1"/>
+          </p:cNvSpPr>
           <p:nvPr>
             <p:ph type="title"/>
           </p:nvPr>
@@ -3940,7 +4016,6 @@
           <a:bodyPr/>
           <a:lstStyle/>
           <a:p>
-            <a:pPr/>
             <a:r>
               <a:t>Specifications les plus importantes </a:t>
             </a:r>
@@ -3950,7 +4025,9 @@
       <p:sp>
         <p:nvSpPr>
           <p:cNvPr id="126" name="Espace réservé du contenu 2"/>
-          <p:cNvSpPr txBox="1"/>
+          <p:cNvSpPr txBox="1">
+            <a:spLocks noGrp="1"/>
+          </p:cNvSpPr>
           <p:nvPr>
             <p:ph type="body" idx="1"/>
           </p:nvPr>
@@ -3968,43 +4045,36 @@
           <a:bodyPr/>
           <a:lstStyle/>
           <a:p>
-            <a:pPr/>
             <a:r>
               <a:t>Devenir un utilisateur</a:t>
             </a:r>
           </a:p>
           <a:p>
-            <a:pPr/>
             <a:r>
               <a:t>Devenir un bibliothécaire</a:t>
             </a:r>
           </a:p>
           <a:p>
-            <a:pPr/>
             <a:r>
               <a:t>Suggérer un livre en tant qu’utilisateur </a:t>
             </a:r>
           </a:p>
           <a:p>
-            <a:pPr/>
             <a:r>
               <a:t>Accepter une suggestion de livre en tant que bibliothécaire</a:t>
             </a:r>
           </a:p>
           <a:p>
-            <a:pPr/>
             <a:r>
               <a:t>Voir les livres suggérés dans la page Explorer</a:t>
             </a:r>
           </a:p>
           <a:p>
-            <a:pPr/>
             <a:r>
               <a:t>Rechercher un livre</a:t>
             </a:r>
           </a:p>
           <a:p>
-            <a:pPr/>
             <a:r>
               <a:t>Donner son avis sur un livre</a:t>
             </a:r>
@@ -4016,12 +4086,12 @@
   <p:clrMapOvr>
     <a:masterClrMapping/>
   </p:clrMapOvr>
-  <p:transition xmlns:p14="http://schemas.microsoft.com/office/powerpoint/2010/main" spd="med" advClick="1"/>
+  <p:transition spd="med"/>
 </p:sld>
 </file>
 
 <file path=ppt/slides/slide5.xml><?xml version="1.0" encoding="utf-8"?>
-<p:sld xmlns:a="http://schemas.openxmlformats.org/drawingml/2006/main" xmlns:r="http://schemas.openxmlformats.org/officeDocument/2006/relationships" xmlns:p="http://schemas.openxmlformats.org/presentationml/2006/main" xmlns:m="http://schemas.openxmlformats.org/officeDocument/2006/math" xmlns:a14="http://schemas.microsoft.com/office/drawing/2010/main" showMasterSp="1" showMasterPhAnim="1">
+<p:sld xmlns:a="http://schemas.openxmlformats.org/drawingml/2006/main" xmlns:r="http://schemas.openxmlformats.org/officeDocument/2006/relationships" xmlns:p="http://schemas.openxmlformats.org/presentationml/2006/main">
   <p:cSld>
     <p:spTree>
       <p:nvGrpSpPr>
@@ -4040,7 +4110,9 @@
       <p:sp>
         <p:nvSpPr>
           <p:cNvPr id="128" name="Titre 1"/>
-          <p:cNvSpPr txBox="1"/>
+          <p:cNvSpPr txBox="1">
+            <a:spLocks noGrp="1"/>
+          </p:cNvSpPr>
           <p:nvPr>
             <p:ph type="title"/>
           </p:nvPr>
@@ -4058,7 +4130,6 @@
           <a:bodyPr/>
           <a:lstStyle/>
           <a:p>
-            <a:pPr/>
             <a:r>
               <a:t>Extensions</a:t>
             </a:r>
@@ -4068,7 +4139,9 @@
       <p:sp>
         <p:nvSpPr>
           <p:cNvPr id="129" name="Espace réservé du contenu 2"/>
-          <p:cNvSpPr txBox="1"/>
+          <p:cNvSpPr txBox="1">
+            <a:spLocks noGrp="1"/>
+          </p:cNvSpPr>
           <p:nvPr>
             <p:ph type="body" idx="1"/>
           </p:nvPr>
@@ -4086,7 +4159,6 @@
           <a:bodyPr/>
           <a:lstStyle/>
           <a:p>
-            <a:pPr/>
             <a:r>
               <a:t>Première extension :</a:t>
             </a:r>
@@ -4096,9 +4168,9 @@
             </a:r>
             <a:br/>
             <a:br/>
-          </a:p>
-          <a:p>
-            <a:pPr/>
+            <a:endParaRPr/>
+          </a:p>
+          <a:p>
             <a:r>
               <a:t>Deuxième extension : </a:t>
             </a:r>
@@ -4114,12 +4186,12 @@
   <p:clrMapOvr>
     <a:masterClrMapping/>
   </p:clrMapOvr>
-  <p:transition xmlns:p14="http://schemas.microsoft.com/office/powerpoint/2010/main" spd="med" advClick="1"/>
+  <p:transition spd="med"/>
 </p:sld>
 </file>
 
 <file path=ppt/slides/slide6.xml><?xml version="1.0" encoding="utf-8"?>
-<p:sld xmlns:a="http://schemas.openxmlformats.org/drawingml/2006/main" xmlns:r="http://schemas.openxmlformats.org/officeDocument/2006/relationships" xmlns:p="http://schemas.openxmlformats.org/presentationml/2006/main" xmlns:m="http://schemas.openxmlformats.org/officeDocument/2006/math" xmlns:a14="http://schemas.microsoft.com/office/drawing/2010/main" showMasterSp="1" showMasterPhAnim="1">
+<p:sld xmlns:a="http://schemas.openxmlformats.org/drawingml/2006/main" xmlns:r="http://schemas.openxmlformats.org/officeDocument/2006/relationships" xmlns:p="http://schemas.openxmlformats.org/presentationml/2006/main">
   <p:cSld>
     <p:spTree>
       <p:nvGrpSpPr>
@@ -4135,10 +4207,42 @@
           <a:chExt cx="0" cy="0"/>
         </a:xfrm>
       </p:grpSpPr>
+      <p:pic>
+        <p:nvPicPr>
+          <p:cNvPr id="5" name="Image 4">
+            <a:extLst>
+              <a:ext uri="{FF2B5EF4-FFF2-40B4-BE49-F238E27FC236}">
+                <a16:creationId xmlns:a16="http://schemas.microsoft.com/office/drawing/2014/main" id="{810354CC-E13D-5D4A-C848-CEB6FB0EEC92}"/>
+              </a:ext>
+            </a:extLst>
+          </p:cNvPr>
+          <p:cNvPicPr>
+            <a:picLocks noChangeAspect="1"/>
+          </p:cNvPicPr>
+          <p:nvPr/>
+        </p:nvPicPr>
+        <p:blipFill>
+          <a:blip r:embed="rId2"/>
+          <a:stretch>
+            <a:fillRect/>
+          </a:stretch>
+        </p:blipFill>
+        <p:spPr>
+          <a:xfrm>
+            <a:off x="1782999" y="1691323"/>
+            <a:ext cx="8626002" cy="4789730"/>
+          </a:xfrm>
+          <a:prstGeom prst="rect">
+            <a:avLst/>
+          </a:prstGeom>
+        </p:spPr>
+      </p:pic>
       <p:sp>
         <p:nvSpPr>
           <p:cNvPr id="131" name="Titre 1"/>
-          <p:cNvSpPr txBox="1"/>
+          <p:cNvSpPr txBox="1">
+            <a:spLocks noGrp="1"/>
+          </p:cNvSpPr>
           <p:nvPr>
             <p:ph type="title"/>
           </p:nvPr>
@@ -4156,49 +4260,77 @@
           <a:bodyPr/>
           <a:lstStyle/>
           <a:p>
-            <a:pPr/>
-            <a:r>
-              <a:t>Schéma conceptuel</a:t>
-            </a:r>
+            <a:r>
+              <a:rPr dirty="0"/>
+              <a:t>Sch</a:t>
+            </a:r>
+            <a:r>
+              <a:rPr lang="fr-BE" dirty="0"/>
+              <a:t>e</a:t>
+            </a:r>
+            <a:r>
+              <a:rPr dirty="0"/>
+              <a:t>ma conc</a:t>
+            </a:r>
+            <a:r>
+              <a:rPr lang="fr-BE" dirty="0"/>
+              <a:t>é</a:t>
+            </a:r>
+            <a:r>
+              <a:rPr dirty="0" err="1"/>
+              <a:t>ptuel</a:t>
+            </a:r>
+            <a:endParaRPr dirty="0"/>
           </a:p>
         </p:txBody>
       </p:sp>
-      <p:sp>
-        <p:nvSpPr>
-          <p:cNvPr id="132" name="Espace réservé du contenu 2"/>
-          <p:cNvSpPr txBox="1"/>
-          <p:nvPr>
-            <p:ph type="body" idx="1"/>
-          </p:nvPr>
-        </p:nvSpPr>
+      <p:pic>
+        <p:nvPicPr>
+          <p:cNvPr id="3" name="Image 2" descr="Une image contenant capture d’écran, texte">
+            <a:extLst>
+              <a:ext uri="{FF2B5EF4-FFF2-40B4-BE49-F238E27FC236}">
+                <a16:creationId xmlns:a16="http://schemas.microsoft.com/office/drawing/2014/main" id="{5C4A5B91-9F1E-5749-2B13-B7A9C889BE96}"/>
+              </a:ext>
+            </a:extLst>
+          </p:cNvPr>
+          <p:cNvPicPr>
+            <a:picLocks noChangeAspect="1"/>
+          </p:cNvPicPr>
+          <p:nvPr/>
+        </p:nvPicPr>
+        <p:blipFill>
+          <a:blip r:embed="rId3" cstate="print">
+            <a:extLst>
+              <a:ext uri="{28A0092B-C50C-407E-A947-70E740481C1C}">
+                <a14:useLocalDpi xmlns:a14="http://schemas.microsoft.com/office/drawing/2010/main" val="0"/>
+              </a:ext>
+            </a:extLst>
+          </a:blip>
+          <a:stretch>
+            <a:fillRect/>
+          </a:stretch>
+        </p:blipFill>
         <p:spPr>
           <a:xfrm>
-            <a:off x="838200" y="1949450"/>
-            <a:ext cx="10515600" cy="4195763"/>
+            <a:off x="1927698" y="2004007"/>
+            <a:ext cx="12192000" cy="4164361"/>
           </a:xfrm>
           <a:prstGeom prst="rect">
             <a:avLst/>
           </a:prstGeom>
         </p:spPr>
-        <p:txBody>
-          <a:bodyPr/>
-          <a:lstStyle/>
-          <a:p>
-            <a:pPr/>
-          </a:p>
-        </p:txBody>
-      </p:sp>
+      </p:pic>
     </p:spTree>
   </p:cSld>
   <p:clrMapOvr>
     <a:masterClrMapping/>
   </p:clrMapOvr>
-  <p:transition xmlns:p14="http://schemas.microsoft.com/office/powerpoint/2010/main" spd="med" advClick="1"/>
+  <p:transition spd="med"/>
 </p:sld>
 </file>
 
 <file path=ppt/slides/slide7.xml><?xml version="1.0" encoding="utf-8"?>
-<p:sld xmlns:a="http://schemas.openxmlformats.org/drawingml/2006/main" xmlns:r="http://schemas.openxmlformats.org/officeDocument/2006/relationships" xmlns:p="http://schemas.openxmlformats.org/presentationml/2006/main" xmlns:m="http://schemas.openxmlformats.org/officeDocument/2006/math" xmlns:a14="http://schemas.microsoft.com/office/drawing/2010/main" showMasterSp="1" showMasterPhAnim="1">
+<p:sld xmlns:a="http://schemas.openxmlformats.org/drawingml/2006/main" xmlns:r="http://schemas.openxmlformats.org/officeDocument/2006/relationships" xmlns:p="http://schemas.openxmlformats.org/presentationml/2006/main">
   <p:cSld>
     <p:spTree>
       <p:nvGrpSpPr>
@@ -4217,7 +4349,9 @@
       <p:sp>
         <p:nvSpPr>
           <p:cNvPr id="134" name="Titre 1"/>
-          <p:cNvSpPr txBox="1"/>
+          <p:cNvSpPr txBox="1">
+            <a:spLocks noGrp="1"/>
+          </p:cNvSpPr>
           <p:nvPr>
             <p:ph type="title"/>
           </p:nvPr>
@@ -4235,7 +4369,6 @@
           <a:bodyPr/>
           <a:lstStyle/>
           <a:p>
-            <a:pPr/>
             <a:r>
               <a:t>Tests</a:t>
             </a:r>
@@ -4245,7 +4378,9 @@
       <p:sp>
         <p:nvSpPr>
           <p:cNvPr id="135" name="Espace réservé du contenu 2"/>
-          <p:cNvSpPr txBox="1"/>
+          <p:cNvSpPr txBox="1">
+            <a:spLocks noGrp="1"/>
+          </p:cNvSpPr>
           <p:nvPr>
             <p:ph type="body" idx="1"/>
           </p:nvPr>
@@ -4263,7 +4398,7 @@
           <a:bodyPr/>
           <a:lstStyle/>
           <a:p>
-            <a:pPr/>
+            <a:endParaRPr/>
           </a:p>
         </p:txBody>
       </p:sp>
@@ -4272,12 +4407,12 @@
   <p:clrMapOvr>
     <a:masterClrMapping/>
   </p:clrMapOvr>
-  <p:transition xmlns:p14="http://schemas.microsoft.com/office/powerpoint/2010/main" spd="med" advClick="1"/>
+  <p:transition spd="med"/>
 </p:sld>
 </file>
 
 <file path=ppt/slides/slide8.xml><?xml version="1.0" encoding="utf-8"?>
-<p:sld xmlns:a="http://schemas.openxmlformats.org/drawingml/2006/main" xmlns:r="http://schemas.openxmlformats.org/officeDocument/2006/relationships" xmlns:p="http://schemas.openxmlformats.org/presentationml/2006/main" xmlns:m="http://schemas.openxmlformats.org/officeDocument/2006/math" xmlns:a14="http://schemas.microsoft.com/office/drawing/2010/main" showMasterSp="1" showMasterPhAnim="1">
+<p:sld xmlns:a="http://schemas.openxmlformats.org/drawingml/2006/main" xmlns:r="http://schemas.openxmlformats.org/officeDocument/2006/relationships" xmlns:p="http://schemas.openxmlformats.org/presentationml/2006/main">
   <p:cSld>
     <p:spTree>
       <p:nvGrpSpPr>
@@ -4296,7 +4431,9 @@
       <p:sp>
         <p:nvSpPr>
           <p:cNvPr id="137" name="Titre 1"/>
-          <p:cNvSpPr txBox="1"/>
+          <p:cNvSpPr txBox="1">
+            <a:spLocks noGrp="1"/>
+          </p:cNvSpPr>
           <p:nvPr>
             <p:ph type="title"/>
           </p:nvPr>
@@ -4314,7 +4451,6 @@
           <a:bodyPr/>
           <a:lstStyle/>
           <a:p>
-            <a:pPr/>
             <a:r>
               <a:t>Conclusion : </a:t>
             </a:r>
@@ -4324,7 +4460,9 @@
       <p:sp>
         <p:nvSpPr>
           <p:cNvPr id="138" name="Espace réservé du contenu 2"/>
-          <p:cNvSpPr txBox="1"/>
+          <p:cNvSpPr txBox="1">
+            <a:spLocks noGrp="1"/>
+          </p:cNvSpPr>
           <p:nvPr>
             <p:ph type="body" idx="1"/>
           </p:nvPr>
@@ -4342,7 +4480,6 @@
           <a:bodyPr/>
           <a:lstStyle/>
           <a:p>
-            <a:pPr/>
             <a:r>
               <a:t>Travail de groupe :</a:t>
             </a:r>
@@ -4400,12 +4537,12 @@
   <p:clrMapOvr>
     <a:masterClrMapping/>
   </p:clrMapOvr>
-  <p:transition xmlns:p14="http://schemas.microsoft.com/office/powerpoint/2010/main" spd="med" advClick="1"/>
+  <p:transition spd="med"/>
 </p:sld>
 </file>
 
 <file path=ppt/theme/theme1.xml><?xml version="1.0" encoding="utf-8"?>
-<a:theme xmlns:a="http://schemas.openxmlformats.org/drawingml/2006/main" xmlns:r="http://schemas.openxmlformats.org/officeDocument/2006/relationships" name="BlockprintVTI">
+<a:theme xmlns:a="http://schemas.openxmlformats.org/drawingml/2006/main" name="BlockprintVTI">
   <a:themeElements>
     <a:clrScheme name="BlockprintVTI">
       <a:dk1>
@@ -4607,7 +4744,7 @@
         <a:effectLst/>
         <a:sp3d/>
       </a:spPr>
-      <a:bodyPr rot="0" spcFirstLastPara="1" vertOverflow="overflow" horzOverflow="overflow" vert="horz" wrap="square" lIns="45719" tIns="45719" rIns="45719" bIns="45719" numCol="1" spcCol="38100" rtlCol="0" anchor="ctr" upright="0">
+      <a:bodyPr rot="0" spcFirstLastPara="1" vertOverflow="overflow" horzOverflow="overflow" vert="horz" wrap="square" lIns="45719" tIns="45719" rIns="45719" bIns="45719" numCol="1" spcCol="38100" rtlCol="0" anchor="ctr">
         <a:spAutoFit/>
       </a:bodyPr>
       <a:lstStyle>
@@ -4626,7 +4763,7 @@
           <a:buFontTx/>
           <a:buNone/>
           <a:tabLst/>
-          <a:defRPr b="0" baseline="0" cap="none" i="0" spc="0" strike="noStrike" sz="1800" u="none" kumimoji="0" normalizeH="0">
+          <a:defRPr kumimoji="0" sz="1800" b="0" i="0" u="none" strike="noStrike" cap="none" spc="0" normalizeH="0" baseline="0">
             <a:ln>
               <a:noFill/>
             </a:ln>
@@ -4656,7 +4793,7 @@
           <a:buFontTx/>
           <a:buNone/>
           <a:tabLst/>
-          <a:defRPr b="0" baseline="0" cap="none" i="0" spc="0" strike="noStrike" sz="1800" u="none" kumimoji="0" normalizeH="0">
+          <a:defRPr kumimoji="0" sz="1800" b="0" i="0" u="none" strike="noStrike" cap="none" spc="0" normalizeH="0" baseline="0">
             <a:ln>
               <a:noFill/>
             </a:ln>
@@ -4682,7 +4819,7 @@
           <a:buFontTx/>
           <a:buNone/>
           <a:tabLst/>
-          <a:defRPr b="0" baseline="0" cap="none" i="0" spc="0" strike="noStrike" sz="1800" u="none" kumimoji="0" normalizeH="0">
+          <a:defRPr kumimoji="0" sz="1800" b="0" i="0" u="none" strike="noStrike" cap="none" spc="0" normalizeH="0" baseline="0">
             <a:ln>
               <a:noFill/>
             </a:ln>
@@ -4708,7 +4845,7 @@
           <a:buFontTx/>
           <a:buNone/>
           <a:tabLst/>
-          <a:defRPr b="0" baseline="0" cap="none" i="0" spc="0" strike="noStrike" sz="1800" u="none" kumimoji="0" normalizeH="0">
+          <a:defRPr kumimoji="0" sz="1800" b="0" i="0" u="none" strike="noStrike" cap="none" spc="0" normalizeH="0" baseline="0">
             <a:ln>
               <a:noFill/>
             </a:ln>
@@ -4734,7 +4871,7 @@
           <a:buFontTx/>
           <a:buNone/>
           <a:tabLst/>
-          <a:defRPr b="0" baseline="0" cap="none" i="0" spc="0" strike="noStrike" sz="1800" u="none" kumimoji="0" normalizeH="0">
+          <a:defRPr kumimoji="0" sz="1800" b="0" i="0" u="none" strike="noStrike" cap="none" spc="0" normalizeH="0" baseline="0">
             <a:ln>
               <a:noFill/>
             </a:ln>
@@ -4760,7 +4897,7 @@
           <a:buFontTx/>
           <a:buNone/>
           <a:tabLst/>
-          <a:defRPr b="0" baseline="0" cap="none" i="0" spc="0" strike="noStrike" sz="1800" u="none" kumimoji="0" normalizeH="0">
+          <a:defRPr kumimoji="0" sz="1800" b="0" i="0" u="none" strike="noStrike" cap="none" spc="0" normalizeH="0" baseline="0">
             <a:ln>
               <a:noFill/>
             </a:ln>
@@ -4786,7 +4923,7 @@
           <a:buFontTx/>
           <a:buNone/>
           <a:tabLst/>
-          <a:defRPr b="0" baseline="0" cap="none" i="0" spc="0" strike="noStrike" sz="1800" u="none" kumimoji="0" normalizeH="0">
+          <a:defRPr kumimoji="0" sz="1800" b="0" i="0" u="none" strike="noStrike" cap="none" spc="0" normalizeH="0" baseline="0">
             <a:ln>
               <a:noFill/>
             </a:ln>
@@ -4812,7 +4949,7 @@
           <a:buFontTx/>
           <a:buNone/>
           <a:tabLst/>
-          <a:defRPr b="0" baseline="0" cap="none" i="0" spc="0" strike="noStrike" sz="1800" u="none" kumimoji="0" normalizeH="0">
+          <a:defRPr kumimoji="0" sz="1800" b="0" i="0" u="none" strike="noStrike" cap="none" spc="0" normalizeH="0" baseline="0">
             <a:ln>
               <a:noFill/>
             </a:ln>
@@ -4838,7 +4975,7 @@
           <a:buFontTx/>
           <a:buNone/>
           <a:tabLst/>
-          <a:defRPr b="0" baseline="0" cap="none" i="0" spc="0" strike="noStrike" sz="1800" u="none" kumimoji="0" normalizeH="0">
+          <a:defRPr kumimoji="0" sz="1800" b="0" i="0" u="none" strike="noStrike" cap="none" spc="0" normalizeH="0" baseline="0">
             <a:ln>
               <a:noFill/>
             </a:ln>
@@ -4864,7 +5001,7 @@
           <a:buFontTx/>
           <a:buNone/>
           <a:tabLst/>
-          <a:defRPr b="0" baseline="0" cap="none" i="0" spc="0" strike="noStrike" sz="1800" u="none" kumimoji="0" normalizeH="0">
+          <a:defRPr kumimoji="0" sz="1800" b="0" i="0" u="none" strike="noStrike" cap="none" spc="0" normalizeH="0" baseline="0">
             <a:ln>
               <a:noFill/>
             </a:ln>
@@ -4877,9 +5014,15 @@
         </a:lvl9pPr>
       </a:lstStyle>
       <a:style>
-        <a:lnRef idx="0"/>
-        <a:fillRef idx="0"/>
-        <a:effectRef idx="0"/>
+        <a:lnRef idx="0">
+          <a:scrgbClr r="0" g="0" b="0"/>
+        </a:lnRef>
+        <a:fillRef idx="0">
+          <a:scrgbClr r="0" g="0" b="0"/>
+        </a:fillRef>
+        <a:effectRef idx="0">
+          <a:scrgbClr r="0" g="0" b="0"/>
+        </a:effectRef>
         <a:fontRef idx="none"/>
       </a:style>
     </a:spDef>
@@ -4896,7 +5039,7 @@
         <a:effectLst/>
         <a:sp3d/>
       </a:spPr>
-      <a:bodyPr rot="0" spcFirstLastPara="1" vertOverflow="overflow" horzOverflow="overflow" vert="horz" wrap="square" lIns="91439" tIns="45719" rIns="91439" bIns="45719" numCol="1" spcCol="38100" rtlCol="0" anchor="t" upright="0">
+      <a:bodyPr rot="0" spcFirstLastPara="1" vertOverflow="overflow" horzOverflow="overflow" vert="horz" wrap="square" lIns="91439" tIns="45719" rIns="91439" bIns="45719" numCol="1" spcCol="38100" rtlCol="0" anchor="t">
         <a:noAutofit/>
       </a:bodyPr>
       <a:lstStyle>
@@ -4915,7 +5058,7 @@
           <a:buFontTx/>
           <a:buNone/>
           <a:tabLst/>
-          <a:defRPr b="0" baseline="0" cap="none" i="0" spc="0" strike="noStrike" sz="1800" u="none" kumimoji="0" normalizeH="0">
+          <a:defRPr kumimoji="0" sz="1800" b="0" i="0" u="none" strike="noStrike" cap="none" spc="0" normalizeH="0" baseline="0">
             <a:ln>
               <a:noFill/>
             </a:ln>
@@ -4941,7 +5084,7 @@
           <a:buFontTx/>
           <a:buNone/>
           <a:tabLst/>
-          <a:defRPr b="0" baseline="0" cap="none" i="0" spc="0" strike="noStrike" sz="1800" u="none" kumimoji="0" normalizeH="0">
+          <a:defRPr kumimoji="0" sz="1800" b="0" i="0" u="none" strike="noStrike" cap="none" spc="0" normalizeH="0" baseline="0">
             <a:ln>
               <a:noFill/>
             </a:ln>
@@ -4967,7 +5110,7 @@
           <a:buFontTx/>
           <a:buNone/>
           <a:tabLst/>
-          <a:defRPr b="0" baseline="0" cap="none" i="0" spc="0" strike="noStrike" sz="1800" u="none" kumimoji="0" normalizeH="0">
+          <a:defRPr kumimoji="0" sz="1800" b="0" i="0" u="none" strike="noStrike" cap="none" spc="0" normalizeH="0" baseline="0">
             <a:ln>
               <a:noFill/>
             </a:ln>
@@ -4993,7 +5136,7 @@
           <a:buFontTx/>
           <a:buNone/>
           <a:tabLst/>
-          <a:defRPr b="0" baseline="0" cap="none" i="0" spc="0" strike="noStrike" sz="1800" u="none" kumimoji="0" normalizeH="0">
+          <a:defRPr kumimoji="0" sz="1800" b="0" i="0" u="none" strike="noStrike" cap="none" spc="0" normalizeH="0" baseline="0">
             <a:ln>
               <a:noFill/>
             </a:ln>
@@ -5019,7 +5162,7 @@
           <a:buFontTx/>
           <a:buNone/>
           <a:tabLst/>
-          <a:defRPr b="0" baseline="0" cap="none" i="0" spc="0" strike="noStrike" sz="1800" u="none" kumimoji="0" normalizeH="0">
+          <a:defRPr kumimoji="0" sz="1800" b="0" i="0" u="none" strike="noStrike" cap="none" spc="0" normalizeH="0" baseline="0">
             <a:ln>
               <a:noFill/>
             </a:ln>
@@ -5045,7 +5188,7 @@
           <a:buFontTx/>
           <a:buNone/>
           <a:tabLst/>
-          <a:defRPr b="0" baseline="0" cap="none" i="0" spc="0" strike="noStrike" sz="1800" u="none" kumimoji="0" normalizeH="0">
+          <a:defRPr kumimoji="0" sz="1800" b="0" i="0" u="none" strike="noStrike" cap="none" spc="0" normalizeH="0" baseline="0">
             <a:ln>
               <a:noFill/>
             </a:ln>
@@ -5071,7 +5214,7 @@
           <a:buFontTx/>
           <a:buNone/>
           <a:tabLst/>
-          <a:defRPr b="0" baseline="0" cap="none" i="0" spc="0" strike="noStrike" sz="1800" u="none" kumimoji="0" normalizeH="0">
+          <a:defRPr kumimoji="0" sz="1800" b="0" i="0" u="none" strike="noStrike" cap="none" spc="0" normalizeH="0" baseline="0">
             <a:ln>
               <a:noFill/>
             </a:ln>
@@ -5097,7 +5240,7 @@
           <a:buFontTx/>
           <a:buNone/>
           <a:tabLst/>
-          <a:defRPr b="0" baseline="0" cap="none" i="0" spc="0" strike="noStrike" sz="1800" u="none" kumimoji="0" normalizeH="0">
+          <a:defRPr kumimoji="0" sz="1800" b="0" i="0" u="none" strike="noStrike" cap="none" spc="0" normalizeH="0" baseline="0">
             <a:ln>
               <a:noFill/>
             </a:ln>
@@ -5123,7 +5266,7 @@
           <a:buFontTx/>
           <a:buNone/>
           <a:tabLst/>
-          <a:defRPr b="0" baseline="0" cap="none" i="0" spc="0" strike="noStrike" sz="1800" u="none" kumimoji="0" normalizeH="0">
+          <a:defRPr kumimoji="0" sz="1800" b="0" i="0" u="none" strike="noStrike" cap="none" spc="0" normalizeH="0" baseline="0">
             <a:ln>
               <a:noFill/>
             </a:ln>
@@ -5149,7 +5292,7 @@
           <a:buFontTx/>
           <a:buNone/>
           <a:tabLst/>
-          <a:defRPr b="0" baseline="0" cap="none" i="0" spc="0" strike="noStrike" sz="1800" u="none" kumimoji="0" normalizeH="0">
+          <a:defRPr kumimoji="0" sz="1800" b="0" i="0" u="none" strike="noStrike" cap="none" spc="0" normalizeH="0" baseline="0">
             <a:ln>
               <a:noFill/>
             </a:ln>
@@ -5162,9 +5305,15 @@
         </a:lvl9pPr>
       </a:lstStyle>
       <a:style>
-        <a:lnRef idx="0"/>
-        <a:fillRef idx="0"/>
-        <a:effectRef idx="0"/>
+        <a:lnRef idx="0">
+          <a:scrgbClr r="0" g="0" b="0"/>
+        </a:lnRef>
+        <a:fillRef idx="0">
+          <a:scrgbClr r="0" g="0" b="0"/>
+        </a:fillRef>
+        <a:effectRef idx="0">
+          <a:scrgbClr r="0" g="0" b="0"/>
+        </a:effectRef>
         <a:fontRef idx="none"/>
       </a:style>
     </a:lnDef>
@@ -5178,7 +5327,7 @@
         <a:effectLst/>
         <a:sp3d/>
       </a:spPr>
-      <a:bodyPr rot="0" spcFirstLastPara="1" vertOverflow="overflow" horzOverflow="overflow" vert="horz" wrap="square" lIns="45719" tIns="45719" rIns="45719" bIns="45719" numCol="1" spcCol="38100" rtlCol="0" anchor="t" upright="0">
+      <a:bodyPr rot="0" spcFirstLastPara="1" vertOverflow="overflow" horzOverflow="overflow" vert="horz" wrap="square" lIns="45719" tIns="45719" rIns="45719" bIns="45719" numCol="1" spcCol="38100" rtlCol="0" anchor="t">
         <a:spAutoFit/>
       </a:bodyPr>
       <a:lstStyle>
@@ -5197,7 +5346,7 @@
           <a:buFontTx/>
           <a:buNone/>
           <a:tabLst/>
-          <a:defRPr b="0" baseline="0" cap="none" i="0" spc="0" strike="noStrike" sz="1800" u="none" kumimoji="0" normalizeH="0">
+          <a:defRPr kumimoji="0" sz="1800" b="0" i="0" u="none" strike="noStrike" cap="none" spc="0" normalizeH="0" baseline="0">
             <a:ln>
               <a:noFill/>
             </a:ln>
@@ -5227,7 +5376,7 @@
           <a:buFontTx/>
           <a:buNone/>
           <a:tabLst/>
-          <a:defRPr b="0" baseline="0" cap="none" i="0" spc="0" strike="noStrike" sz="1800" u="none" kumimoji="0" normalizeH="0">
+          <a:defRPr kumimoji="0" sz="1800" b="0" i="0" u="none" strike="noStrike" cap="none" spc="0" normalizeH="0" baseline="0">
             <a:ln>
               <a:noFill/>
             </a:ln>
@@ -5253,7 +5402,7 @@
           <a:buFontTx/>
           <a:buNone/>
           <a:tabLst/>
-          <a:defRPr b="0" baseline="0" cap="none" i="0" spc="0" strike="noStrike" sz="1800" u="none" kumimoji="0" normalizeH="0">
+          <a:defRPr kumimoji="0" sz="1800" b="0" i="0" u="none" strike="noStrike" cap="none" spc="0" normalizeH="0" baseline="0">
             <a:ln>
               <a:noFill/>
             </a:ln>
@@ -5279,7 +5428,7 @@
           <a:buFontTx/>
           <a:buNone/>
           <a:tabLst/>
-          <a:defRPr b="0" baseline="0" cap="none" i="0" spc="0" strike="noStrike" sz="1800" u="none" kumimoji="0" normalizeH="0">
+          <a:defRPr kumimoji="0" sz="1800" b="0" i="0" u="none" strike="noStrike" cap="none" spc="0" normalizeH="0" baseline="0">
             <a:ln>
               <a:noFill/>
             </a:ln>
@@ -5305,7 +5454,7 @@
           <a:buFontTx/>
           <a:buNone/>
           <a:tabLst/>
-          <a:defRPr b="0" baseline="0" cap="none" i="0" spc="0" strike="noStrike" sz="1800" u="none" kumimoji="0" normalizeH="0">
+          <a:defRPr kumimoji="0" sz="1800" b="0" i="0" u="none" strike="noStrike" cap="none" spc="0" normalizeH="0" baseline="0">
             <a:ln>
               <a:noFill/>
             </a:ln>
@@ -5331,7 +5480,7 @@
           <a:buFontTx/>
           <a:buNone/>
           <a:tabLst/>
-          <a:defRPr b="0" baseline="0" cap="none" i="0" spc="0" strike="noStrike" sz="1800" u="none" kumimoji="0" normalizeH="0">
+          <a:defRPr kumimoji="0" sz="1800" b="0" i="0" u="none" strike="noStrike" cap="none" spc="0" normalizeH="0" baseline="0">
             <a:ln>
               <a:noFill/>
             </a:ln>
@@ -5357,7 +5506,7 @@
           <a:buFontTx/>
           <a:buNone/>
           <a:tabLst/>
-          <a:defRPr b="0" baseline="0" cap="none" i="0" spc="0" strike="noStrike" sz="1800" u="none" kumimoji="0" normalizeH="0">
+          <a:defRPr kumimoji="0" sz="1800" b="0" i="0" u="none" strike="noStrike" cap="none" spc="0" normalizeH="0" baseline="0">
             <a:ln>
               <a:noFill/>
             </a:ln>
@@ -5383,7 +5532,7 @@
           <a:buFontTx/>
           <a:buNone/>
           <a:tabLst/>
-          <a:defRPr b="0" baseline="0" cap="none" i="0" spc="0" strike="noStrike" sz="1800" u="none" kumimoji="0" normalizeH="0">
+          <a:defRPr kumimoji="0" sz="1800" b="0" i="0" u="none" strike="noStrike" cap="none" spc="0" normalizeH="0" baseline="0">
             <a:ln>
               <a:noFill/>
             </a:ln>
@@ -5409,7 +5558,7 @@
           <a:buFontTx/>
           <a:buNone/>
           <a:tabLst/>
-          <a:defRPr b="0" baseline="0" cap="none" i="0" spc="0" strike="noStrike" sz="1800" u="none" kumimoji="0" normalizeH="0">
+          <a:defRPr kumimoji="0" sz="1800" b="0" i="0" u="none" strike="noStrike" cap="none" spc="0" normalizeH="0" baseline="0">
             <a:ln>
               <a:noFill/>
             </a:ln>
@@ -5435,7 +5584,7 @@
           <a:buFontTx/>
           <a:buNone/>
           <a:tabLst/>
-          <a:defRPr b="0" baseline="0" cap="none" i="0" spc="0" strike="noStrike" sz="1800" u="none" kumimoji="0" normalizeH="0">
+          <a:defRPr kumimoji="0" sz="1800" b="0" i="0" u="none" strike="noStrike" cap="none" spc="0" normalizeH="0" baseline="0">
             <a:ln>
               <a:noFill/>
             </a:ln>
@@ -5448,18 +5597,25 @@
         </a:lvl9pPr>
       </a:lstStyle>
       <a:style>
-        <a:lnRef idx="0"/>
-        <a:fillRef idx="0"/>
-        <a:effectRef idx="0"/>
+        <a:lnRef idx="0">
+          <a:scrgbClr r="0" g="0" b="0"/>
+        </a:lnRef>
+        <a:fillRef idx="0">
+          <a:scrgbClr r="0" g="0" b="0"/>
+        </a:fillRef>
+        <a:effectRef idx="0">
+          <a:scrgbClr r="0" g="0" b="0"/>
+        </a:effectRef>
         <a:fontRef idx="none"/>
       </a:style>
     </a:txDef>
   </a:objectDefaults>
+  <a:extraClrSchemeLst/>
 </a:theme>
 </file>
 
 <file path=ppt/theme/theme2.xml><?xml version="1.0" encoding="utf-8"?>
-<a:theme xmlns:a="http://schemas.openxmlformats.org/drawingml/2006/main" xmlns:r="http://schemas.openxmlformats.org/officeDocument/2006/relationships" name="BlockprintVTI">
+<a:theme xmlns:a="http://schemas.openxmlformats.org/drawingml/2006/main" name="BlockprintVTI">
   <a:themeElements>
     <a:clrScheme name="BlockprintVTI">
       <a:dk1>
@@ -5661,7 +5817,7 @@
         <a:effectLst/>
         <a:sp3d/>
       </a:spPr>
-      <a:bodyPr rot="0" spcFirstLastPara="1" vertOverflow="overflow" horzOverflow="overflow" vert="horz" wrap="square" lIns="45719" tIns="45719" rIns="45719" bIns="45719" numCol="1" spcCol="38100" rtlCol="0" anchor="ctr" upright="0">
+      <a:bodyPr rot="0" spcFirstLastPara="1" vertOverflow="overflow" horzOverflow="overflow" vert="horz" wrap="square" lIns="45719" tIns="45719" rIns="45719" bIns="45719" numCol="1" spcCol="38100" rtlCol="0" anchor="ctr">
         <a:spAutoFit/>
       </a:bodyPr>
       <a:lstStyle>
@@ -5680,7 +5836,7 @@
           <a:buFontTx/>
           <a:buNone/>
           <a:tabLst/>
-          <a:defRPr b="0" baseline="0" cap="none" i="0" spc="0" strike="noStrike" sz="1800" u="none" kumimoji="0" normalizeH="0">
+          <a:defRPr kumimoji="0" sz="1800" b="0" i="0" u="none" strike="noStrike" cap="none" spc="0" normalizeH="0" baseline="0">
             <a:ln>
               <a:noFill/>
             </a:ln>
@@ -5710,7 +5866,7 @@
           <a:buFontTx/>
           <a:buNone/>
           <a:tabLst/>
-          <a:defRPr b="0" baseline="0" cap="none" i="0" spc="0" strike="noStrike" sz="1800" u="none" kumimoji="0" normalizeH="0">
+          <a:defRPr kumimoji="0" sz="1800" b="0" i="0" u="none" strike="noStrike" cap="none" spc="0" normalizeH="0" baseline="0">
             <a:ln>
               <a:noFill/>
             </a:ln>
@@ -5736,7 +5892,7 @@
           <a:buFontTx/>
           <a:buNone/>
           <a:tabLst/>
-          <a:defRPr b="0" baseline="0" cap="none" i="0" spc="0" strike="noStrike" sz="1800" u="none" kumimoji="0" normalizeH="0">
+          <a:defRPr kumimoji="0" sz="1800" b="0" i="0" u="none" strike="noStrike" cap="none" spc="0" normalizeH="0" baseline="0">
             <a:ln>
               <a:noFill/>
             </a:ln>
@@ -5762,7 +5918,7 @@
           <a:buFontTx/>
           <a:buNone/>
           <a:tabLst/>
-          <a:defRPr b="0" baseline="0" cap="none" i="0" spc="0" strike="noStrike" sz="1800" u="none" kumimoji="0" normalizeH="0">
+          <a:defRPr kumimoji="0" sz="1800" b="0" i="0" u="none" strike="noStrike" cap="none" spc="0" normalizeH="0" baseline="0">
             <a:ln>
               <a:noFill/>
             </a:ln>
@@ -5788,7 +5944,7 @@
           <a:buFontTx/>
           <a:buNone/>
           <a:tabLst/>
-          <a:defRPr b="0" baseline="0" cap="none" i="0" spc="0" strike="noStrike" sz="1800" u="none" kumimoji="0" normalizeH="0">
+          <a:defRPr kumimoji="0" sz="1800" b="0" i="0" u="none" strike="noStrike" cap="none" spc="0" normalizeH="0" baseline="0">
             <a:ln>
               <a:noFill/>
             </a:ln>
@@ -5814,7 +5970,7 @@
           <a:buFontTx/>
           <a:buNone/>
           <a:tabLst/>
-          <a:defRPr b="0" baseline="0" cap="none" i="0" spc="0" strike="noStrike" sz="1800" u="none" kumimoji="0" normalizeH="0">
+          <a:defRPr kumimoji="0" sz="1800" b="0" i="0" u="none" strike="noStrike" cap="none" spc="0" normalizeH="0" baseline="0">
             <a:ln>
               <a:noFill/>
             </a:ln>
@@ -5840,7 +5996,7 @@
           <a:buFontTx/>
           <a:buNone/>
           <a:tabLst/>
-          <a:defRPr b="0" baseline="0" cap="none" i="0" spc="0" strike="noStrike" sz="1800" u="none" kumimoji="0" normalizeH="0">
+          <a:defRPr kumimoji="0" sz="1800" b="0" i="0" u="none" strike="noStrike" cap="none" spc="0" normalizeH="0" baseline="0">
             <a:ln>
               <a:noFill/>
             </a:ln>
@@ -5866,7 +6022,7 @@
           <a:buFontTx/>
           <a:buNone/>
           <a:tabLst/>
-          <a:defRPr b="0" baseline="0" cap="none" i="0" spc="0" strike="noStrike" sz="1800" u="none" kumimoji="0" normalizeH="0">
+          <a:defRPr kumimoji="0" sz="1800" b="0" i="0" u="none" strike="noStrike" cap="none" spc="0" normalizeH="0" baseline="0">
             <a:ln>
               <a:noFill/>
             </a:ln>
@@ -5892,7 +6048,7 @@
           <a:buFontTx/>
           <a:buNone/>
           <a:tabLst/>
-          <a:defRPr b="0" baseline="0" cap="none" i="0" spc="0" strike="noStrike" sz="1800" u="none" kumimoji="0" normalizeH="0">
+          <a:defRPr kumimoji="0" sz="1800" b="0" i="0" u="none" strike="noStrike" cap="none" spc="0" normalizeH="0" baseline="0">
             <a:ln>
               <a:noFill/>
             </a:ln>
@@ -5918,7 +6074,7 @@
           <a:buFontTx/>
           <a:buNone/>
           <a:tabLst/>
-          <a:defRPr b="0" baseline="0" cap="none" i="0" spc="0" strike="noStrike" sz="1800" u="none" kumimoji="0" normalizeH="0">
+          <a:defRPr kumimoji="0" sz="1800" b="0" i="0" u="none" strike="noStrike" cap="none" spc="0" normalizeH="0" baseline="0">
             <a:ln>
               <a:noFill/>
             </a:ln>
@@ -5931,9 +6087,15 @@
         </a:lvl9pPr>
       </a:lstStyle>
       <a:style>
-        <a:lnRef idx="0"/>
-        <a:fillRef idx="0"/>
-        <a:effectRef idx="0"/>
+        <a:lnRef idx="0">
+          <a:scrgbClr r="0" g="0" b="0"/>
+        </a:lnRef>
+        <a:fillRef idx="0">
+          <a:scrgbClr r="0" g="0" b="0"/>
+        </a:fillRef>
+        <a:effectRef idx="0">
+          <a:scrgbClr r="0" g="0" b="0"/>
+        </a:effectRef>
         <a:fontRef idx="none"/>
       </a:style>
     </a:spDef>
@@ -5950,7 +6112,7 @@
         <a:effectLst/>
         <a:sp3d/>
       </a:spPr>
-      <a:bodyPr rot="0" spcFirstLastPara="1" vertOverflow="overflow" horzOverflow="overflow" vert="horz" wrap="square" lIns="91439" tIns="45719" rIns="91439" bIns="45719" numCol="1" spcCol="38100" rtlCol="0" anchor="t" upright="0">
+      <a:bodyPr rot="0" spcFirstLastPara="1" vertOverflow="overflow" horzOverflow="overflow" vert="horz" wrap="square" lIns="91439" tIns="45719" rIns="91439" bIns="45719" numCol="1" spcCol="38100" rtlCol="0" anchor="t">
         <a:noAutofit/>
       </a:bodyPr>
       <a:lstStyle>
@@ -5969,7 +6131,7 @@
           <a:buFontTx/>
           <a:buNone/>
           <a:tabLst/>
-          <a:defRPr b="0" baseline="0" cap="none" i="0" spc="0" strike="noStrike" sz="1800" u="none" kumimoji="0" normalizeH="0">
+          <a:defRPr kumimoji="0" sz="1800" b="0" i="0" u="none" strike="noStrike" cap="none" spc="0" normalizeH="0" baseline="0">
             <a:ln>
               <a:noFill/>
             </a:ln>
@@ -5995,7 +6157,7 @@
           <a:buFontTx/>
           <a:buNone/>
           <a:tabLst/>
-          <a:defRPr b="0" baseline="0" cap="none" i="0" spc="0" strike="noStrike" sz="1800" u="none" kumimoji="0" normalizeH="0">
+          <a:defRPr kumimoji="0" sz="1800" b="0" i="0" u="none" strike="noStrike" cap="none" spc="0" normalizeH="0" baseline="0">
             <a:ln>
               <a:noFill/>
             </a:ln>
@@ -6021,7 +6183,7 @@
           <a:buFontTx/>
           <a:buNone/>
           <a:tabLst/>
-          <a:defRPr b="0" baseline="0" cap="none" i="0" spc="0" strike="noStrike" sz="1800" u="none" kumimoji="0" normalizeH="0">
+          <a:defRPr kumimoji="0" sz="1800" b="0" i="0" u="none" strike="noStrike" cap="none" spc="0" normalizeH="0" baseline="0">
             <a:ln>
               <a:noFill/>
             </a:ln>
@@ -6047,7 +6209,7 @@
           <a:buFontTx/>
           <a:buNone/>
           <a:tabLst/>
-          <a:defRPr b="0" baseline="0" cap="none" i="0" spc="0" strike="noStrike" sz="1800" u="none" kumimoji="0" normalizeH="0">
+          <a:defRPr kumimoji="0" sz="1800" b="0" i="0" u="none" strike="noStrike" cap="none" spc="0" normalizeH="0" baseline="0">
             <a:ln>
               <a:noFill/>
             </a:ln>
@@ -6073,7 +6235,7 @@
           <a:buFontTx/>
           <a:buNone/>
           <a:tabLst/>
-          <a:defRPr b="0" baseline="0" cap="none" i="0" spc="0" strike="noStrike" sz="1800" u="none" kumimoji="0" normalizeH="0">
+          <a:defRPr kumimoji="0" sz="1800" b="0" i="0" u="none" strike="noStrike" cap="none" spc="0" normalizeH="0" baseline="0">
             <a:ln>
               <a:noFill/>
             </a:ln>
@@ -6099,7 +6261,7 @@
           <a:buFontTx/>
           <a:buNone/>
           <a:tabLst/>
-          <a:defRPr b="0" baseline="0" cap="none" i="0" spc="0" strike="noStrike" sz="1800" u="none" kumimoji="0" normalizeH="0">
+          <a:defRPr kumimoji="0" sz="1800" b="0" i="0" u="none" strike="noStrike" cap="none" spc="0" normalizeH="0" baseline="0">
             <a:ln>
               <a:noFill/>
             </a:ln>
@@ -6125,7 +6287,7 @@
           <a:buFontTx/>
           <a:buNone/>
           <a:tabLst/>
-          <a:defRPr b="0" baseline="0" cap="none" i="0" spc="0" strike="noStrike" sz="1800" u="none" kumimoji="0" normalizeH="0">
+          <a:defRPr kumimoji="0" sz="1800" b="0" i="0" u="none" strike="noStrike" cap="none" spc="0" normalizeH="0" baseline="0">
             <a:ln>
               <a:noFill/>
             </a:ln>
@@ -6151,7 +6313,7 @@
           <a:buFontTx/>
           <a:buNone/>
           <a:tabLst/>
-          <a:defRPr b="0" baseline="0" cap="none" i="0" spc="0" strike="noStrike" sz="1800" u="none" kumimoji="0" normalizeH="0">
+          <a:defRPr kumimoji="0" sz="1800" b="0" i="0" u="none" strike="noStrike" cap="none" spc="0" normalizeH="0" baseline="0">
             <a:ln>
               <a:noFill/>
             </a:ln>
@@ -6177,7 +6339,7 @@
           <a:buFontTx/>
           <a:buNone/>
           <a:tabLst/>
-          <a:defRPr b="0" baseline="0" cap="none" i="0" spc="0" strike="noStrike" sz="1800" u="none" kumimoji="0" normalizeH="0">
+          <a:defRPr kumimoji="0" sz="1800" b="0" i="0" u="none" strike="noStrike" cap="none" spc="0" normalizeH="0" baseline="0">
             <a:ln>
               <a:noFill/>
             </a:ln>
@@ -6203,7 +6365,7 @@
           <a:buFontTx/>
           <a:buNone/>
           <a:tabLst/>
-          <a:defRPr b="0" baseline="0" cap="none" i="0" spc="0" strike="noStrike" sz="1800" u="none" kumimoji="0" normalizeH="0">
+          <a:defRPr kumimoji="0" sz="1800" b="0" i="0" u="none" strike="noStrike" cap="none" spc="0" normalizeH="0" baseline="0">
             <a:ln>
               <a:noFill/>
             </a:ln>
@@ -6216,9 +6378,15 @@
         </a:lvl9pPr>
       </a:lstStyle>
       <a:style>
-        <a:lnRef idx="0"/>
-        <a:fillRef idx="0"/>
-        <a:effectRef idx="0"/>
+        <a:lnRef idx="0">
+          <a:scrgbClr r="0" g="0" b="0"/>
+        </a:lnRef>
+        <a:fillRef idx="0">
+          <a:scrgbClr r="0" g="0" b="0"/>
+        </a:fillRef>
+        <a:effectRef idx="0">
+          <a:scrgbClr r="0" g="0" b="0"/>
+        </a:effectRef>
         <a:fontRef idx="none"/>
       </a:style>
     </a:lnDef>
@@ -6232,7 +6400,7 @@
         <a:effectLst/>
         <a:sp3d/>
       </a:spPr>
-      <a:bodyPr rot="0" spcFirstLastPara="1" vertOverflow="overflow" horzOverflow="overflow" vert="horz" wrap="square" lIns="45719" tIns="45719" rIns="45719" bIns="45719" numCol="1" spcCol="38100" rtlCol="0" anchor="t" upright="0">
+      <a:bodyPr rot="0" spcFirstLastPara="1" vertOverflow="overflow" horzOverflow="overflow" vert="horz" wrap="square" lIns="45719" tIns="45719" rIns="45719" bIns="45719" numCol="1" spcCol="38100" rtlCol="0" anchor="t">
         <a:spAutoFit/>
       </a:bodyPr>
       <a:lstStyle>
@@ -6251,7 +6419,7 @@
           <a:buFontTx/>
           <a:buNone/>
           <a:tabLst/>
-          <a:defRPr b="0" baseline="0" cap="none" i="0" spc="0" strike="noStrike" sz="1800" u="none" kumimoji="0" normalizeH="0">
+          <a:defRPr kumimoji="0" sz="1800" b="0" i="0" u="none" strike="noStrike" cap="none" spc="0" normalizeH="0" baseline="0">
             <a:ln>
               <a:noFill/>
             </a:ln>
@@ -6281,7 +6449,7 @@
           <a:buFontTx/>
           <a:buNone/>
           <a:tabLst/>
-          <a:defRPr b="0" baseline="0" cap="none" i="0" spc="0" strike="noStrike" sz="1800" u="none" kumimoji="0" normalizeH="0">
+          <a:defRPr kumimoji="0" sz="1800" b="0" i="0" u="none" strike="noStrike" cap="none" spc="0" normalizeH="0" baseline="0">
             <a:ln>
               <a:noFill/>
             </a:ln>
@@ -6307,7 +6475,7 @@
           <a:buFontTx/>
           <a:buNone/>
           <a:tabLst/>
-          <a:defRPr b="0" baseline="0" cap="none" i="0" spc="0" strike="noStrike" sz="1800" u="none" kumimoji="0" normalizeH="0">
+          <a:defRPr kumimoji="0" sz="1800" b="0" i="0" u="none" strike="noStrike" cap="none" spc="0" normalizeH="0" baseline="0">
             <a:ln>
               <a:noFill/>
             </a:ln>
@@ -6333,7 +6501,7 @@
           <a:buFontTx/>
           <a:buNone/>
           <a:tabLst/>
-          <a:defRPr b="0" baseline="0" cap="none" i="0" spc="0" strike="noStrike" sz="1800" u="none" kumimoji="0" normalizeH="0">
+          <a:defRPr kumimoji="0" sz="1800" b="0" i="0" u="none" strike="noStrike" cap="none" spc="0" normalizeH="0" baseline="0">
             <a:ln>
               <a:noFill/>
             </a:ln>
@@ -6359,7 +6527,7 @@
           <a:buFontTx/>
           <a:buNone/>
           <a:tabLst/>
-          <a:defRPr b="0" baseline="0" cap="none" i="0" spc="0" strike="noStrike" sz="1800" u="none" kumimoji="0" normalizeH="0">
+          <a:defRPr kumimoji="0" sz="1800" b="0" i="0" u="none" strike="noStrike" cap="none" spc="0" normalizeH="0" baseline="0">
             <a:ln>
               <a:noFill/>
             </a:ln>
@@ -6385,7 +6553,7 @@
           <a:buFontTx/>
           <a:buNone/>
           <a:tabLst/>
-          <a:defRPr b="0" baseline="0" cap="none" i="0" spc="0" strike="noStrike" sz="1800" u="none" kumimoji="0" normalizeH="0">
+          <a:defRPr kumimoji="0" sz="1800" b="0" i="0" u="none" strike="noStrike" cap="none" spc="0" normalizeH="0" baseline="0">
             <a:ln>
               <a:noFill/>
             </a:ln>
@@ -6411,7 +6579,7 @@
           <a:buFontTx/>
           <a:buNone/>
           <a:tabLst/>
-          <a:defRPr b="0" baseline="0" cap="none" i="0" spc="0" strike="noStrike" sz="1800" u="none" kumimoji="0" normalizeH="0">
+          <a:defRPr kumimoji="0" sz="1800" b="0" i="0" u="none" strike="noStrike" cap="none" spc="0" normalizeH="0" baseline="0">
             <a:ln>
               <a:noFill/>
             </a:ln>
@@ -6437,7 +6605,7 @@
           <a:buFontTx/>
           <a:buNone/>
           <a:tabLst/>
-          <a:defRPr b="0" baseline="0" cap="none" i="0" spc="0" strike="noStrike" sz="1800" u="none" kumimoji="0" normalizeH="0">
+          <a:defRPr kumimoji="0" sz="1800" b="0" i="0" u="none" strike="noStrike" cap="none" spc="0" normalizeH="0" baseline="0">
             <a:ln>
               <a:noFill/>
             </a:ln>
@@ -6463,7 +6631,7 @@
           <a:buFontTx/>
           <a:buNone/>
           <a:tabLst/>
-          <a:defRPr b="0" baseline="0" cap="none" i="0" spc="0" strike="noStrike" sz="1800" u="none" kumimoji="0" normalizeH="0">
+          <a:defRPr kumimoji="0" sz="1800" b="0" i="0" u="none" strike="noStrike" cap="none" spc="0" normalizeH="0" baseline="0">
             <a:ln>
               <a:noFill/>
             </a:ln>
@@ -6489,7 +6657,7 @@
           <a:buFontTx/>
           <a:buNone/>
           <a:tabLst/>
-          <a:defRPr b="0" baseline="0" cap="none" i="0" spc="0" strike="noStrike" sz="1800" u="none" kumimoji="0" normalizeH="0">
+          <a:defRPr kumimoji="0" sz="1800" b="0" i="0" u="none" strike="noStrike" cap="none" spc="0" normalizeH="0" baseline="0">
             <a:ln>
               <a:noFill/>
             </a:ln>
@@ -6502,12 +6670,19 @@
         </a:lvl9pPr>
       </a:lstStyle>
       <a:style>
-        <a:lnRef idx="0"/>
-        <a:fillRef idx="0"/>
-        <a:effectRef idx="0"/>
+        <a:lnRef idx="0">
+          <a:scrgbClr r="0" g="0" b="0"/>
+        </a:lnRef>
+        <a:fillRef idx="0">
+          <a:scrgbClr r="0" g="0" b="0"/>
+        </a:fillRef>
+        <a:effectRef idx="0">
+          <a:scrgbClr r="0" g="0" b="0"/>
+        </a:effectRef>
         <a:fontRef idx="none"/>
       </a:style>
     </a:txDef>
   </a:objectDefaults>
+  <a:extraClrSchemeLst/>
 </a:theme>
 </file>
--- a/Présentation APPSINF.pptx
+++ b/Présentation APPSINF.pptx
@@ -1,21 +1,20 @@
 
 <file path=ppt/presentation.xml><?xml version="1.0" encoding="utf-8"?>
-<p:presentation xmlns:a="http://schemas.openxmlformats.org/drawingml/2006/main" xmlns:r="http://schemas.openxmlformats.org/officeDocument/2006/relationships" xmlns:p="http://schemas.openxmlformats.org/presentationml/2006/main">
+<p:presentation xmlns:a="http://schemas.openxmlformats.org/drawingml/2006/main" xmlns:r="http://schemas.openxmlformats.org/officeDocument/2006/relationships" xmlns:p="http://schemas.openxmlformats.org/presentationml/2006/main" xmlns:m="http://schemas.openxmlformats.org/officeDocument/2006/math" xmlns:a14="http://schemas.microsoft.com/office/drawing/2010/main">
   <p:sldMasterIdLst>
-    <p:sldMasterId id="2147483648" r:id="rId1"/>
+    <p:sldMasterId id="2147483648" r:id="rId5"/>
   </p:sldMasterIdLst>
   <p:notesMasterIdLst>
-    <p:notesMasterId r:id="rId10"/>
+    <p:notesMasterId r:id="rId7"/>
   </p:notesMasterIdLst>
   <p:sldIdLst>
-    <p:sldId id="256" r:id="rId2"/>
-    <p:sldId id="257" r:id="rId3"/>
-    <p:sldId id="258" r:id="rId4"/>
-    <p:sldId id="259" r:id="rId5"/>
-    <p:sldId id="260" r:id="rId6"/>
-    <p:sldId id="261" r:id="rId7"/>
-    <p:sldId id="262" r:id="rId8"/>
-    <p:sldId id="263" r:id="rId9"/>
+    <p:sldId id="256" r:id="rId8"/>
+    <p:sldId id="257" r:id="rId9"/>
+    <p:sldId id="258" r:id="rId10"/>
+    <p:sldId id="259" r:id="rId11"/>
+    <p:sldId id="260" r:id="rId12"/>
+    <p:sldId id="261" r:id="rId13"/>
+    <p:sldId id="262" r:id="rId14"/>
   </p:sldIdLst>
   <p:sldSz cx="12192000" cy="6858000"/>
   <p:notesSz cx="6858000" cy="9144000"/>
@@ -35,7 +34,7 @@
       <a:buFontTx/>
       <a:buNone/>
       <a:tabLst/>
-      <a:defRPr kumimoji="0" sz="1800" b="0" i="0" u="none" strike="noStrike" cap="none" spc="0" normalizeH="0" baseline="0">
+      <a:defRPr b="0" baseline="0" cap="none" i="0" spc="0" strike="noStrike" sz="1800" u="none" kumimoji="0" normalizeH="0">
         <a:ln>
           <a:noFill/>
         </a:ln>
@@ -61,7 +60,7 @@
       <a:buFontTx/>
       <a:buNone/>
       <a:tabLst/>
-      <a:defRPr kumimoji="0" sz="1800" b="0" i="0" u="none" strike="noStrike" cap="none" spc="0" normalizeH="0" baseline="0">
+      <a:defRPr b="0" baseline="0" cap="none" i="0" spc="0" strike="noStrike" sz="1800" u="none" kumimoji="0" normalizeH="0">
         <a:ln>
           <a:noFill/>
         </a:ln>
@@ -70,13 +69,13 @@
         </a:solidFill>
         <a:effectLst/>
         <a:uFillTx/>
-        <a:latin typeface="+mn-lt"/>
-        <a:ea typeface="+mn-ea"/>
-        <a:cs typeface="+mn-cs"/>
+        <a:latin typeface="+mj-lt"/>
+        <a:ea typeface="+mj-ea"/>
+        <a:cs typeface="+mj-cs"/>
         <a:sym typeface="Avenir Next LT Pro"/>
       </a:defRPr>
     </a:lvl1pPr>
-    <a:lvl2pPr marL="0" marR="0" indent="457200" algn="l" defTabSz="914400" rtl="0" fontAlgn="auto" latinLnBrk="0" hangingPunct="0">
+    <a:lvl2pPr marL="0" marR="0" indent="0" algn="l" defTabSz="914400" rtl="0" fontAlgn="auto" latinLnBrk="0" hangingPunct="0">
       <a:lnSpc>
         <a:spcPct val="100000"/>
       </a:lnSpc>
@@ -91,7 +90,7 @@
       <a:buFontTx/>
       <a:buNone/>
       <a:tabLst/>
-      <a:defRPr kumimoji="0" sz="1800" b="0" i="0" u="none" strike="noStrike" cap="none" spc="0" normalizeH="0" baseline="0">
+      <a:defRPr b="0" baseline="0" cap="none" i="0" spc="0" strike="noStrike" sz="1800" u="none" kumimoji="0" normalizeH="0">
         <a:ln>
           <a:noFill/>
         </a:ln>
@@ -100,13 +99,13 @@
         </a:solidFill>
         <a:effectLst/>
         <a:uFillTx/>
-        <a:latin typeface="+mn-lt"/>
-        <a:ea typeface="+mn-ea"/>
-        <a:cs typeface="+mn-cs"/>
+        <a:latin typeface="+mj-lt"/>
+        <a:ea typeface="+mj-ea"/>
+        <a:cs typeface="+mj-cs"/>
         <a:sym typeface="Avenir Next LT Pro"/>
       </a:defRPr>
     </a:lvl2pPr>
-    <a:lvl3pPr marL="0" marR="0" indent="914400" algn="l" defTabSz="914400" rtl="0" fontAlgn="auto" latinLnBrk="0" hangingPunct="0">
+    <a:lvl3pPr marL="0" marR="0" indent="0" algn="l" defTabSz="914400" rtl="0" fontAlgn="auto" latinLnBrk="0" hangingPunct="0">
       <a:lnSpc>
         <a:spcPct val="100000"/>
       </a:lnSpc>
@@ -121,7 +120,7 @@
       <a:buFontTx/>
       <a:buNone/>
       <a:tabLst/>
-      <a:defRPr kumimoji="0" sz="1800" b="0" i="0" u="none" strike="noStrike" cap="none" spc="0" normalizeH="0" baseline="0">
+      <a:defRPr b="0" baseline="0" cap="none" i="0" spc="0" strike="noStrike" sz="1800" u="none" kumimoji="0" normalizeH="0">
         <a:ln>
           <a:noFill/>
         </a:ln>
@@ -130,13 +129,13 @@
         </a:solidFill>
         <a:effectLst/>
         <a:uFillTx/>
-        <a:latin typeface="+mn-lt"/>
-        <a:ea typeface="+mn-ea"/>
-        <a:cs typeface="+mn-cs"/>
+        <a:latin typeface="+mj-lt"/>
+        <a:ea typeface="+mj-ea"/>
+        <a:cs typeface="+mj-cs"/>
         <a:sym typeface="Avenir Next LT Pro"/>
       </a:defRPr>
     </a:lvl3pPr>
-    <a:lvl4pPr marL="0" marR="0" indent="1371600" algn="l" defTabSz="914400" rtl="0" fontAlgn="auto" latinLnBrk="0" hangingPunct="0">
+    <a:lvl4pPr marL="0" marR="0" indent="0" algn="l" defTabSz="914400" rtl="0" fontAlgn="auto" latinLnBrk="0" hangingPunct="0">
       <a:lnSpc>
         <a:spcPct val="100000"/>
       </a:lnSpc>
@@ -151,7 +150,7 @@
       <a:buFontTx/>
       <a:buNone/>
       <a:tabLst/>
-      <a:defRPr kumimoji="0" sz="1800" b="0" i="0" u="none" strike="noStrike" cap="none" spc="0" normalizeH="0" baseline="0">
+      <a:defRPr b="0" baseline="0" cap="none" i="0" spc="0" strike="noStrike" sz="1800" u="none" kumimoji="0" normalizeH="0">
         <a:ln>
           <a:noFill/>
         </a:ln>
@@ -160,13 +159,13 @@
         </a:solidFill>
         <a:effectLst/>
         <a:uFillTx/>
-        <a:latin typeface="+mn-lt"/>
-        <a:ea typeface="+mn-ea"/>
-        <a:cs typeface="+mn-cs"/>
+        <a:latin typeface="+mj-lt"/>
+        <a:ea typeface="+mj-ea"/>
+        <a:cs typeface="+mj-cs"/>
         <a:sym typeface="Avenir Next LT Pro"/>
       </a:defRPr>
     </a:lvl4pPr>
-    <a:lvl5pPr marL="0" marR="0" indent="1828800" algn="l" defTabSz="914400" rtl="0" fontAlgn="auto" latinLnBrk="0" hangingPunct="0">
+    <a:lvl5pPr marL="0" marR="0" indent="0" algn="l" defTabSz="914400" rtl="0" fontAlgn="auto" latinLnBrk="0" hangingPunct="0">
       <a:lnSpc>
         <a:spcPct val="100000"/>
       </a:lnSpc>
@@ -181,7 +180,7 @@
       <a:buFontTx/>
       <a:buNone/>
       <a:tabLst/>
-      <a:defRPr kumimoji="0" sz="1800" b="0" i="0" u="none" strike="noStrike" cap="none" spc="0" normalizeH="0" baseline="0">
+      <a:defRPr b="0" baseline="0" cap="none" i="0" spc="0" strike="noStrike" sz="1800" u="none" kumimoji="0" normalizeH="0">
         <a:ln>
           <a:noFill/>
         </a:ln>
@@ -190,13 +189,13 @@
         </a:solidFill>
         <a:effectLst/>
         <a:uFillTx/>
-        <a:latin typeface="+mn-lt"/>
-        <a:ea typeface="+mn-ea"/>
-        <a:cs typeface="+mn-cs"/>
+        <a:latin typeface="+mj-lt"/>
+        <a:ea typeface="+mj-ea"/>
+        <a:cs typeface="+mj-cs"/>
         <a:sym typeface="Avenir Next LT Pro"/>
       </a:defRPr>
     </a:lvl5pPr>
-    <a:lvl6pPr marL="0" marR="0" indent="2286000" algn="l" defTabSz="914400" rtl="0" fontAlgn="auto" latinLnBrk="0" hangingPunct="0">
+    <a:lvl6pPr marL="0" marR="0" indent="0" algn="l" defTabSz="914400" rtl="0" fontAlgn="auto" latinLnBrk="0" hangingPunct="0">
       <a:lnSpc>
         <a:spcPct val="100000"/>
       </a:lnSpc>
@@ -211,7 +210,7 @@
       <a:buFontTx/>
       <a:buNone/>
       <a:tabLst/>
-      <a:defRPr kumimoji="0" sz="1800" b="0" i="0" u="none" strike="noStrike" cap="none" spc="0" normalizeH="0" baseline="0">
+      <a:defRPr b="0" baseline="0" cap="none" i="0" spc="0" strike="noStrike" sz="1800" u="none" kumimoji="0" normalizeH="0">
         <a:ln>
           <a:noFill/>
         </a:ln>
@@ -220,13 +219,13 @@
         </a:solidFill>
         <a:effectLst/>
         <a:uFillTx/>
-        <a:latin typeface="+mn-lt"/>
-        <a:ea typeface="+mn-ea"/>
-        <a:cs typeface="+mn-cs"/>
+        <a:latin typeface="+mj-lt"/>
+        <a:ea typeface="+mj-ea"/>
+        <a:cs typeface="+mj-cs"/>
         <a:sym typeface="Avenir Next LT Pro"/>
       </a:defRPr>
     </a:lvl6pPr>
-    <a:lvl7pPr marL="0" marR="0" indent="2743200" algn="l" defTabSz="914400" rtl="0" fontAlgn="auto" latinLnBrk="0" hangingPunct="0">
+    <a:lvl7pPr marL="0" marR="0" indent="0" algn="l" defTabSz="914400" rtl="0" fontAlgn="auto" latinLnBrk="0" hangingPunct="0">
       <a:lnSpc>
         <a:spcPct val="100000"/>
       </a:lnSpc>
@@ -241,7 +240,7 @@
       <a:buFontTx/>
       <a:buNone/>
       <a:tabLst/>
-      <a:defRPr kumimoji="0" sz="1800" b="0" i="0" u="none" strike="noStrike" cap="none" spc="0" normalizeH="0" baseline="0">
+      <a:defRPr b="0" baseline="0" cap="none" i="0" spc="0" strike="noStrike" sz="1800" u="none" kumimoji="0" normalizeH="0">
         <a:ln>
           <a:noFill/>
         </a:ln>
@@ -250,13 +249,13 @@
         </a:solidFill>
         <a:effectLst/>
         <a:uFillTx/>
-        <a:latin typeface="+mn-lt"/>
-        <a:ea typeface="+mn-ea"/>
-        <a:cs typeface="+mn-cs"/>
+        <a:latin typeface="+mj-lt"/>
+        <a:ea typeface="+mj-ea"/>
+        <a:cs typeface="+mj-cs"/>
         <a:sym typeface="Avenir Next LT Pro"/>
       </a:defRPr>
     </a:lvl7pPr>
-    <a:lvl8pPr marL="0" marR="0" indent="3200400" algn="l" defTabSz="914400" rtl="0" fontAlgn="auto" latinLnBrk="0" hangingPunct="0">
+    <a:lvl8pPr marL="0" marR="0" indent="0" algn="l" defTabSz="914400" rtl="0" fontAlgn="auto" latinLnBrk="0" hangingPunct="0">
       <a:lnSpc>
         <a:spcPct val="100000"/>
       </a:lnSpc>
@@ -271,7 +270,7 @@
       <a:buFontTx/>
       <a:buNone/>
       <a:tabLst/>
-      <a:defRPr kumimoji="0" sz="1800" b="0" i="0" u="none" strike="noStrike" cap="none" spc="0" normalizeH="0" baseline="0">
+      <a:defRPr b="0" baseline="0" cap="none" i="0" spc="0" strike="noStrike" sz="1800" u="none" kumimoji="0" normalizeH="0">
         <a:ln>
           <a:noFill/>
         </a:ln>
@@ -280,13 +279,13 @@
         </a:solidFill>
         <a:effectLst/>
         <a:uFillTx/>
-        <a:latin typeface="+mn-lt"/>
-        <a:ea typeface="+mn-ea"/>
-        <a:cs typeface="+mn-cs"/>
+        <a:latin typeface="+mj-lt"/>
+        <a:ea typeface="+mj-ea"/>
+        <a:cs typeface="+mj-cs"/>
         <a:sym typeface="Avenir Next LT Pro"/>
       </a:defRPr>
     </a:lvl8pPr>
-    <a:lvl9pPr marL="0" marR="0" indent="3657600" algn="l" defTabSz="914400" rtl="0" fontAlgn="auto" latinLnBrk="0" hangingPunct="0">
+    <a:lvl9pPr marL="0" marR="0" indent="0" algn="l" defTabSz="914400" rtl="0" fontAlgn="auto" latinLnBrk="0" hangingPunct="0">
       <a:lnSpc>
         <a:spcPct val="100000"/>
       </a:lnSpc>
@@ -301,7 +300,7 @@
       <a:buFontTx/>
       <a:buNone/>
       <a:tabLst/>
-      <a:defRPr kumimoji="0" sz="1800" b="0" i="0" u="none" strike="noStrike" cap="none" spc="0" normalizeH="0" baseline="0">
+      <a:defRPr b="0" baseline="0" cap="none" i="0" spc="0" strike="noStrike" sz="1800" u="none" kumimoji="0" normalizeH="0">
         <a:ln>
           <a:noFill/>
         </a:ln>
@@ -310,9 +309,9 @@
         </a:solidFill>
         <a:effectLst/>
         <a:uFillTx/>
-        <a:latin typeface="+mn-lt"/>
-        <a:ea typeface="+mn-ea"/>
-        <a:cs typeface="+mn-cs"/>
+        <a:latin typeface="+mj-lt"/>
+        <a:ea typeface="+mj-ea"/>
+        <a:cs typeface="+mj-cs"/>
         <a:sym typeface="Avenir Next LT Pro"/>
       </a:defRPr>
     </a:lvl9pPr>
@@ -320,14 +319,13 @@
 </p:presentation>
 </file>
 
+<file path=ppt/commentAuthors.xml><?xml version="1.0" encoding="utf-8"?>
+<p:cmAuthorLst xmlns:a="http://schemas.openxmlformats.org/drawingml/2006/main" xmlns:r="http://schemas.openxmlformats.org/officeDocument/2006/relationships" xmlns:p="http://schemas.openxmlformats.org/presentationml/2006/main" xmlns:m="http://schemas.openxmlformats.org/officeDocument/2006/math" xmlns:a14="http://schemas.microsoft.com/office/drawing/2010/main"/>
+</file>
+
 <file path=ppt/notesMasters/notesMaster1.xml><?xml version="1.0" encoding="utf-8"?>
-<p:notesMaster xmlns:a="http://schemas.openxmlformats.org/drawingml/2006/main" xmlns:r="http://schemas.openxmlformats.org/officeDocument/2006/relationships" xmlns:p="http://schemas.openxmlformats.org/presentationml/2006/main">
+<p:notesMaster xmlns:a="http://schemas.openxmlformats.org/drawingml/2006/main" xmlns:r="http://schemas.openxmlformats.org/officeDocument/2006/relationships" xmlns:p="http://schemas.openxmlformats.org/presentationml/2006/main" xmlns:m="http://schemas.openxmlformats.org/officeDocument/2006/math" xmlns:a14="http://schemas.microsoft.com/office/drawing/2010/main">
   <p:cSld>
-    <p:bg>
-      <p:bgRef idx="1001">
-        <a:schemeClr val="bg1"/>
-      </p:bgRef>
-    </p:bg>
     <p:spTree>
       <p:nvGrpSpPr>
         <p:cNvPr id="1" name=""/>
@@ -345,9 +343,7 @@
       <p:sp>
         <p:nvSpPr>
           <p:cNvPr id="109" name="Shape 109"/>
-          <p:cNvSpPr>
-            <a:spLocks noGrp="1" noRot="1" noChangeAspect="1"/>
-          </p:cNvSpPr>
+          <p:cNvSpPr/>
           <p:nvPr>
             <p:ph type="sldImg"/>
           </p:nvPr>
@@ -365,16 +361,14 @@
           <a:bodyPr/>
           <a:lstStyle/>
           <a:p>
-            <a:endParaRPr/>
+            <a:pPr/>
           </a:p>
         </p:txBody>
       </p:sp>
       <p:sp>
         <p:nvSpPr>
           <p:cNvPr id="110" name="Shape 110"/>
-          <p:cNvSpPr>
-            <a:spLocks noGrp="1"/>
-          </p:cNvSpPr>
+          <p:cNvSpPr/>
           <p:nvPr>
             <p:ph type="body" sz="quarter" idx="1"/>
           </p:nvPr>
@@ -392,7 +386,7 @@
           <a:bodyPr/>
           <a:lstStyle/>
           <a:p>
-            <a:endParaRPr/>
+            <a:pPr/>
           </a:p>
         </p:txBody>
       </p:sp>
@@ -402,73 +396,73 @@
   <p:notesStyle>
     <a:lvl1pPr latinLnBrk="0">
       <a:defRPr sz="1200">
-        <a:latin typeface="+mn-lt"/>
-        <a:ea typeface="+mn-ea"/>
-        <a:cs typeface="+mn-cs"/>
+        <a:latin typeface="+mj-lt"/>
+        <a:ea typeface="+mj-ea"/>
+        <a:cs typeface="+mj-cs"/>
         <a:sym typeface="Avenir Next LT Pro"/>
       </a:defRPr>
     </a:lvl1pPr>
     <a:lvl2pPr indent="228600" latinLnBrk="0">
       <a:defRPr sz="1200">
-        <a:latin typeface="+mn-lt"/>
-        <a:ea typeface="+mn-ea"/>
-        <a:cs typeface="+mn-cs"/>
+        <a:latin typeface="+mj-lt"/>
+        <a:ea typeface="+mj-ea"/>
+        <a:cs typeface="+mj-cs"/>
         <a:sym typeface="Avenir Next LT Pro"/>
       </a:defRPr>
     </a:lvl2pPr>
     <a:lvl3pPr indent="457200" latinLnBrk="0">
       <a:defRPr sz="1200">
-        <a:latin typeface="+mn-lt"/>
-        <a:ea typeface="+mn-ea"/>
-        <a:cs typeface="+mn-cs"/>
+        <a:latin typeface="+mj-lt"/>
+        <a:ea typeface="+mj-ea"/>
+        <a:cs typeface="+mj-cs"/>
         <a:sym typeface="Avenir Next LT Pro"/>
       </a:defRPr>
     </a:lvl3pPr>
     <a:lvl4pPr indent="685800" latinLnBrk="0">
       <a:defRPr sz="1200">
-        <a:latin typeface="+mn-lt"/>
-        <a:ea typeface="+mn-ea"/>
-        <a:cs typeface="+mn-cs"/>
+        <a:latin typeface="+mj-lt"/>
+        <a:ea typeface="+mj-ea"/>
+        <a:cs typeface="+mj-cs"/>
         <a:sym typeface="Avenir Next LT Pro"/>
       </a:defRPr>
     </a:lvl4pPr>
     <a:lvl5pPr indent="914400" latinLnBrk="0">
       <a:defRPr sz="1200">
-        <a:latin typeface="+mn-lt"/>
-        <a:ea typeface="+mn-ea"/>
-        <a:cs typeface="+mn-cs"/>
+        <a:latin typeface="+mj-lt"/>
+        <a:ea typeface="+mj-ea"/>
+        <a:cs typeface="+mj-cs"/>
         <a:sym typeface="Avenir Next LT Pro"/>
       </a:defRPr>
     </a:lvl5pPr>
     <a:lvl6pPr indent="1143000" latinLnBrk="0">
       <a:defRPr sz="1200">
-        <a:latin typeface="+mn-lt"/>
-        <a:ea typeface="+mn-ea"/>
-        <a:cs typeface="+mn-cs"/>
+        <a:latin typeface="+mj-lt"/>
+        <a:ea typeface="+mj-ea"/>
+        <a:cs typeface="+mj-cs"/>
         <a:sym typeface="Avenir Next LT Pro"/>
       </a:defRPr>
     </a:lvl6pPr>
     <a:lvl7pPr indent="1371600" latinLnBrk="0">
       <a:defRPr sz="1200">
-        <a:latin typeface="+mn-lt"/>
-        <a:ea typeface="+mn-ea"/>
-        <a:cs typeface="+mn-cs"/>
+        <a:latin typeface="+mj-lt"/>
+        <a:ea typeface="+mj-ea"/>
+        <a:cs typeface="+mj-cs"/>
         <a:sym typeface="Avenir Next LT Pro"/>
       </a:defRPr>
     </a:lvl7pPr>
     <a:lvl8pPr indent="1600200" latinLnBrk="0">
       <a:defRPr sz="1200">
-        <a:latin typeface="+mn-lt"/>
-        <a:ea typeface="+mn-ea"/>
-        <a:cs typeface="+mn-cs"/>
+        <a:latin typeface="+mj-lt"/>
+        <a:ea typeface="+mj-ea"/>
+        <a:cs typeface="+mj-cs"/>
         <a:sym typeface="Avenir Next LT Pro"/>
       </a:defRPr>
     </a:lvl8pPr>
     <a:lvl9pPr indent="1828800" latinLnBrk="0">
       <a:defRPr sz="1200">
-        <a:latin typeface="+mn-lt"/>
-        <a:ea typeface="+mn-ea"/>
-        <a:cs typeface="+mn-cs"/>
+        <a:latin typeface="+mj-lt"/>
+        <a:ea typeface="+mj-ea"/>
+        <a:cs typeface="+mj-cs"/>
         <a:sym typeface="Avenir Next LT Pro"/>
       </a:defRPr>
     </a:lvl9pPr>
@@ -477,7 +471,7 @@
 </file>
 
 <file path=ppt/slideLayouts/slideLayout1.xml><?xml version="1.0" encoding="utf-8"?>
-<p:sldLayout xmlns:a="http://schemas.openxmlformats.org/drawingml/2006/main" xmlns:r="http://schemas.openxmlformats.org/officeDocument/2006/relationships" xmlns:p="http://schemas.openxmlformats.org/presentationml/2006/main" showMasterSp="0" type="title">
+<p:sldLayout xmlns:a="http://schemas.openxmlformats.org/drawingml/2006/main" xmlns:r="http://schemas.openxmlformats.org/officeDocument/2006/relationships" xmlns:p="http://schemas.openxmlformats.org/presentationml/2006/main" xmlns:m="http://schemas.openxmlformats.org/officeDocument/2006/math" xmlns:a14="http://schemas.microsoft.com/office/drawing/2010/main" type="title" showMasterSp="0" showMasterPhAnim="1">
   <p:cSld name="Title Slide">
     <p:spTree>
       <p:nvGrpSpPr>
@@ -515,7 +509,7 @@
           </a:ln>
         </p:spPr>
         <p:txBody>
-          <a:bodyPr lIns="45719" rIns="45719" anchor="ctr"/>
+          <a:bodyPr lIns="45718" tIns="45718" rIns="45718" bIns="45718" anchor="ctr"/>
           <a:lstStyle/>
           <a:p>
             <a:pPr algn="ctr">
@@ -529,7 +523,6 @@
                 <a:sym typeface="AvenirNext LT Pro Medium"/>
               </a:defRPr>
             </a:pPr>
-            <a:endParaRPr/>
           </a:p>
         </p:txBody>
       </p:sp>
@@ -544,6 +537,7 @@
         <p:blipFill>
           <a:blip r:embed="rId2">
             <a:alphaModFix amt="35000"/>
+            <a:extLst/>
           </a:blip>
           <a:stretch>
             <a:fillRect/>
@@ -565,9 +559,7 @@
       <p:sp>
         <p:nvSpPr>
           <p:cNvPr id="15" name="Texte du titre"/>
-          <p:cNvSpPr txBox="1">
-            <a:spLocks noGrp="1"/>
-          </p:cNvSpPr>
+          <p:cNvSpPr txBox="1"/>
           <p:nvPr>
             <p:ph type="title"/>
           </p:nvPr>
@@ -587,6 +579,7 @@
             <a:lvl1pPr algn="ctr"/>
           </a:lstStyle>
           <a:p>
+            <a:pPr/>
             <a:r>
               <a:t>Texte du titre</a:t>
             </a:r>
@@ -596,9 +589,7 @@
       <p:sp>
         <p:nvSpPr>
           <p:cNvPr id="16" name="Texte niveau 1…"/>
-          <p:cNvSpPr txBox="1">
-            <a:spLocks noGrp="1"/>
-          </p:cNvSpPr>
+          <p:cNvSpPr txBox="1"/>
           <p:nvPr>
             <p:ph type="body" sz="quarter" idx="1"/>
           </p:nvPr>
@@ -606,7 +597,7 @@
         <p:spPr>
           <a:xfrm>
             <a:off x="1524000" y="3602037"/>
-            <a:ext cx="9144000" cy="1655763"/>
+            <a:ext cx="9144000" cy="1655764"/>
           </a:xfrm>
           <a:prstGeom prst="rect">
             <a:avLst/>
@@ -622,28 +613,28 @@
               <a:buNone/>
               <a:defRPr sz="2000"/>
             </a:lvl1pPr>
-            <a:lvl2pPr marL="0" indent="457200" algn="ctr">
+            <a:lvl2pPr marL="0" indent="0" algn="ctr">
               <a:buClrTx/>
               <a:buSzTx/>
               <a:buFontTx/>
               <a:buNone/>
               <a:defRPr sz="2000"/>
             </a:lvl2pPr>
-            <a:lvl3pPr marL="0" indent="914400" algn="ctr">
+            <a:lvl3pPr marL="0" indent="0" algn="ctr">
               <a:buClrTx/>
               <a:buSzTx/>
               <a:buFontTx/>
               <a:buNone/>
               <a:defRPr sz="2000"/>
             </a:lvl3pPr>
-            <a:lvl4pPr marL="0" indent="1371600" algn="ctr">
+            <a:lvl4pPr marL="0" indent="0" algn="ctr">
               <a:buClrTx/>
               <a:buSzTx/>
               <a:buFontTx/>
               <a:buNone/>
               <a:defRPr sz="2000"/>
             </a:lvl4pPr>
-            <a:lvl5pPr marL="0" indent="1828800" algn="ctr">
+            <a:lvl5pPr marL="0" indent="0" algn="ctr">
               <a:buClrTx/>
               <a:buSzTx/>
               <a:buFontTx/>
@@ -652,6 +643,7 @@
             </a:lvl5pPr>
           </a:lstStyle>
           <a:p>
+            <a:pPr/>
             <a:r>
               <a:t>Texte niveau 1</a:t>
             </a:r>
@@ -685,9 +677,7 @@
       <p:sp>
         <p:nvSpPr>
           <p:cNvPr id="17" name="Numéro de diapositive"/>
-          <p:cNvSpPr txBox="1">
-            <a:spLocks noGrp="1"/>
-          </p:cNvSpPr>
+          <p:cNvSpPr txBox="1"/>
           <p:nvPr>
             <p:ph type="sldNum" sz="quarter" idx="2"/>
           </p:nvPr>
@@ -701,10 +691,8 @@
           <a:bodyPr/>
           <a:lstStyle/>
           <a:p>
-            <a:fld id="{86CB4B4D-7CA3-9044-876B-883B54F8677D}" type="slidenum">
-              <a:t>‹N°›</a:t>
-            </a:fld>
-            <a:endParaRPr/>
+            <a:pPr/>
+            <a:fld id="{86CB4B4D-7CA3-9044-876B-883B54F8677D}" type="slidenum"/>
           </a:p>
         </p:txBody>
       </p:sp>
@@ -713,12 +701,12 @@
   <p:clrMapOvr>
     <a:masterClrMapping/>
   </p:clrMapOvr>
-  <p:transition spd="med"/>
+  <p:transition xmlns:p14="http://schemas.microsoft.com/office/powerpoint/2010/main" spd="med" advClick="1"/>
 </p:sldLayout>
 </file>
 
 <file path=ppt/slideLayouts/slideLayout2.xml><?xml version="1.0" encoding="utf-8"?>
-<p:sldLayout xmlns:a="http://schemas.openxmlformats.org/drawingml/2006/main" xmlns:r="http://schemas.openxmlformats.org/officeDocument/2006/relationships" xmlns:p="http://schemas.openxmlformats.org/presentationml/2006/main" type="tx">
+<p:sldLayout xmlns:a="http://schemas.openxmlformats.org/drawingml/2006/main" xmlns:r="http://schemas.openxmlformats.org/officeDocument/2006/relationships" xmlns:p="http://schemas.openxmlformats.org/presentationml/2006/main" xmlns:m="http://schemas.openxmlformats.org/officeDocument/2006/math" xmlns:a14="http://schemas.microsoft.com/office/drawing/2010/main" type="tx" showMasterSp="1" showMasterPhAnim="1">
   <p:cSld name="Title and Content">
     <p:spTree>
       <p:nvGrpSpPr>
@@ -737,9 +725,7 @@
       <p:sp>
         <p:nvSpPr>
           <p:cNvPr id="24" name="Texte du titre"/>
-          <p:cNvSpPr txBox="1">
-            <a:spLocks noGrp="1"/>
-          </p:cNvSpPr>
+          <p:cNvSpPr txBox="1"/>
           <p:nvPr>
             <p:ph type="title"/>
           </p:nvPr>
@@ -753,6 +739,7 @@
           <a:bodyPr/>
           <a:lstStyle/>
           <a:p>
+            <a:pPr/>
             <a:r>
               <a:t>Texte du titre</a:t>
             </a:r>
@@ -762,9 +749,7 @@
       <p:sp>
         <p:nvSpPr>
           <p:cNvPr id="25" name="Texte niveau 1…"/>
-          <p:cNvSpPr txBox="1">
-            <a:spLocks noGrp="1"/>
-          </p:cNvSpPr>
+          <p:cNvSpPr txBox="1"/>
           <p:nvPr>
             <p:ph type="body" idx="1"/>
           </p:nvPr>
@@ -778,6 +763,7 @@
           <a:bodyPr/>
           <a:lstStyle/>
           <a:p>
+            <a:pPr/>
             <a:r>
               <a:t>Texte niveau 1</a:t>
             </a:r>
@@ -811,9 +797,7 @@
       <p:sp>
         <p:nvSpPr>
           <p:cNvPr id="26" name="Numéro de diapositive"/>
-          <p:cNvSpPr txBox="1">
-            <a:spLocks noGrp="1"/>
-          </p:cNvSpPr>
+          <p:cNvSpPr txBox="1"/>
           <p:nvPr>
             <p:ph type="sldNum" sz="quarter" idx="2"/>
           </p:nvPr>
@@ -827,10 +811,8 @@
           <a:bodyPr/>
           <a:lstStyle/>
           <a:p>
-            <a:fld id="{86CB4B4D-7CA3-9044-876B-883B54F8677D}" type="slidenum">
-              <a:t>‹N°›</a:t>
-            </a:fld>
-            <a:endParaRPr/>
+            <a:pPr/>
+            <a:fld id="{86CB4B4D-7CA3-9044-876B-883B54F8677D}" type="slidenum"/>
           </a:p>
         </p:txBody>
       </p:sp>
@@ -839,12 +821,12 @@
   <p:clrMapOvr>
     <a:masterClrMapping/>
   </p:clrMapOvr>
-  <p:transition spd="med"/>
+  <p:transition xmlns:p14="http://schemas.microsoft.com/office/powerpoint/2010/main" spd="med" advClick="1"/>
 </p:sldLayout>
 </file>
 
 <file path=ppt/slideLayouts/slideLayout3.xml><?xml version="1.0" encoding="utf-8"?>
-<p:sldLayout xmlns:a="http://schemas.openxmlformats.org/drawingml/2006/main" xmlns:r="http://schemas.openxmlformats.org/officeDocument/2006/relationships" xmlns:p="http://schemas.openxmlformats.org/presentationml/2006/main" showMasterSp="0" type="tx">
+<p:sldLayout xmlns:a="http://schemas.openxmlformats.org/drawingml/2006/main" xmlns:r="http://schemas.openxmlformats.org/officeDocument/2006/relationships" xmlns:p="http://schemas.openxmlformats.org/presentationml/2006/main" xmlns:m="http://schemas.openxmlformats.org/officeDocument/2006/math" xmlns:a14="http://schemas.microsoft.com/office/drawing/2010/main" type="tx" showMasterSp="0" showMasterPhAnim="1">
   <p:cSld name="Section Header">
     <p:spTree>
       <p:nvGrpSpPr>
@@ -882,7 +864,7 @@
           </a:ln>
         </p:spPr>
         <p:txBody>
-          <a:bodyPr lIns="45719" rIns="45719" anchor="ctr"/>
+          <a:bodyPr lIns="45718" tIns="45718" rIns="45718" bIns="45718" anchor="ctr"/>
           <a:lstStyle/>
           <a:p>
             <a:pPr algn="ctr">
@@ -896,7 +878,6 @@
                 <a:sym typeface="AvenirNext LT Pro Medium"/>
               </a:defRPr>
             </a:pPr>
-            <a:endParaRPr/>
           </a:p>
         </p:txBody>
       </p:sp>
@@ -909,7 +890,9 @@
           <p:nvPr/>
         </p:nvPicPr>
         <p:blipFill>
-          <a:blip r:embed="rId2"/>
+          <a:blip r:embed="rId2">
+            <a:extLst/>
+          </a:blip>
           <a:stretch>
             <a:fillRect/>
           </a:stretch>
@@ -930,9 +913,7 @@
       <p:sp>
         <p:nvSpPr>
           <p:cNvPr id="35" name="Texte du titre"/>
-          <p:cNvSpPr txBox="1">
-            <a:spLocks noGrp="1"/>
-          </p:cNvSpPr>
+          <p:cNvSpPr txBox="1"/>
           <p:nvPr>
             <p:ph type="title"/>
           </p:nvPr>
@@ -950,6 +931,7 @@
           <a:bodyPr anchor="b"/>
           <a:lstStyle/>
           <a:p>
+            <a:pPr/>
             <a:r>
               <a:t>Texte du titre</a:t>
             </a:r>
@@ -959,9 +941,7 @@
       <p:sp>
         <p:nvSpPr>
           <p:cNvPr id="36" name="Texte niveau 1…"/>
-          <p:cNvSpPr txBox="1">
-            <a:spLocks noGrp="1"/>
-          </p:cNvSpPr>
+          <p:cNvSpPr txBox="1"/>
           <p:nvPr>
             <p:ph type="body" sz="quarter" idx="1"/>
           </p:nvPr>
@@ -969,7 +949,7 @@
         <p:spPr>
           <a:xfrm>
             <a:off x="831850" y="4589462"/>
-            <a:ext cx="10515600" cy="1500188"/>
+            <a:ext cx="10515600" cy="1500189"/>
           </a:xfrm>
           <a:prstGeom prst="rect">
             <a:avLst/>
@@ -985,28 +965,28 @@
               <a:buNone/>
               <a:defRPr sz="2400"/>
             </a:lvl1pPr>
-            <a:lvl2pPr marL="0" indent="457200">
+            <a:lvl2pPr marL="0" indent="0">
               <a:buClrTx/>
               <a:buSzTx/>
               <a:buFontTx/>
               <a:buNone/>
               <a:defRPr sz="2400"/>
             </a:lvl2pPr>
-            <a:lvl3pPr marL="0" indent="914400">
+            <a:lvl3pPr marL="0" indent="0">
               <a:buClrTx/>
               <a:buSzTx/>
               <a:buFontTx/>
               <a:buNone/>
               <a:defRPr sz="2400"/>
             </a:lvl3pPr>
-            <a:lvl4pPr marL="0" indent="1371600">
+            <a:lvl4pPr marL="0" indent="0">
               <a:buClrTx/>
               <a:buSzTx/>
               <a:buFontTx/>
               <a:buNone/>
               <a:defRPr sz="2400"/>
             </a:lvl4pPr>
-            <a:lvl5pPr marL="0" indent="1828800">
+            <a:lvl5pPr marL="0" indent="0">
               <a:buClrTx/>
               <a:buSzTx/>
               <a:buFontTx/>
@@ -1015,6 +995,7 @@
             </a:lvl5pPr>
           </a:lstStyle>
           <a:p>
+            <a:pPr/>
             <a:r>
               <a:t>Texte niveau 1</a:t>
             </a:r>
@@ -1048,9 +1029,7 @@
       <p:sp>
         <p:nvSpPr>
           <p:cNvPr id="37" name="Numéro de diapositive"/>
-          <p:cNvSpPr txBox="1">
-            <a:spLocks noGrp="1"/>
-          </p:cNvSpPr>
+          <p:cNvSpPr txBox="1"/>
           <p:nvPr>
             <p:ph type="sldNum" sz="quarter" idx="2"/>
           </p:nvPr>
@@ -1064,10 +1043,8 @@
           <a:bodyPr/>
           <a:lstStyle/>
           <a:p>
-            <a:fld id="{86CB4B4D-7CA3-9044-876B-883B54F8677D}" type="slidenum">
-              <a:t>‹N°›</a:t>
-            </a:fld>
-            <a:endParaRPr/>
+            <a:pPr/>
+            <a:fld id="{86CB4B4D-7CA3-9044-876B-883B54F8677D}" type="slidenum"/>
           </a:p>
         </p:txBody>
       </p:sp>
@@ -1076,12 +1053,12 @@
   <p:clrMapOvr>
     <a:masterClrMapping/>
   </p:clrMapOvr>
-  <p:transition spd="med"/>
+  <p:transition xmlns:p14="http://schemas.microsoft.com/office/powerpoint/2010/main" spd="med" advClick="1"/>
 </p:sldLayout>
 </file>
 
 <file path=ppt/slideLayouts/slideLayout4.xml><?xml version="1.0" encoding="utf-8"?>
-<p:sldLayout xmlns:a="http://schemas.openxmlformats.org/drawingml/2006/main" xmlns:r="http://schemas.openxmlformats.org/officeDocument/2006/relationships" xmlns:p="http://schemas.openxmlformats.org/presentationml/2006/main" showMasterSp="0" type="tx">
+<p:sldLayout xmlns:a="http://schemas.openxmlformats.org/drawingml/2006/main" xmlns:r="http://schemas.openxmlformats.org/officeDocument/2006/relationships" xmlns:p="http://schemas.openxmlformats.org/presentationml/2006/main" xmlns:m="http://schemas.openxmlformats.org/officeDocument/2006/math" xmlns:a14="http://schemas.microsoft.com/office/drawing/2010/main" type="tx" showMasterSp="0" showMasterPhAnim="1">
   <p:cSld name="Two Content">
     <p:spTree>
       <p:nvGrpSpPr>
@@ -1119,7 +1096,7 @@
           </a:ln>
         </p:spPr>
         <p:txBody>
-          <a:bodyPr lIns="45719" rIns="45719" anchor="ctr"/>
+          <a:bodyPr lIns="45718" tIns="45718" rIns="45718" bIns="45718" anchor="ctr"/>
           <a:lstStyle/>
           <a:p>
             <a:pPr algn="ctr">
@@ -1133,7 +1110,6 @@
                 <a:sym typeface="AvenirNext LT Pro Medium"/>
               </a:defRPr>
             </a:pPr>
-            <a:endParaRPr/>
           </a:p>
         </p:txBody>
       </p:sp>
@@ -1146,7 +1122,9 @@
           <p:nvPr/>
         </p:nvPicPr>
         <p:blipFill>
-          <a:blip r:embed="rId2"/>
+          <a:blip r:embed="rId2">
+            <a:extLst/>
+          </a:blip>
           <a:stretch>
             <a:fillRect/>
           </a:stretch>
@@ -1167,9 +1145,7 @@
       <p:sp>
         <p:nvSpPr>
           <p:cNvPr id="46" name="Texte du titre"/>
-          <p:cNvSpPr txBox="1">
-            <a:spLocks noGrp="1"/>
-          </p:cNvSpPr>
+          <p:cNvSpPr txBox="1"/>
           <p:nvPr>
             <p:ph type="title"/>
           </p:nvPr>
@@ -1183,6 +1159,7 @@
           <a:bodyPr/>
           <a:lstStyle/>
           <a:p>
+            <a:pPr/>
             <a:r>
               <a:t>Texte du titre</a:t>
             </a:r>
@@ -1192,9 +1169,7 @@
       <p:sp>
         <p:nvSpPr>
           <p:cNvPr id="47" name="Texte niveau 1…"/>
-          <p:cNvSpPr txBox="1">
-            <a:spLocks noGrp="1"/>
-          </p:cNvSpPr>
+          <p:cNvSpPr txBox="1"/>
           <p:nvPr>
             <p:ph type="body" sz="half" idx="1"/>
           </p:nvPr>
@@ -1212,6 +1187,7 @@
           <a:bodyPr/>
           <a:lstStyle/>
           <a:p>
+            <a:pPr/>
             <a:r>
               <a:t>Texte niveau 1</a:t>
             </a:r>
@@ -1245,9 +1221,7 @@
       <p:sp>
         <p:nvSpPr>
           <p:cNvPr id="48" name="Numéro de diapositive"/>
-          <p:cNvSpPr txBox="1">
-            <a:spLocks noGrp="1"/>
-          </p:cNvSpPr>
+          <p:cNvSpPr txBox="1"/>
           <p:nvPr>
             <p:ph type="sldNum" sz="quarter" idx="2"/>
           </p:nvPr>
@@ -1261,10 +1235,8 @@
           <a:bodyPr/>
           <a:lstStyle/>
           <a:p>
-            <a:fld id="{86CB4B4D-7CA3-9044-876B-883B54F8677D}" type="slidenum">
-              <a:t>‹N°›</a:t>
-            </a:fld>
-            <a:endParaRPr/>
+            <a:pPr/>
+            <a:fld id="{86CB4B4D-7CA3-9044-876B-883B54F8677D}" type="slidenum"/>
           </a:p>
         </p:txBody>
       </p:sp>
@@ -1273,12 +1245,12 @@
   <p:clrMapOvr>
     <a:masterClrMapping/>
   </p:clrMapOvr>
-  <p:transition spd="med"/>
+  <p:transition xmlns:p14="http://schemas.microsoft.com/office/powerpoint/2010/main" spd="med" advClick="1"/>
 </p:sldLayout>
 </file>
 
 <file path=ppt/slideLayouts/slideLayout5.xml><?xml version="1.0" encoding="utf-8"?>
-<p:sldLayout xmlns:a="http://schemas.openxmlformats.org/drawingml/2006/main" xmlns:r="http://schemas.openxmlformats.org/officeDocument/2006/relationships" xmlns:p="http://schemas.openxmlformats.org/presentationml/2006/main" showMasterSp="0" type="tx">
+<p:sldLayout xmlns:a="http://schemas.openxmlformats.org/drawingml/2006/main" xmlns:r="http://schemas.openxmlformats.org/officeDocument/2006/relationships" xmlns:p="http://schemas.openxmlformats.org/presentationml/2006/main" xmlns:m="http://schemas.openxmlformats.org/officeDocument/2006/math" xmlns:a14="http://schemas.microsoft.com/office/drawing/2010/main" type="tx" showMasterSp="0" showMasterPhAnim="1">
   <p:cSld name="Comparison">
     <p:spTree>
       <p:nvGrpSpPr>
@@ -1316,7 +1288,7 @@
           </a:ln>
         </p:spPr>
         <p:txBody>
-          <a:bodyPr lIns="45719" rIns="45719" anchor="ctr"/>
+          <a:bodyPr lIns="45718" tIns="45718" rIns="45718" bIns="45718" anchor="ctr"/>
           <a:lstStyle/>
           <a:p>
             <a:pPr algn="ctr">
@@ -1330,7 +1302,6 @@
                 <a:sym typeface="AvenirNext LT Pro Medium"/>
               </a:defRPr>
             </a:pPr>
-            <a:endParaRPr/>
           </a:p>
         </p:txBody>
       </p:sp>
@@ -1343,7 +1314,9 @@
           <p:nvPr/>
         </p:nvPicPr>
         <p:blipFill>
-          <a:blip r:embed="rId2"/>
+          <a:blip r:embed="rId2">
+            <a:extLst/>
+          </a:blip>
           <a:stretch>
             <a:fillRect/>
           </a:stretch>
@@ -1364,9 +1337,7 @@
       <p:sp>
         <p:nvSpPr>
           <p:cNvPr id="57" name="Texte du titre"/>
-          <p:cNvSpPr txBox="1">
-            <a:spLocks noGrp="1"/>
-          </p:cNvSpPr>
+          <p:cNvSpPr txBox="1"/>
           <p:nvPr>
             <p:ph type="title"/>
           </p:nvPr>
@@ -1384,6 +1355,7 @@
           <a:bodyPr/>
           <a:lstStyle/>
           <a:p>
+            <a:pPr/>
             <a:r>
               <a:t>Texte du titre</a:t>
             </a:r>
@@ -1393,9 +1365,7 @@
       <p:sp>
         <p:nvSpPr>
           <p:cNvPr id="58" name="Texte niveau 1…"/>
-          <p:cNvSpPr txBox="1">
-            <a:spLocks noGrp="1"/>
-          </p:cNvSpPr>
+          <p:cNvSpPr txBox="1"/>
           <p:nvPr>
             <p:ph type="body" sz="quarter" idx="1"/>
           </p:nvPr>
@@ -1403,7 +1373,7 @@
         <p:spPr>
           <a:xfrm>
             <a:off x="839787" y="1752600"/>
-            <a:ext cx="5157789" cy="823913"/>
+            <a:ext cx="5157790" cy="823913"/>
           </a:xfrm>
           <a:prstGeom prst="rect">
             <a:avLst/>
@@ -1417,38 +1387,39 @@
               <a:buSzTx/>
               <a:buFontTx/>
               <a:buNone/>
-              <a:defRPr sz="2400" b="1"/>
+              <a:defRPr b="1" sz="2400"/>
             </a:lvl1pPr>
-            <a:lvl2pPr marL="0" indent="457200">
+            <a:lvl2pPr marL="0" indent="0">
               <a:buClrTx/>
               <a:buSzTx/>
               <a:buFontTx/>
               <a:buNone/>
-              <a:defRPr sz="2400" b="1"/>
+              <a:defRPr b="1" sz="2400"/>
             </a:lvl2pPr>
-            <a:lvl3pPr marL="0" indent="914400">
+            <a:lvl3pPr marL="0" indent="0">
               <a:buClrTx/>
               <a:buSzTx/>
               <a:buFontTx/>
               <a:buNone/>
-              <a:defRPr sz="2400" b="1"/>
+              <a:defRPr b="1" sz="2400"/>
             </a:lvl3pPr>
-            <a:lvl4pPr marL="0" indent="1371600">
+            <a:lvl4pPr marL="0" indent="0">
               <a:buClrTx/>
               <a:buSzTx/>
               <a:buFontTx/>
               <a:buNone/>
-              <a:defRPr sz="2400" b="1"/>
+              <a:defRPr b="1" sz="2400"/>
             </a:lvl4pPr>
-            <a:lvl5pPr marL="0" indent="1828800">
+            <a:lvl5pPr marL="0" indent="0">
               <a:buClrTx/>
               <a:buSzTx/>
               <a:buFontTx/>
               <a:buNone/>
-              <a:defRPr sz="2400" b="1"/>
+              <a:defRPr b="1" sz="2400"/>
             </a:lvl5pPr>
           </a:lstStyle>
           <a:p>
+            <a:pPr/>
             <a:r>
               <a:t>Texte niveau 1</a:t>
             </a:r>
@@ -1482,9 +1453,7 @@
       <p:sp>
         <p:nvSpPr>
           <p:cNvPr id="59" name="Text Placeholder 4"/>
-          <p:cNvSpPr>
-            <a:spLocks noGrp="1"/>
-          </p:cNvSpPr>
+          <p:cNvSpPr/>
           <p:nvPr>
             <p:ph type="body" sz="quarter" idx="21"/>
           </p:nvPr>
@@ -1502,23 +1471,14 @@
           <a:bodyPr anchor="b"/>
           <a:lstStyle/>
           <a:p>
-            <a:pPr marL="0" indent="0">
-              <a:buClrTx/>
-              <a:buSzTx/>
-              <a:buFontTx/>
-              <a:buNone/>
-              <a:defRPr sz="2400" b="1"/>
-            </a:pPr>
-            <a:endParaRPr/>
+            <a:pPr/>
           </a:p>
         </p:txBody>
       </p:sp>
       <p:sp>
         <p:nvSpPr>
           <p:cNvPr id="60" name="Numéro de diapositive"/>
-          <p:cNvSpPr txBox="1">
-            <a:spLocks noGrp="1"/>
-          </p:cNvSpPr>
+          <p:cNvSpPr txBox="1"/>
           <p:nvPr>
             <p:ph type="sldNum" sz="quarter" idx="2"/>
           </p:nvPr>
@@ -1532,10 +1492,8 @@
           <a:bodyPr/>
           <a:lstStyle/>
           <a:p>
-            <a:fld id="{86CB4B4D-7CA3-9044-876B-883B54F8677D}" type="slidenum">
-              <a:t>‹N°›</a:t>
-            </a:fld>
-            <a:endParaRPr/>
+            <a:pPr/>
+            <a:fld id="{86CB4B4D-7CA3-9044-876B-883B54F8677D}" type="slidenum"/>
           </a:p>
         </p:txBody>
       </p:sp>
@@ -1544,12 +1502,12 @@
   <p:clrMapOvr>
     <a:masterClrMapping/>
   </p:clrMapOvr>
-  <p:transition spd="med"/>
+  <p:transition xmlns:p14="http://schemas.microsoft.com/office/powerpoint/2010/main" spd="med" advClick="1"/>
 </p:sldLayout>
 </file>
 
 <file path=ppt/slideLayouts/slideLayout6.xml><?xml version="1.0" encoding="utf-8"?>
-<p:sldLayout xmlns:a="http://schemas.openxmlformats.org/drawingml/2006/main" xmlns:r="http://schemas.openxmlformats.org/officeDocument/2006/relationships" xmlns:p="http://schemas.openxmlformats.org/presentationml/2006/main" showMasterSp="0" type="tx">
+<p:sldLayout xmlns:a="http://schemas.openxmlformats.org/drawingml/2006/main" xmlns:r="http://schemas.openxmlformats.org/officeDocument/2006/relationships" xmlns:p="http://schemas.openxmlformats.org/presentationml/2006/main" xmlns:m="http://schemas.openxmlformats.org/officeDocument/2006/math" xmlns:a14="http://schemas.microsoft.com/office/drawing/2010/main" type="tx" showMasterSp="0" showMasterPhAnim="1">
   <p:cSld name="Title Only">
     <p:spTree>
       <p:nvGrpSpPr>
@@ -1587,7 +1545,7 @@
           </a:ln>
         </p:spPr>
         <p:txBody>
-          <a:bodyPr lIns="45719" rIns="45719" anchor="ctr"/>
+          <a:bodyPr lIns="45718" tIns="45718" rIns="45718" bIns="45718" anchor="ctr"/>
           <a:lstStyle/>
           <a:p>
             <a:pPr algn="ctr">
@@ -1601,7 +1559,6 @@
                 <a:sym typeface="AvenirNext LT Pro Medium"/>
               </a:defRPr>
             </a:pPr>
-            <a:endParaRPr/>
           </a:p>
         </p:txBody>
       </p:sp>
@@ -1614,7 +1571,9 @@
           <p:nvPr/>
         </p:nvPicPr>
         <p:blipFill>
-          <a:blip r:embed="rId2"/>
+          <a:blip r:embed="rId2">
+            <a:extLst/>
+          </a:blip>
           <a:stretch>
             <a:fillRect/>
           </a:stretch>
@@ -1635,9 +1594,7 @@
       <p:sp>
         <p:nvSpPr>
           <p:cNvPr id="69" name="Texte du titre"/>
-          <p:cNvSpPr txBox="1">
-            <a:spLocks noGrp="1"/>
-          </p:cNvSpPr>
+          <p:cNvSpPr txBox="1"/>
           <p:nvPr>
             <p:ph type="title"/>
           </p:nvPr>
@@ -1651,6 +1608,7 @@
           <a:bodyPr/>
           <a:lstStyle/>
           <a:p>
+            <a:pPr/>
             <a:r>
               <a:t>Texte du titre</a:t>
             </a:r>
@@ -1660,9 +1618,7 @@
       <p:sp>
         <p:nvSpPr>
           <p:cNvPr id="70" name="Numéro de diapositive"/>
-          <p:cNvSpPr txBox="1">
-            <a:spLocks noGrp="1"/>
-          </p:cNvSpPr>
+          <p:cNvSpPr txBox="1"/>
           <p:nvPr>
             <p:ph type="sldNum" sz="quarter" idx="2"/>
           </p:nvPr>
@@ -1676,10 +1632,8 @@
           <a:bodyPr/>
           <a:lstStyle/>
           <a:p>
-            <a:fld id="{86CB4B4D-7CA3-9044-876B-883B54F8677D}" type="slidenum">
-              <a:t>‹N°›</a:t>
-            </a:fld>
-            <a:endParaRPr/>
+            <a:pPr/>
+            <a:fld id="{86CB4B4D-7CA3-9044-876B-883B54F8677D}" type="slidenum"/>
           </a:p>
         </p:txBody>
       </p:sp>
@@ -1688,12 +1642,12 @@
   <p:clrMapOvr>
     <a:masterClrMapping/>
   </p:clrMapOvr>
-  <p:transition spd="med"/>
+  <p:transition xmlns:p14="http://schemas.microsoft.com/office/powerpoint/2010/main" spd="med" advClick="1"/>
 </p:sldLayout>
 </file>
 
 <file path=ppt/slideLayouts/slideLayout7.xml><?xml version="1.0" encoding="utf-8"?>
-<p:sldLayout xmlns:a="http://schemas.openxmlformats.org/drawingml/2006/main" xmlns:r="http://schemas.openxmlformats.org/officeDocument/2006/relationships" xmlns:p="http://schemas.openxmlformats.org/presentationml/2006/main" showMasterSp="0" type="tx">
+<p:sldLayout xmlns:a="http://schemas.openxmlformats.org/drawingml/2006/main" xmlns:r="http://schemas.openxmlformats.org/officeDocument/2006/relationships" xmlns:p="http://schemas.openxmlformats.org/presentationml/2006/main" xmlns:m="http://schemas.openxmlformats.org/officeDocument/2006/math" xmlns:a14="http://schemas.microsoft.com/office/drawing/2010/main" type="tx" showMasterSp="0" showMasterPhAnim="1">
   <p:cSld name="Blank">
     <p:spTree>
       <p:nvGrpSpPr>
@@ -1731,7 +1685,7 @@
           </a:ln>
         </p:spPr>
         <p:txBody>
-          <a:bodyPr lIns="45719" rIns="45719" anchor="ctr"/>
+          <a:bodyPr lIns="45718" tIns="45718" rIns="45718" bIns="45718" anchor="ctr"/>
           <a:lstStyle/>
           <a:p>
             <a:pPr algn="ctr">
@@ -1745,7 +1699,6 @@
                 <a:sym typeface="AvenirNext LT Pro Medium"/>
               </a:defRPr>
             </a:pPr>
-            <a:endParaRPr/>
           </a:p>
         </p:txBody>
       </p:sp>
@@ -1758,7 +1711,9 @@
           <p:nvPr/>
         </p:nvPicPr>
         <p:blipFill>
-          <a:blip r:embed="rId2"/>
+          <a:blip r:embed="rId2">
+            <a:extLst/>
+          </a:blip>
           <a:stretch>
             <a:fillRect/>
           </a:stretch>
@@ -1779,9 +1734,7 @@
       <p:sp>
         <p:nvSpPr>
           <p:cNvPr id="79" name="Numéro de diapositive"/>
-          <p:cNvSpPr txBox="1">
-            <a:spLocks noGrp="1"/>
-          </p:cNvSpPr>
+          <p:cNvSpPr txBox="1"/>
           <p:nvPr>
             <p:ph type="sldNum" sz="quarter" idx="2"/>
           </p:nvPr>
@@ -1795,10 +1748,8 @@
           <a:bodyPr/>
           <a:lstStyle/>
           <a:p>
-            <a:fld id="{86CB4B4D-7CA3-9044-876B-883B54F8677D}" type="slidenum">
-              <a:t>‹N°›</a:t>
-            </a:fld>
-            <a:endParaRPr/>
+            <a:pPr/>
+            <a:fld id="{86CB4B4D-7CA3-9044-876B-883B54F8677D}" type="slidenum"/>
           </a:p>
         </p:txBody>
       </p:sp>
@@ -1807,12 +1758,12 @@
   <p:clrMapOvr>
     <a:masterClrMapping/>
   </p:clrMapOvr>
-  <p:transition spd="med"/>
+  <p:transition xmlns:p14="http://schemas.microsoft.com/office/powerpoint/2010/main" spd="med" advClick="1"/>
 </p:sldLayout>
 </file>
 
 <file path=ppt/slideLayouts/slideLayout8.xml><?xml version="1.0" encoding="utf-8"?>
-<p:sldLayout xmlns:a="http://schemas.openxmlformats.org/drawingml/2006/main" xmlns:r="http://schemas.openxmlformats.org/officeDocument/2006/relationships" xmlns:p="http://schemas.openxmlformats.org/presentationml/2006/main" showMasterSp="0" type="tx">
+<p:sldLayout xmlns:a="http://schemas.openxmlformats.org/drawingml/2006/main" xmlns:r="http://schemas.openxmlformats.org/officeDocument/2006/relationships" xmlns:p="http://schemas.openxmlformats.org/presentationml/2006/main" xmlns:m="http://schemas.openxmlformats.org/officeDocument/2006/math" xmlns:a14="http://schemas.microsoft.com/office/drawing/2010/main" type="tx" showMasterSp="0" showMasterPhAnim="1">
   <p:cSld name="Content with Caption">
     <p:spTree>
       <p:nvGrpSpPr>
@@ -1850,7 +1801,7 @@
           </a:ln>
         </p:spPr>
         <p:txBody>
-          <a:bodyPr lIns="45719" rIns="45719" anchor="ctr"/>
+          <a:bodyPr lIns="45718" tIns="45718" rIns="45718" bIns="45718" anchor="ctr"/>
           <a:lstStyle/>
           <a:p>
             <a:pPr algn="ctr">
@@ -1864,7 +1815,6 @@
                 <a:sym typeface="AvenirNext LT Pro Medium"/>
               </a:defRPr>
             </a:pPr>
-            <a:endParaRPr/>
           </a:p>
         </p:txBody>
       </p:sp>
@@ -1877,7 +1827,9 @@
           <p:nvPr/>
         </p:nvPicPr>
         <p:blipFill>
-          <a:blip r:embed="rId2"/>
+          <a:blip r:embed="rId2">
+            <a:extLst/>
+          </a:blip>
           <a:stretch>
             <a:fillRect/>
           </a:stretch>
@@ -1898,9 +1850,7 @@
       <p:sp>
         <p:nvSpPr>
           <p:cNvPr id="88" name="Texte du titre"/>
-          <p:cNvSpPr txBox="1">
-            <a:spLocks noGrp="1"/>
-          </p:cNvSpPr>
+          <p:cNvSpPr txBox="1"/>
           <p:nvPr>
             <p:ph type="title"/>
           </p:nvPr>
@@ -1908,7 +1858,7 @@
         <p:spPr>
           <a:xfrm>
             <a:off x="839787" y="457200"/>
-            <a:ext cx="3932239" cy="1600200"/>
+            <a:ext cx="3932240" cy="1600200"/>
           </a:xfrm>
           <a:prstGeom prst="rect">
             <a:avLst/>
@@ -1922,6 +1872,7 @@
             </a:lvl1pPr>
           </a:lstStyle>
           <a:p>
+            <a:pPr/>
             <a:r>
               <a:t>Texte du titre</a:t>
             </a:r>
@@ -1931,9 +1882,7 @@
       <p:sp>
         <p:nvSpPr>
           <p:cNvPr id="89" name="Texte niveau 1…"/>
-          <p:cNvSpPr txBox="1">
-            <a:spLocks noGrp="1"/>
-          </p:cNvSpPr>
+          <p:cNvSpPr txBox="1"/>
           <p:nvPr>
             <p:ph type="body" sz="half" idx="1"/>
           </p:nvPr>
@@ -1941,7 +1890,7 @@
         <p:spPr>
           <a:xfrm>
             <a:off x="5183187" y="987425"/>
-            <a:ext cx="6172201" cy="4873625"/>
+            <a:ext cx="6172202" cy="4873625"/>
           </a:xfrm>
           <a:prstGeom prst="rect">
             <a:avLst/>
@@ -1967,6 +1916,7 @@
             </a:lvl5pPr>
           </a:lstStyle>
           <a:p>
+            <a:pPr/>
             <a:r>
               <a:t>Texte niveau 1</a:t>
             </a:r>
@@ -2000,9 +1950,7 @@
       <p:sp>
         <p:nvSpPr>
           <p:cNvPr id="90" name="Text Placeholder 3"/>
-          <p:cNvSpPr>
-            <a:spLocks noGrp="1"/>
-          </p:cNvSpPr>
+          <p:cNvSpPr/>
           <p:nvPr>
             <p:ph type="body" sz="quarter" idx="21"/>
           </p:nvPr>
@@ -2010,7 +1958,7 @@
         <p:spPr>
           <a:xfrm>
             <a:off x="839787" y="2057400"/>
-            <a:ext cx="3932239" cy="3811588"/>
+            <a:ext cx="3932240" cy="3811588"/>
           </a:xfrm>
           <a:prstGeom prst="rect">
             <a:avLst/>
@@ -2020,23 +1968,14 @@
           <a:bodyPr/>
           <a:lstStyle/>
           <a:p>
-            <a:pPr marL="0" indent="0">
-              <a:buClrTx/>
-              <a:buSzTx/>
-              <a:buFontTx/>
-              <a:buNone/>
-              <a:defRPr sz="1600"/>
-            </a:pPr>
-            <a:endParaRPr/>
+            <a:pPr/>
           </a:p>
         </p:txBody>
       </p:sp>
       <p:sp>
         <p:nvSpPr>
           <p:cNvPr id="91" name="Numéro de diapositive"/>
-          <p:cNvSpPr txBox="1">
-            <a:spLocks noGrp="1"/>
-          </p:cNvSpPr>
+          <p:cNvSpPr txBox="1"/>
           <p:nvPr>
             <p:ph type="sldNum" sz="quarter" idx="2"/>
           </p:nvPr>
@@ -2050,10 +1989,8 @@
           <a:bodyPr/>
           <a:lstStyle/>
           <a:p>
-            <a:fld id="{86CB4B4D-7CA3-9044-876B-883B54F8677D}" type="slidenum">
-              <a:t>‹N°›</a:t>
-            </a:fld>
-            <a:endParaRPr/>
+            <a:pPr/>
+            <a:fld id="{86CB4B4D-7CA3-9044-876B-883B54F8677D}" type="slidenum"/>
           </a:p>
         </p:txBody>
       </p:sp>
@@ -2062,12 +1999,12 @@
   <p:clrMapOvr>
     <a:masterClrMapping/>
   </p:clrMapOvr>
-  <p:transition spd="med"/>
+  <p:transition xmlns:p14="http://schemas.microsoft.com/office/powerpoint/2010/main" spd="med" advClick="1"/>
 </p:sldLayout>
 </file>
 
 <file path=ppt/slideLayouts/slideLayout9.xml><?xml version="1.0" encoding="utf-8"?>
-<p:sldLayout xmlns:a="http://schemas.openxmlformats.org/drawingml/2006/main" xmlns:r="http://schemas.openxmlformats.org/officeDocument/2006/relationships" xmlns:p="http://schemas.openxmlformats.org/presentationml/2006/main" showMasterSp="0" type="tx">
+<p:sldLayout xmlns:a="http://schemas.openxmlformats.org/drawingml/2006/main" xmlns:r="http://schemas.openxmlformats.org/officeDocument/2006/relationships" xmlns:p="http://schemas.openxmlformats.org/presentationml/2006/main" xmlns:m="http://schemas.openxmlformats.org/officeDocument/2006/math" xmlns:a14="http://schemas.microsoft.com/office/drawing/2010/main" type="tx" showMasterSp="0" showMasterPhAnim="1">
   <p:cSld name="Picture with Caption">
     <p:spTree>
       <p:nvGrpSpPr>
@@ -2105,7 +2042,7 @@
           </a:ln>
         </p:spPr>
         <p:txBody>
-          <a:bodyPr lIns="45719" rIns="45719" anchor="ctr"/>
+          <a:bodyPr lIns="45718" tIns="45718" rIns="45718" bIns="45718" anchor="ctr"/>
           <a:lstStyle/>
           <a:p>
             <a:pPr algn="ctr">
@@ -2119,7 +2056,6 @@
                 <a:sym typeface="AvenirNext LT Pro Medium"/>
               </a:defRPr>
             </a:pPr>
-            <a:endParaRPr/>
           </a:p>
         </p:txBody>
       </p:sp>
@@ -2132,7 +2068,9 @@
           <p:nvPr/>
         </p:nvPicPr>
         <p:blipFill>
-          <a:blip r:embed="rId2"/>
+          <a:blip r:embed="rId2">
+            <a:extLst/>
+          </a:blip>
           <a:stretch>
             <a:fillRect/>
           </a:stretch>
@@ -2153,9 +2091,7 @@
       <p:sp>
         <p:nvSpPr>
           <p:cNvPr id="100" name="Texte du titre"/>
-          <p:cNvSpPr txBox="1">
-            <a:spLocks noGrp="1"/>
-          </p:cNvSpPr>
+          <p:cNvSpPr txBox="1"/>
           <p:nvPr>
             <p:ph type="title"/>
           </p:nvPr>
@@ -2163,7 +2099,7 @@
         <p:spPr>
           <a:xfrm>
             <a:off x="839787" y="457200"/>
-            <a:ext cx="3932239" cy="1600200"/>
+            <a:ext cx="3932240" cy="1600200"/>
           </a:xfrm>
           <a:prstGeom prst="rect">
             <a:avLst/>
@@ -2177,6 +2113,7 @@
             </a:lvl1pPr>
           </a:lstStyle>
           <a:p>
+            <a:pPr/>
             <a:r>
               <a:t>Texte du titre</a:t>
             </a:r>
@@ -2186,9 +2123,7 @@
       <p:sp>
         <p:nvSpPr>
           <p:cNvPr id="101" name="Picture Placeholder 2"/>
-          <p:cNvSpPr>
-            <a:spLocks noGrp="1"/>
-          </p:cNvSpPr>
+          <p:cNvSpPr/>
           <p:nvPr>
             <p:ph type="pic" sz="half" idx="21"/>
           </p:nvPr>
@@ -2196,28 +2131,26 @@
         <p:spPr>
           <a:xfrm>
             <a:off x="5183187" y="987425"/>
-            <a:ext cx="6172201" cy="4873625"/>
+            <a:ext cx="6172202" cy="4873625"/>
           </a:xfrm>
           <a:prstGeom prst="rect">
             <a:avLst/>
           </a:prstGeom>
         </p:spPr>
         <p:txBody>
-          <a:bodyPr lIns="91439" rIns="91439">
+          <a:bodyPr lIns="91439" tIns="45719" rIns="91439" bIns="45719">
             <a:noAutofit/>
           </a:bodyPr>
           <a:lstStyle/>
           <a:p>
-            <a:endParaRPr/>
+            <a:pPr/>
           </a:p>
         </p:txBody>
       </p:sp>
       <p:sp>
         <p:nvSpPr>
           <p:cNvPr id="102" name="Texte niveau 1…"/>
-          <p:cNvSpPr txBox="1">
-            <a:spLocks noGrp="1"/>
-          </p:cNvSpPr>
+          <p:cNvSpPr txBox="1"/>
           <p:nvPr>
             <p:ph type="body" sz="quarter" idx="1"/>
           </p:nvPr>
@@ -2225,7 +2158,7 @@
         <p:spPr>
           <a:xfrm>
             <a:off x="839787" y="2057400"/>
-            <a:ext cx="3932239" cy="3811588"/>
+            <a:ext cx="3932240" cy="3811588"/>
           </a:xfrm>
           <a:prstGeom prst="rect">
             <a:avLst/>
@@ -2241,28 +2174,28 @@
               <a:buNone/>
               <a:defRPr sz="1600"/>
             </a:lvl1pPr>
-            <a:lvl2pPr marL="0" indent="457200">
+            <a:lvl2pPr marL="0" indent="0">
               <a:buClrTx/>
               <a:buSzTx/>
               <a:buFontTx/>
               <a:buNone/>
               <a:defRPr sz="1600"/>
             </a:lvl2pPr>
-            <a:lvl3pPr marL="0" indent="914400">
+            <a:lvl3pPr marL="0" indent="0">
               <a:buClrTx/>
               <a:buSzTx/>
               <a:buFontTx/>
               <a:buNone/>
               <a:defRPr sz="1600"/>
             </a:lvl3pPr>
-            <a:lvl4pPr marL="0" indent="1371600">
+            <a:lvl4pPr marL="0" indent="0">
               <a:buClrTx/>
               <a:buSzTx/>
               <a:buFontTx/>
               <a:buNone/>
               <a:defRPr sz="1600"/>
             </a:lvl4pPr>
-            <a:lvl5pPr marL="0" indent="1828800">
+            <a:lvl5pPr marL="0" indent="0">
               <a:buClrTx/>
               <a:buSzTx/>
               <a:buFontTx/>
@@ -2271,6 +2204,7 @@
             </a:lvl5pPr>
           </a:lstStyle>
           <a:p>
+            <a:pPr/>
             <a:r>
               <a:t>Texte niveau 1</a:t>
             </a:r>
@@ -2304,9 +2238,7 @@
       <p:sp>
         <p:nvSpPr>
           <p:cNvPr id="103" name="Numéro de diapositive"/>
-          <p:cNvSpPr txBox="1">
-            <a:spLocks noGrp="1"/>
-          </p:cNvSpPr>
+          <p:cNvSpPr txBox="1"/>
           <p:nvPr>
             <p:ph type="sldNum" sz="quarter" idx="2"/>
           </p:nvPr>
@@ -2320,10 +2252,8 @@
           <a:bodyPr/>
           <a:lstStyle/>
           <a:p>
-            <a:fld id="{86CB4B4D-7CA3-9044-876B-883B54F8677D}" type="slidenum">
-              <a:t>‹N°›</a:t>
-            </a:fld>
-            <a:endParaRPr/>
+            <a:pPr/>
+            <a:fld id="{86CB4B4D-7CA3-9044-876B-883B54F8677D}" type="slidenum"/>
           </a:p>
         </p:txBody>
       </p:sp>
@@ -2332,19 +2262,18 @@
   <p:clrMapOvr>
     <a:masterClrMapping/>
   </p:clrMapOvr>
-  <p:transition spd="med"/>
+  <p:transition xmlns:p14="http://schemas.microsoft.com/office/powerpoint/2010/main" spd="med" advClick="1"/>
 </p:sldLayout>
 </file>
 
 <file path=ppt/slideMasters/slideMaster1.xml><?xml version="1.0" encoding="utf-8"?>
-<p:sldMaster xmlns:a="http://schemas.openxmlformats.org/drawingml/2006/main" xmlns:r="http://schemas.openxmlformats.org/officeDocument/2006/relationships" xmlns:p="http://schemas.openxmlformats.org/presentationml/2006/main">
+<p:sldMaster xmlns:a="http://schemas.openxmlformats.org/drawingml/2006/main" xmlns:r="http://schemas.openxmlformats.org/officeDocument/2006/relationships" xmlns:p="http://schemas.openxmlformats.org/presentationml/2006/main" xmlns:m="http://schemas.openxmlformats.org/officeDocument/2006/math" xmlns:a14="http://schemas.microsoft.com/office/drawing/2010/main">
   <p:cSld>
     <p:bg>
       <p:bgPr>
         <a:solidFill>
           <a:srgbClr val="FFFFFF"/>
         </a:solidFill>
-        <a:effectLst/>
       </p:bgPr>
     </p:bg>
     <p:spTree>
@@ -2383,7 +2312,7 @@
           </a:ln>
         </p:spPr>
         <p:txBody>
-          <a:bodyPr lIns="45719" rIns="45719" anchor="ctr"/>
+          <a:bodyPr lIns="45718" tIns="45718" rIns="45718" bIns="45718" anchor="ctr"/>
           <a:lstStyle/>
           <a:p>
             <a:pPr algn="ctr">
@@ -2397,7 +2326,6 @@
                 <a:sym typeface="AvenirNext LT Pro Medium"/>
               </a:defRPr>
             </a:pPr>
-            <a:endParaRPr/>
           </a:p>
         </p:txBody>
       </p:sp>
@@ -2410,7 +2338,9 @@
           <p:nvPr/>
         </p:nvPicPr>
         <p:blipFill>
-          <a:blip r:embed="rId11"/>
+          <a:blip r:embed="rId2">
+            <a:extLst/>
+          </a:blip>
           <a:stretch>
             <a:fillRect/>
           </a:stretch>
@@ -2431,17 +2361,15 @@
       <p:sp>
         <p:nvSpPr>
           <p:cNvPr id="4" name="Texte du titre"/>
-          <p:cNvSpPr txBox="1">
-            <a:spLocks noGrp="1"/>
-          </p:cNvSpPr>
+          <p:cNvSpPr txBox="1"/>
           <p:nvPr>
             <p:ph type="title"/>
           </p:nvPr>
         </p:nvSpPr>
         <p:spPr>
           <a:xfrm>
-            <a:off x="838200" y="365759"/>
-            <a:ext cx="10515600" cy="1325564"/>
+            <a:off x="838200" y="365758"/>
+            <a:ext cx="10515600" cy="1325565"/>
           </a:xfrm>
           <a:prstGeom prst="rect">
             <a:avLst/>
@@ -2451,16 +2379,17 @@
           </a:ln>
           <a:extLst>
             <a:ext uri="{C572A759-6A51-4108-AA02-DFA0A04FC94B}">
-              <ma14:wrappingTextBoxFlag xmlns:ma14="http://schemas.microsoft.com/office/mac/drawingml/2011/main" xmlns:a14="http://schemas.microsoft.com/office/drawing/2010/main" xmlns:m="http://schemas.openxmlformats.org/officeDocument/2006/math" xmlns="" val="1"/>
+              <ma14:wrappingTextBoxFlag xmlns:ma14="http://schemas.microsoft.com/office/mac/drawingml/2011/main" val="1"/>
             </a:ext>
           </a:extLst>
         </p:spPr>
         <p:txBody>
-          <a:bodyPr lIns="45719" rIns="45719" anchor="ctr">
-            <a:normAutofit/>
+          <a:bodyPr lIns="45718" tIns="45718" rIns="45718" bIns="45718" anchor="ctr">
+            <a:normAutofit fontScale="100000" lnSpcReduction="0"/>
           </a:bodyPr>
           <a:lstStyle/>
           <a:p>
+            <a:pPr/>
             <a:r>
               <a:t>Texte du titre</a:t>
             </a:r>
@@ -2470,9 +2399,7 @@
       <p:sp>
         <p:nvSpPr>
           <p:cNvPr id="5" name="Texte niveau 1…"/>
-          <p:cNvSpPr txBox="1">
-            <a:spLocks noGrp="1"/>
-          </p:cNvSpPr>
+          <p:cNvSpPr txBox="1"/>
           <p:nvPr>
             <p:ph type="body" idx="1"/>
           </p:nvPr>
@@ -2490,16 +2417,17 @@
           </a:ln>
           <a:extLst>
             <a:ext uri="{C572A759-6A51-4108-AA02-DFA0A04FC94B}">
-              <ma14:wrappingTextBoxFlag xmlns:ma14="http://schemas.microsoft.com/office/mac/drawingml/2011/main" xmlns:a14="http://schemas.microsoft.com/office/drawing/2010/main" xmlns:m="http://schemas.openxmlformats.org/officeDocument/2006/math" xmlns="" val="1"/>
+              <ma14:wrappingTextBoxFlag xmlns:ma14="http://schemas.microsoft.com/office/mac/drawingml/2011/main" val="1"/>
             </a:ext>
           </a:extLst>
         </p:spPr>
         <p:txBody>
-          <a:bodyPr lIns="45719" rIns="45719">
-            <a:normAutofit/>
+          <a:bodyPr lIns="45718" tIns="45718" rIns="45718" bIns="45718">
+            <a:normAutofit fontScale="100000" lnSpcReduction="0"/>
           </a:bodyPr>
           <a:lstStyle/>
           <a:p>
+            <a:pPr/>
             <a:r>
               <a:t>Texte niveau 1</a:t>
             </a:r>
@@ -2533,17 +2461,15 @@
       <p:sp>
         <p:nvSpPr>
           <p:cNvPr id="6" name="Numéro de diapositive"/>
-          <p:cNvSpPr txBox="1">
-            <a:spLocks noGrp="1"/>
-          </p:cNvSpPr>
+          <p:cNvSpPr txBox="1"/>
           <p:nvPr>
             <p:ph type="sldNum" sz="quarter" idx="2"/>
           </p:nvPr>
         </p:nvSpPr>
         <p:spPr>
           <a:xfrm>
-            <a:off x="11122523" y="6391592"/>
-            <a:ext cx="231278" cy="231141"/>
+            <a:off x="11122526" y="6391593"/>
+            <a:ext cx="231275" cy="231139"/>
           </a:xfrm>
           <a:prstGeom prst="rect">
             <a:avLst/>
@@ -2553,7 +2479,7 @@
           </a:ln>
         </p:spPr>
         <p:txBody>
-          <a:bodyPr wrap="none" lIns="45719" rIns="45719" anchor="ctr">
+          <a:bodyPr wrap="none" lIns="45718" tIns="45718" rIns="45718" bIns="45718" anchor="ctr">
             <a:spAutoFit/>
           </a:bodyPr>
           <a:lstStyle>
@@ -2568,10 +2494,8 @@
             </a:lvl1pPr>
           </a:lstStyle>
           <a:p>
-            <a:fld id="{86CB4B4D-7CA3-9044-876B-883B54F8677D}" type="slidenum">
-              <a:t>‹N°›</a:t>
-            </a:fld>
-            <a:endParaRPr/>
+            <a:pPr/>
+            <a:fld id="{86CB4B4D-7CA3-9044-876B-883B54F8677D}" type="slidenum"/>
           </a:p>
         </p:txBody>
       </p:sp>
@@ -2579,17 +2503,17 @@
   </p:cSld>
   <p:clrMap bg1="lt1" tx1="dk1" bg2="lt2" tx2="dk2" accent1="accent1" accent2="accent2" accent3="accent3" accent4="accent4" accent5="accent5" accent6="accent6" hlink="hlink" folHlink="folHlink"/>
   <p:sldLayoutIdLst>
-    <p:sldLayoutId id="2147483649" r:id="rId1"/>
-    <p:sldLayoutId id="2147483650" r:id="rId2"/>
-    <p:sldLayoutId id="2147483651" r:id="rId3"/>
-    <p:sldLayoutId id="2147483652" r:id="rId4"/>
-    <p:sldLayoutId id="2147483653" r:id="rId5"/>
-    <p:sldLayoutId id="2147483654" r:id="rId6"/>
-    <p:sldLayoutId id="2147483655" r:id="rId7"/>
-    <p:sldLayoutId id="2147483656" r:id="rId8"/>
-    <p:sldLayoutId id="2147483657" r:id="rId9"/>
+    <p:sldLayoutId id="2147483649" r:id="rId3"/>
+    <p:sldLayoutId id="2147483650" r:id="rId4"/>
+    <p:sldLayoutId id="2147483651" r:id="rId5"/>
+    <p:sldLayoutId id="2147483652" r:id="rId6"/>
+    <p:sldLayoutId id="2147483653" r:id="rId7"/>
+    <p:sldLayoutId id="2147483654" r:id="rId8"/>
+    <p:sldLayoutId id="2147483655" r:id="rId9"/>
+    <p:sldLayoutId id="2147483656" r:id="rId10"/>
+    <p:sldLayoutId id="2147483657" r:id="rId11"/>
   </p:sldLayoutIdLst>
-  <p:transition spd="med"/>
+  <p:transition xmlns:p14="http://schemas.microsoft.com/office/powerpoint/2010/main" spd="med" advClick="1"/>
   <p:txStyles>
     <p:titleStyle>
       <a:lvl1pPr marL="0" marR="0" indent="0" algn="l" defTabSz="914400" rtl="0" latinLnBrk="0">
@@ -2607,14 +2531,14 @@
         <a:buFontTx/>
         <a:buNone/>
         <a:tabLst/>
-        <a:defRPr sz="4400" b="1" i="0" u="none" strike="noStrike" cap="none" spc="0" baseline="0">
+        <a:defRPr b="1" baseline="0" cap="none" i="0" spc="0" strike="noStrike" sz="4400" u="none">
           <a:solidFill>
             <a:srgbClr val="FFFFFF"/>
           </a:solidFill>
           <a:uFillTx/>
-          <a:latin typeface="+mn-lt"/>
-          <a:ea typeface="+mn-ea"/>
-          <a:cs typeface="+mn-cs"/>
+          <a:latin typeface="+mj-lt"/>
+          <a:ea typeface="+mj-ea"/>
+          <a:cs typeface="+mj-cs"/>
           <a:sym typeface="Avenir Next LT Pro"/>
         </a:defRPr>
       </a:lvl1pPr>
@@ -2633,14 +2557,14 @@
         <a:buFontTx/>
         <a:buNone/>
         <a:tabLst/>
-        <a:defRPr sz="4400" b="1" i="0" u="none" strike="noStrike" cap="none" spc="0" baseline="0">
+        <a:defRPr b="1" baseline="0" cap="none" i="0" spc="0" strike="noStrike" sz="4400" u="none">
           <a:solidFill>
             <a:srgbClr val="FFFFFF"/>
           </a:solidFill>
           <a:uFillTx/>
-          <a:latin typeface="+mn-lt"/>
-          <a:ea typeface="+mn-ea"/>
-          <a:cs typeface="+mn-cs"/>
+          <a:latin typeface="+mj-lt"/>
+          <a:ea typeface="+mj-ea"/>
+          <a:cs typeface="+mj-cs"/>
           <a:sym typeface="Avenir Next LT Pro"/>
         </a:defRPr>
       </a:lvl2pPr>
@@ -2659,14 +2583,14 @@
         <a:buFontTx/>
         <a:buNone/>
         <a:tabLst/>
-        <a:defRPr sz="4400" b="1" i="0" u="none" strike="noStrike" cap="none" spc="0" baseline="0">
+        <a:defRPr b="1" baseline="0" cap="none" i="0" spc="0" strike="noStrike" sz="4400" u="none">
           <a:solidFill>
             <a:srgbClr val="FFFFFF"/>
           </a:solidFill>
           <a:uFillTx/>
-          <a:latin typeface="+mn-lt"/>
-          <a:ea typeface="+mn-ea"/>
-          <a:cs typeface="+mn-cs"/>
+          <a:latin typeface="+mj-lt"/>
+          <a:ea typeface="+mj-ea"/>
+          <a:cs typeface="+mj-cs"/>
           <a:sym typeface="Avenir Next LT Pro"/>
         </a:defRPr>
       </a:lvl3pPr>
@@ -2685,14 +2609,14 @@
         <a:buFontTx/>
         <a:buNone/>
         <a:tabLst/>
-        <a:defRPr sz="4400" b="1" i="0" u="none" strike="noStrike" cap="none" spc="0" baseline="0">
+        <a:defRPr b="1" baseline="0" cap="none" i="0" spc="0" strike="noStrike" sz="4400" u="none">
           <a:solidFill>
             <a:srgbClr val="FFFFFF"/>
           </a:solidFill>
           <a:uFillTx/>
-          <a:latin typeface="+mn-lt"/>
-          <a:ea typeface="+mn-ea"/>
-          <a:cs typeface="+mn-cs"/>
+          <a:latin typeface="+mj-lt"/>
+          <a:ea typeface="+mj-ea"/>
+          <a:cs typeface="+mj-cs"/>
           <a:sym typeface="Avenir Next LT Pro"/>
         </a:defRPr>
       </a:lvl4pPr>
@@ -2711,14 +2635,14 @@
         <a:buFontTx/>
         <a:buNone/>
         <a:tabLst/>
-        <a:defRPr sz="4400" b="1" i="0" u="none" strike="noStrike" cap="none" spc="0" baseline="0">
+        <a:defRPr b="1" baseline="0" cap="none" i="0" spc="0" strike="noStrike" sz="4400" u="none">
           <a:solidFill>
             <a:srgbClr val="FFFFFF"/>
           </a:solidFill>
           <a:uFillTx/>
-          <a:latin typeface="+mn-lt"/>
-          <a:ea typeface="+mn-ea"/>
-          <a:cs typeface="+mn-cs"/>
+          <a:latin typeface="+mj-lt"/>
+          <a:ea typeface="+mj-ea"/>
+          <a:cs typeface="+mj-cs"/>
           <a:sym typeface="Avenir Next LT Pro"/>
         </a:defRPr>
       </a:lvl5pPr>
@@ -2737,14 +2661,14 @@
         <a:buFontTx/>
         <a:buNone/>
         <a:tabLst/>
-        <a:defRPr sz="4400" b="1" i="0" u="none" strike="noStrike" cap="none" spc="0" baseline="0">
+        <a:defRPr b="1" baseline="0" cap="none" i="0" spc="0" strike="noStrike" sz="4400" u="none">
           <a:solidFill>
             <a:srgbClr val="FFFFFF"/>
           </a:solidFill>
           <a:uFillTx/>
-          <a:latin typeface="+mn-lt"/>
-          <a:ea typeface="+mn-ea"/>
-          <a:cs typeface="+mn-cs"/>
+          <a:latin typeface="+mj-lt"/>
+          <a:ea typeface="+mj-ea"/>
+          <a:cs typeface="+mj-cs"/>
           <a:sym typeface="Avenir Next LT Pro"/>
         </a:defRPr>
       </a:lvl6pPr>
@@ -2763,14 +2687,14 @@
         <a:buFontTx/>
         <a:buNone/>
         <a:tabLst/>
-        <a:defRPr sz="4400" b="1" i="0" u="none" strike="noStrike" cap="none" spc="0" baseline="0">
+        <a:defRPr b="1" baseline="0" cap="none" i="0" spc="0" strike="noStrike" sz="4400" u="none">
           <a:solidFill>
             <a:srgbClr val="FFFFFF"/>
           </a:solidFill>
           <a:uFillTx/>
-          <a:latin typeface="+mn-lt"/>
-          <a:ea typeface="+mn-ea"/>
-          <a:cs typeface="+mn-cs"/>
+          <a:latin typeface="+mj-lt"/>
+          <a:ea typeface="+mj-ea"/>
+          <a:cs typeface="+mj-cs"/>
           <a:sym typeface="Avenir Next LT Pro"/>
         </a:defRPr>
       </a:lvl7pPr>
@@ -2789,14 +2713,14 @@
         <a:buFontTx/>
         <a:buNone/>
         <a:tabLst/>
-        <a:defRPr sz="4400" b="1" i="0" u="none" strike="noStrike" cap="none" spc="0" baseline="0">
+        <a:defRPr b="1" baseline="0" cap="none" i="0" spc="0" strike="noStrike" sz="4400" u="none">
           <a:solidFill>
             <a:srgbClr val="FFFFFF"/>
           </a:solidFill>
           <a:uFillTx/>
-          <a:latin typeface="+mn-lt"/>
-          <a:ea typeface="+mn-ea"/>
-          <a:cs typeface="+mn-cs"/>
+          <a:latin typeface="+mj-lt"/>
+          <a:ea typeface="+mj-ea"/>
+          <a:cs typeface="+mj-cs"/>
           <a:sym typeface="Avenir Next LT Pro"/>
         </a:defRPr>
       </a:lvl8pPr>
@@ -2815,14 +2739,14 @@
         <a:buFontTx/>
         <a:buNone/>
         <a:tabLst/>
-        <a:defRPr sz="4400" b="1" i="0" u="none" strike="noStrike" cap="none" spc="0" baseline="0">
+        <a:defRPr b="1" baseline="0" cap="none" i="0" spc="0" strike="noStrike" sz="4400" u="none">
           <a:solidFill>
             <a:srgbClr val="FFFFFF"/>
           </a:solidFill>
           <a:uFillTx/>
-          <a:latin typeface="+mn-lt"/>
-          <a:ea typeface="+mn-ea"/>
-          <a:cs typeface="+mn-cs"/>
+          <a:latin typeface="+mj-lt"/>
+          <a:ea typeface="+mj-ea"/>
+          <a:cs typeface="+mj-cs"/>
           <a:sym typeface="Avenir Next LT Pro"/>
         </a:defRPr>
       </a:lvl9pPr>
@@ -2845,14 +2769,14 @@
         <a:buFont typeface="Arial"/>
         <a:buChar char="•"/>
         <a:tabLst/>
-        <a:defRPr sz="2800" b="0" i="0" u="none" strike="noStrike" cap="none" spc="0" baseline="0">
+        <a:defRPr b="0" baseline="0" cap="none" i="0" spc="0" strike="noStrike" sz="2800" u="none">
           <a:solidFill>
             <a:srgbClr val="FFFFFF"/>
           </a:solidFill>
           <a:uFillTx/>
-          <a:latin typeface="+mn-lt"/>
-          <a:ea typeface="+mn-ea"/>
-          <a:cs typeface="+mn-cs"/>
+          <a:latin typeface="+mj-lt"/>
+          <a:ea typeface="+mj-ea"/>
+          <a:cs typeface="+mj-cs"/>
           <a:sym typeface="Avenir Next LT Pro"/>
         </a:defRPr>
       </a:lvl1pPr>
@@ -2873,18 +2797,18 @@
         <a:buFont typeface="Arial"/>
         <a:buChar char="•"/>
         <a:tabLst/>
-        <a:defRPr sz="2800" b="0" i="0" u="none" strike="noStrike" cap="none" spc="0" baseline="0">
+        <a:defRPr b="0" baseline="0" cap="none" i="0" spc="0" strike="noStrike" sz="2800" u="none">
           <a:solidFill>
             <a:srgbClr val="FFFFFF"/>
           </a:solidFill>
           <a:uFillTx/>
-          <a:latin typeface="+mn-lt"/>
-          <a:ea typeface="+mn-ea"/>
-          <a:cs typeface="+mn-cs"/>
+          <a:latin typeface="+mj-lt"/>
+          <a:ea typeface="+mj-ea"/>
+          <a:cs typeface="+mj-cs"/>
           <a:sym typeface="Avenir Next LT Pro"/>
         </a:defRPr>
       </a:lvl2pPr>
-      <a:lvl3pPr marL="1234439" marR="0" indent="-320039" algn="l" defTabSz="914400" rtl="0" latinLnBrk="0">
+      <a:lvl3pPr marL="1234438" marR="0" indent="-320038" algn="l" defTabSz="914400" rtl="0" latinLnBrk="0">
         <a:lnSpc>
           <a:spcPct val="110000"/>
         </a:lnSpc>
@@ -2901,14 +2825,14 @@
         <a:buFont typeface="Arial"/>
         <a:buChar char="•"/>
         <a:tabLst/>
-        <a:defRPr sz="2800" b="0" i="0" u="none" strike="noStrike" cap="none" spc="0" baseline="0">
+        <a:defRPr b="0" baseline="0" cap="none" i="0" spc="0" strike="noStrike" sz="2800" u="none">
           <a:solidFill>
             <a:srgbClr val="FFFFFF"/>
           </a:solidFill>
           <a:uFillTx/>
-          <a:latin typeface="+mn-lt"/>
-          <a:ea typeface="+mn-ea"/>
-          <a:cs typeface="+mn-cs"/>
+          <a:latin typeface="+mj-lt"/>
+          <a:ea typeface="+mj-ea"/>
+          <a:cs typeface="+mj-cs"/>
           <a:sym typeface="Avenir Next LT Pro"/>
         </a:defRPr>
       </a:lvl3pPr>
@@ -2929,14 +2853,14 @@
         <a:buFont typeface="Arial"/>
         <a:buChar char="•"/>
         <a:tabLst/>
-        <a:defRPr sz="2800" b="0" i="0" u="none" strike="noStrike" cap="none" spc="0" baseline="0">
+        <a:defRPr b="0" baseline="0" cap="none" i="0" spc="0" strike="noStrike" sz="2800" u="none">
           <a:solidFill>
             <a:srgbClr val="FFFFFF"/>
           </a:solidFill>
           <a:uFillTx/>
-          <a:latin typeface="+mn-lt"/>
-          <a:ea typeface="+mn-ea"/>
-          <a:cs typeface="+mn-cs"/>
+          <a:latin typeface="+mj-lt"/>
+          <a:ea typeface="+mj-ea"/>
+          <a:cs typeface="+mj-cs"/>
           <a:sym typeface="Avenir Next LT Pro"/>
         </a:defRPr>
       </a:lvl4pPr>
@@ -2957,14 +2881,14 @@
         <a:buFont typeface="Arial"/>
         <a:buChar char="•"/>
         <a:tabLst/>
-        <a:defRPr sz="2800" b="0" i="0" u="none" strike="noStrike" cap="none" spc="0" baseline="0">
+        <a:defRPr b="0" baseline="0" cap="none" i="0" spc="0" strike="noStrike" sz="2800" u="none">
           <a:solidFill>
             <a:srgbClr val="FFFFFF"/>
           </a:solidFill>
           <a:uFillTx/>
-          <a:latin typeface="+mn-lt"/>
-          <a:ea typeface="+mn-ea"/>
-          <a:cs typeface="+mn-cs"/>
+          <a:latin typeface="+mj-lt"/>
+          <a:ea typeface="+mj-ea"/>
+          <a:cs typeface="+mj-cs"/>
           <a:sym typeface="Avenir Next LT Pro"/>
         </a:defRPr>
       </a:lvl5pPr>
@@ -2985,14 +2909,14 @@
         <a:buFont typeface="Arial"/>
         <a:buChar char="•"/>
         <a:tabLst/>
-        <a:defRPr sz="2800" b="0" i="0" u="none" strike="noStrike" cap="none" spc="0" baseline="0">
+        <a:defRPr b="0" baseline="0" cap="none" i="0" spc="0" strike="noStrike" sz="2800" u="none">
           <a:solidFill>
             <a:srgbClr val="FFFFFF"/>
           </a:solidFill>
           <a:uFillTx/>
-          <a:latin typeface="+mn-lt"/>
-          <a:ea typeface="+mn-ea"/>
-          <a:cs typeface="+mn-cs"/>
+          <a:latin typeface="+mj-lt"/>
+          <a:ea typeface="+mj-ea"/>
+          <a:cs typeface="+mj-cs"/>
           <a:sym typeface="Avenir Next LT Pro"/>
         </a:defRPr>
       </a:lvl6pPr>
@@ -3013,14 +2937,14 @@
         <a:buFont typeface="Arial"/>
         <a:buChar char="•"/>
         <a:tabLst/>
-        <a:defRPr sz="2800" b="0" i="0" u="none" strike="noStrike" cap="none" spc="0" baseline="0">
+        <a:defRPr b="0" baseline="0" cap="none" i="0" spc="0" strike="noStrike" sz="2800" u="none">
           <a:solidFill>
             <a:srgbClr val="FFFFFF"/>
           </a:solidFill>
           <a:uFillTx/>
-          <a:latin typeface="+mn-lt"/>
-          <a:ea typeface="+mn-ea"/>
-          <a:cs typeface="+mn-cs"/>
+          <a:latin typeface="+mj-lt"/>
+          <a:ea typeface="+mj-ea"/>
+          <a:cs typeface="+mj-cs"/>
           <a:sym typeface="Avenir Next LT Pro"/>
         </a:defRPr>
       </a:lvl7pPr>
@@ -3041,14 +2965,14 @@
         <a:buFont typeface="Arial"/>
         <a:buChar char="•"/>
         <a:tabLst/>
-        <a:defRPr sz="2800" b="0" i="0" u="none" strike="noStrike" cap="none" spc="0" baseline="0">
+        <a:defRPr b="0" baseline="0" cap="none" i="0" spc="0" strike="noStrike" sz="2800" u="none">
           <a:solidFill>
             <a:srgbClr val="FFFFFF"/>
           </a:solidFill>
           <a:uFillTx/>
-          <a:latin typeface="+mn-lt"/>
-          <a:ea typeface="+mn-ea"/>
-          <a:cs typeface="+mn-cs"/>
+          <a:latin typeface="+mj-lt"/>
+          <a:ea typeface="+mj-ea"/>
+          <a:cs typeface="+mj-cs"/>
           <a:sym typeface="Avenir Next LT Pro"/>
         </a:defRPr>
       </a:lvl8pPr>
@@ -3069,14 +2993,14 @@
         <a:buFont typeface="Arial"/>
         <a:buChar char="•"/>
         <a:tabLst/>
-        <a:defRPr sz="2800" b="0" i="0" u="none" strike="noStrike" cap="none" spc="0" baseline="0">
+        <a:defRPr b="0" baseline="0" cap="none" i="0" spc="0" strike="noStrike" sz="2800" u="none">
           <a:solidFill>
             <a:srgbClr val="FFFFFF"/>
           </a:solidFill>
           <a:uFillTx/>
-          <a:latin typeface="+mn-lt"/>
-          <a:ea typeface="+mn-ea"/>
-          <a:cs typeface="+mn-cs"/>
+          <a:latin typeface="+mj-lt"/>
+          <a:ea typeface="+mj-ea"/>
+          <a:cs typeface="+mj-cs"/>
           <a:sym typeface="Avenir Next LT Pro"/>
         </a:defRPr>
       </a:lvl9pPr>
@@ -3097,7 +3021,7 @@
         <a:buFontTx/>
         <a:buNone/>
         <a:tabLst/>
-        <a:defRPr sz="900" b="0" i="0" u="none" strike="noStrike" cap="none" spc="0" baseline="0">
+        <a:defRPr b="0" baseline="0" cap="none" i="0" spc="0" strike="noStrike" sz="900" u="none">
           <a:solidFill>
             <a:schemeClr val="tx1"/>
           </a:solidFill>
@@ -3108,7 +3032,7 @@
           <a:sym typeface="Avenir Next LT Pro"/>
         </a:defRPr>
       </a:lvl1pPr>
-      <a:lvl2pPr marL="0" marR="0" indent="457200" algn="r" defTabSz="914400" rtl="0" latinLnBrk="0">
+      <a:lvl2pPr marL="0" marR="0" indent="0" algn="r" defTabSz="914400" rtl="0" latinLnBrk="0">
         <a:lnSpc>
           <a:spcPct val="100000"/>
         </a:lnSpc>
@@ -3123,7 +3047,7 @@
         <a:buFontTx/>
         <a:buNone/>
         <a:tabLst/>
-        <a:defRPr sz="900" b="0" i="0" u="none" strike="noStrike" cap="none" spc="0" baseline="0">
+        <a:defRPr b="0" baseline="0" cap="none" i="0" spc="0" strike="noStrike" sz="900" u="none">
           <a:solidFill>
             <a:schemeClr val="tx1"/>
           </a:solidFill>
@@ -3134,7 +3058,7 @@
           <a:sym typeface="Avenir Next LT Pro"/>
         </a:defRPr>
       </a:lvl2pPr>
-      <a:lvl3pPr marL="0" marR="0" indent="914400" algn="r" defTabSz="914400" rtl="0" latinLnBrk="0">
+      <a:lvl3pPr marL="0" marR="0" indent="0" algn="r" defTabSz="914400" rtl="0" latinLnBrk="0">
         <a:lnSpc>
           <a:spcPct val="100000"/>
         </a:lnSpc>
@@ -3149,7 +3073,7 @@
         <a:buFontTx/>
         <a:buNone/>
         <a:tabLst/>
-        <a:defRPr sz="900" b="0" i="0" u="none" strike="noStrike" cap="none" spc="0" baseline="0">
+        <a:defRPr b="0" baseline="0" cap="none" i="0" spc="0" strike="noStrike" sz="900" u="none">
           <a:solidFill>
             <a:schemeClr val="tx1"/>
           </a:solidFill>
@@ -3160,7 +3084,7 @@
           <a:sym typeface="Avenir Next LT Pro"/>
         </a:defRPr>
       </a:lvl3pPr>
-      <a:lvl4pPr marL="0" marR="0" indent="1371600" algn="r" defTabSz="914400" rtl="0" latinLnBrk="0">
+      <a:lvl4pPr marL="0" marR="0" indent="0" algn="r" defTabSz="914400" rtl="0" latinLnBrk="0">
         <a:lnSpc>
           <a:spcPct val="100000"/>
         </a:lnSpc>
@@ -3175,7 +3099,7 @@
         <a:buFontTx/>
         <a:buNone/>
         <a:tabLst/>
-        <a:defRPr sz="900" b="0" i="0" u="none" strike="noStrike" cap="none" spc="0" baseline="0">
+        <a:defRPr b="0" baseline="0" cap="none" i="0" spc="0" strike="noStrike" sz="900" u="none">
           <a:solidFill>
             <a:schemeClr val="tx1"/>
           </a:solidFill>
@@ -3186,7 +3110,7 @@
           <a:sym typeface="Avenir Next LT Pro"/>
         </a:defRPr>
       </a:lvl4pPr>
-      <a:lvl5pPr marL="0" marR="0" indent="1828800" algn="r" defTabSz="914400" rtl="0" latinLnBrk="0">
+      <a:lvl5pPr marL="0" marR="0" indent="0" algn="r" defTabSz="914400" rtl="0" latinLnBrk="0">
         <a:lnSpc>
           <a:spcPct val="100000"/>
         </a:lnSpc>
@@ -3201,7 +3125,7 @@
         <a:buFontTx/>
         <a:buNone/>
         <a:tabLst/>
-        <a:defRPr sz="900" b="0" i="0" u="none" strike="noStrike" cap="none" spc="0" baseline="0">
+        <a:defRPr b="0" baseline="0" cap="none" i="0" spc="0" strike="noStrike" sz="900" u="none">
           <a:solidFill>
             <a:schemeClr val="tx1"/>
           </a:solidFill>
@@ -3212,7 +3136,7 @@
           <a:sym typeface="Avenir Next LT Pro"/>
         </a:defRPr>
       </a:lvl5pPr>
-      <a:lvl6pPr marL="0" marR="0" indent="2286000" algn="r" defTabSz="914400" rtl="0" latinLnBrk="0">
+      <a:lvl6pPr marL="0" marR="0" indent="0" algn="r" defTabSz="914400" rtl="0" latinLnBrk="0">
         <a:lnSpc>
           <a:spcPct val="100000"/>
         </a:lnSpc>
@@ -3227,7 +3151,7 @@
         <a:buFontTx/>
         <a:buNone/>
         <a:tabLst/>
-        <a:defRPr sz="900" b="0" i="0" u="none" strike="noStrike" cap="none" spc="0" baseline="0">
+        <a:defRPr b="0" baseline="0" cap="none" i="0" spc="0" strike="noStrike" sz="900" u="none">
           <a:solidFill>
             <a:schemeClr val="tx1"/>
           </a:solidFill>
@@ -3238,7 +3162,7 @@
           <a:sym typeface="Avenir Next LT Pro"/>
         </a:defRPr>
       </a:lvl6pPr>
-      <a:lvl7pPr marL="0" marR="0" indent="2743200" algn="r" defTabSz="914400" rtl="0" latinLnBrk="0">
+      <a:lvl7pPr marL="0" marR="0" indent="0" algn="r" defTabSz="914400" rtl="0" latinLnBrk="0">
         <a:lnSpc>
           <a:spcPct val="100000"/>
         </a:lnSpc>
@@ -3253,7 +3177,7 @@
         <a:buFontTx/>
         <a:buNone/>
         <a:tabLst/>
-        <a:defRPr sz="900" b="0" i="0" u="none" strike="noStrike" cap="none" spc="0" baseline="0">
+        <a:defRPr b="0" baseline="0" cap="none" i="0" spc="0" strike="noStrike" sz="900" u="none">
           <a:solidFill>
             <a:schemeClr val="tx1"/>
           </a:solidFill>
@@ -3264,7 +3188,7 @@
           <a:sym typeface="Avenir Next LT Pro"/>
         </a:defRPr>
       </a:lvl7pPr>
-      <a:lvl8pPr marL="0" marR="0" indent="3200400" algn="r" defTabSz="914400" rtl="0" latinLnBrk="0">
+      <a:lvl8pPr marL="0" marR="0" indent="0" algn="r" defTabSz="914400" rtl="0" latinLnBrk="0">
         <a:lnSpc>
           <a:spcPct val="100000"/>
         </a:lnSpc>
@@ -3279,7 +3203,7 @@
         <a:buFontTx/>
         <a:buNone/>
         <a:tabLst/>
-        <a:defRPr sz="900" b="0" i="0" u="none" strike="noStrike" cap="none" spc="0" baseline="0">
+        <a:defRPr b="0" baseline="0" cap="none" i="0" spc="0" strike="noStrike" sz="900" u="none">
           <a:solidFill>
             <a:schemeClr val="tx1"/>
           </a:solidFill>
@@ -3290,7 +3214,7 @@
           <a:sym typeface="Avenir Next LT Pro"/>
         </a:defRPr>
       </a:lvl8pPr>
-      <a:lvl9pPr marL="0" marR="0" indent="3657600" algn="r" defTabSz="914400" rtl="0" latinLnBrk="0">
+      <a:lvl9pPr marL="0" marR="0" indent="0" algn="r" defTabSz="914400" rtl="0" latinLnBrk="0">
         <a:lnSpc>
           <a:spcPct val="100000"/>
         </a:lnSpc>
@@ -3305,7 +3229,7 @@
         <a:buFontTx/>
         <a:buNone/>
         <a:tabLst/>
-        <a:defRPr sz="900" b="0" i="0" u="none" strike="noStrike" cap="none" spc="0" baseline="0">
+        <a:defRPr b="0" baseline="0" cap="none" i="0" spc="0" strike="noStrike" sz="900" u="none">
           <a:solidFill>
             <a:schemeClr val="tx1"/>
           </a:solidFill>
@@ -3322,7 +3246,7 @@
 </file>
 
 <file path=ppt/slides/slide1.xml><?xml version="1.0" encoding="utf-8"?>
-<p:sld xmlns:a="http://schemas.openxmlformats.org/drawingml/2006/main" xmlns:r="http://schemas.openxmlformats.org/officeDocument/2006/relationships" xmlns:p="http://schemas.openxmlformats.org/presentationml/2006/main">
+<p:sld xmlns:a="http://schemas.openxmlformats.org/drawingml/2006/main" xmlns:r="http://schemas.openxmlformats.org/officeDocument/2006/relationships" xmlns:p="http://schemas.openxmlformats.org/presentationml/2006/main" xmlns:m="http://schemas.openxmlformats.org/officeDocument/2006/math" xmlns:a14="http://schemas.microsoft.com/office/drawing/2010/main" showMasterSp="1" showMasterPhAnim="1">
   <p:cSld>
     <p:spTree>
       <p:nvGrpSpPr>
@@ -3360,7 +3284,7 @@
           </a:ln>
         </p:spPr>
         <p:txBody>
-          <a:bodyPr lIns="45719" rIns="45719" anchor="ctr"/>
+          <a:bodyPr lIns="45718" tIns="45718" rIns="45718" bIns="45718" anchor="ctr"/>
           <a:lstStyle/>
           <a:p>
             <a:pPr algn="ctr">
@@ -3374,7 +3298,6 @@
                 <a:sym typeface="AvenirNext LT Pro Medium"/>
               </a:defRPr>
             </a:pPr>
-            <a:endParaRPr/>
           </a:p>
         </p:txBody>
       </p:sp>
@@ -3386,8 +3309,8 @@
         </p:nvSpPr>
         <p:spPr>
           <a:xfrm>
-            <a:off x="3047" y="0"/>
-            <a:ext cx="12188954" cy="6858000"/>
+            <a:off x="3046" y="0"/>
+            <a:ext cx="12188956" cy="6858000"/>
           </a:xfrm>
           <a:prstGeom prst="rect">
             <a:avLst/>
@@ -3402,7 +3325,7 @@
           </a:ln>
         </p:spPr>
         <p:txBody>
-          <a:bodyPr lIns="45719" rIns="45719" anchor="ctr"/>
+          <a:bodyPr lIns="45718" tIns="45718" rIns="45718" bIns="45718" anchor="ctr"/>
           <a:lstStyle/>
           <a:p>
             <a:pPr algn="ctr">
@@ -3416,16 +3339,13 @@
                 <a:sym typeface="AvenirNext LT Pro Medium"/>
               </a:defRPr>
             </a:pPr>
-            <a:endParaRPr/>
           </a:p>
         </p:txBody>
       </p:sp>
       <p:sp>
         <p:nvSpPr>
           <p:cNvPr id="114" name="Titre 1"/>
-          <p:cNvSpPr txBox="1">
-            <a:spLocks noGrp="1"/>
-          </p:cNvSpPr>
+          <p:cNvSpPr txBox="1"/>
           <p:nvPr>
             <p:ph type="ctrTitle"/>
           </p:nvPr>
@@ -3451,6 +3371,7 @@
             </a:lvl1pPr>
           </a:lstStyle>
           <a:p>
+            <a:pPr/>
             <a:r>
               <a:t>Belgoteek</a:t>
             </a:r>
@@ -3460,9 +3381,7 @@
       <p:sp>
         <p:nvSpPr>
           <p:cNvPr id="115" name="Sous-titre 2"/>
-          <p:cNvSpPr txBox="1">
-            <a:spLocks noGrp="1"/>
-          </p:cNvSpPr>
+          <p:cNvSpPr txBox="1"/>
           <p:nvPr>
             <p:ph type="subTitle" sz="quarter" idx="1"/>
           </p:nvPr>
@@ -3470,7 +3389,7 @@
         <p:spPr>
           <a:xfrm>
             <a:off x="4495798" y="4074783"/>
-            <a:ext cx="6858000" cy="2054307"/>
+            <a:ext cx="6858001" cy="2054308"/>
           </a:xfrm>
           <a:prstGeom prst="rect">
             <a:avLst/>
@@ -3488,6 +3407,7 @@
             </a:lvl1pPr>
           </a:lstStyle>
           <a:p>
+            <a:pPr/>
             <a:r>
               <a:t>Des livres à portée de tous</a:t>
             </a:r>
@@ -3502,8 +3422,8 @@
         </p:nvSpPr>
         <p:spPr>
           <a:xfrm>
-            <a:off x="-1" y="0"/>
-            <a:ext cx="3578354" cy="6858000"/>
+            <a:off x="-2" y="0"/>
+            <a:ext cx="3578356" cy="6858000"/>
           </a:xfrm>
           <a:prstGeom prst="rect">
             <a:avLst/>
@@ -3516,7 +3436,7 @@
           </a:ln>
         </p:spPr>
         <p:txBody>
-          <a:bodyPr lIns="45719" rIns="45719" anchor="ctr"/>
+          <a:bodyPr lIns="45718" tIns="45718" rIns="45718" bIns="45718" anchor="ctr"/>
           <a:lstStyle/>
           <a:p>
             <a:pPr algn="ctr">
@@ -3530,7 +3450,6 @@
                 <a:sym typeface="AvenirNext LT Pro Medium"/>
               </a:defRPr>
             </a:pPr>
-            <a:endParaRPr/>
           </a:p>
         </p:txBody>
       </p:sp>
@@ -3543,7 +3462,7 @@
         <p:spPr>
           <a:xfrm rot="10800000">
             <a:off x="17059" y="22492"/>
-            <a:ext cx="3561293" cy="6830509"/>
+            <a:ext cx="3561294" cy="6830509"/>
           </a:xfrm>
           <a:prstGeom prst="rect">
             <a:avLst/>
@@ -3556,7 +3475,7 @@
           </a:ln>
         </p:spPr>
         <p:txBody>
-          <a:bodyPr lIns="45719" rIns="45719" anchor="ctr"/>
+          <a:bodyPr lIns="45718" tIns="45718" rIns="45718" bIns="45718" anchor="ctr"/>
           <a:lstStyle/>
           <a:p>
             <a:pPr algn="ctr">
@@ -3566,7 +3485,6 @@
                 </a:solidFill>
               </a:defRPr>
             </a:pPr>
-            <a:endParaRPr/>
           </a:p>
         </p:txBody>
       </p:sp>
@@ -3575,20 +3493,20 @@
   <p:clrMapOvr>
     <a:masterClrMapping/>
   </p:clrMapOvr>
-  <p:transition spd="med"/>
+  <p:transition xmlns:p14="http://schemas.microsoft.com/office/powerpoint/2010/main" spd="med" advClick="1"/>
   <p:timing>
     <p:tnLst>
       <p:par>
-        <p:cTn id="1" dur="indefinite" restart="never" fill="hold" nodeType="tmRoot">
+        <p:cTn id="1" nodeType="tmRoot" restart="never" dur="indefinite" fill="hold">
           <p:childTnLst>
             <p:seq concurrent="1" prevAc="none" nextAc="seek">
-              <p:cTn id="2" dur="indefinite" fill="hold" nodeType="mainSeq">
+              <p:cTn id="2" nodeType="mainSeq" dur="indefinite" fill="hold">
                 <p:childTnLst>
                   <p:par>
                     <p:cTn id="3" fill="hold">
                       <p:stCondLst>
                         <p:cond delay="indefinite"/>
-                        <p:cond evt="onBegin" delay="0">
+                        <p:cond evt="onBegin">
                           <p:tn val="2"/>
                         </p:cond>
                       </p:stCondLst>
@@ -3600,11 +3518,11 @@
                             </p:stCondLst>
                             <p:childTnLst>
                               <p:par>
-                                <p:cTn id="5" presetID="10" presetClass="entr" fill="hold" grpId="1" nodeType="afterEffect">
+                                <p:cTn id="5" presetClass="entr" nodeType="afterEffect" presetID="10" grpId="1" fill="hold">
                                   <p:stCondLst>
                                     <p:cond delay="1000"/>
                                   </p:stCondLst>
-                                  <p:iterate>
+                                  <p:iterate type="el" backwards="0">
                                     <p:tmAbs val="0"/>
                                   </p:iterate>
                                   <p:childTnLst>
@@ -3624,7 +3542,7 @@
                                         <p:strVal val="visible"/>
                                       </p:to>
                                     </p:set>
-                                    <p:animEffect transition="in" filter="fade">
+                                    <p:animEffect filter="fade" transition="in">
                                       <p:cBhvr>
                                         <p:cTn id="7" dur="1000"/>
                                         <p:tgtEl>
@@ -3638,11 +3556,11 @@
                                 </p:cTn>
                               </p:par>
                               <p:par>
-                                <p:cTn id="8" presetID="10" presetClass="entr" presetSubtype="0" fill="hold" grpId="1" nodeType="withEffect">
+                                <p:cTn id="8" presetClass="entr" nodeType="withEffect" presetSubtype="0" presetID="10" grpId="1" fill="hold">
                                   <p:stCondLst>
                                     <p:cond delay="1000"/>
                                   </p:stCondLst>
-                                  <p:iterate>
+                                  <p:iterate type="el" backwards="0">
                                     <p:tmAbs val="0"/>
                                   </p:iterate>
                                   <p:childTnLst>
@@ -3664,7 +3582,7 @@
                                         <p:strVal val="visible"/>
                                       </p:to>
                                     </p:set>
-                                    <p:animEffect transition="in" filter="fade">
+                                    <p:animEffect filter="fade" transition="in">
                                       <p:cBhvr>
                                         <p:cTn id="10" dur="1000"/>
                                         <p:tgtEl>
@@ -3689,11 +3607,11 @@
                             </p:stCondLst>
                             <p:childTnLst>
                               <p:par>
-                                <p:cTn id="12" presetID="10" presetClass="entr" fill="hold" grpId="2" nodeType="afterEffect">
+                                <p:cTn id="12" presetClass="entr" nodeType="afterEffect" presetID="10" grpId="2" fill="hold">
                                   <p:stCondLst>
                                     <p:cond delay="500"/>
                                   </p:stCondLst>
-                                  <p:iterate>
+                                  <p:iterate type="el" backwards="0">
                                     <p:tmAbs val="0"/>
                                   </p:iterate>
                                   <p:childTnLst>
@@ -3711,7 +3629,7 @@
                                         <p:strVal val="visible"/>
                                       </p:to>
                                     </p:set>
-                                    <p:animEffect transition="in" filter="fade">
+                                    <p:animEffect filter="fade" transition="in">
                                       <p:cBhvr>
                                         <p:cTn id="14" dur="1000"/>
                                         <p:tgtEl>
@@ -3731,14 +3649,14 @@
                 </p:childTnLst>
               </p:cTn>
               <p:prevCondLst>
-                <p:cond evt="onPrev" delay="0">
+                <p:cond evt="onPrev">
                   <p:tgtEl>
                     <p:sldTgt/>
                   </p:tgtEl>
                 </p:cond>
               </p:prevCondLst>
               <p:nextCondLst>
-                <p:cond evt="onNext" delay="0">
+                <p:cond evt="onNext">
                   <p:tgtEl>
                     <p:sldTgt/>
                   </p:tgtEl>
@@ -3750,15 +3668,15 @@
       </p:par>
     </p:tnLst>
     <p:bldLst>
-      <p:bldP spid="114" grpId="2" animBg="1" advAuto="0"/>
-      <p:bldP spid="115" grpId="1" build="p" animBg="1" advAuto="0"/>
+      <p:bldP build="p" bldLvl="1" animBg="1" rev="0" advAuto="0" spid="115" grpId="1"/>
+      <p:bldP build="whole" bldLvl="1" animBg="1" rev="0" advAuto="0" spid="114" grpId="2"/>
     </p:bldLst>
   </p:timing>
 </p:sld>
 </file>
 
 <file path=ppt/slides/slide2.xml><?xml version="1.0" encoding="utf-8"?>
-<p:sld xmlns:a="http://schemas.openxmlformats.org/drawingml/2006/main" xmlns:r="http://schemas.openxmlformats.org/officeDocument/2006/relationships" xmlns:p="http://schemas.openxmlformats.org/presentationml/2006/main">
+<p:sld xmlns:a="http://schemas.openxmlformats.org/drawingml/2006/main" xmlns:r="http://schemas.openxmlformats.org/officeDocument/2006/relationships" xmlns:p="http://schemas.openxmlformats.org/presentationml/2006/main" xmlns:m="http://schemas.openxmlformats.org/officeDocument/2006/math" xmlns:a14="http://schemas.microsoft.com/office/drawing/2010/main" showMasterSp="1" showMasterPhAnim="1">
   <p:cSld>
     <p:spTree>
       <p:nvGrpSpPr>
@@ -3777,9 +3695,7 @@
       <p:sp>
         <p:nvSpPr>
           <p:cNvPr id="119" name="Titre 1"/>
-          <p:cNvSpPr txBox="1">
-            <a:spLocks noGrp="1"/>
-          </p:cNvSpPr>
+          <p:cNvSpPr txBox="1"/>
           <p:nvPr>
             <p:ph type="title"/>
           </p:nvPr>
@@ -3797,8 +3713,9 @@
           <a:bodyPr/>
           <a:lstStyle/>
           <a:p>
-            <a:r>
-              <a:t>Consignes de la présentation</a:t>
+            <a:pPr/>
+            <a:r>
+              <a:t>Description du projet</a:t>
             </a:r>
           </a:p>
         </p:txBody>
@@ -3806,18 +3723,12 @@
       <p:sp>
         <p:nvSpPr>
           <p:cNvPr id="120" name="Espace réservé du contenu 2"/>
-          <p:cNvSpPr txBox="1">
-            <a:spLocks noGrp="1"/>
-          </p:cNvSpPr>
+          <p:cNvSpPr txBox="1"/>
           <p:nvPr>
             <p:ph type="body" idx="1"/>
           </p:nvPr>
         </p:nvSpPr>
         <p:spPr>
-          <a:xfrm>
-            <a:off x="838200" y="1949450"/>
-            <a:ext cx="10515600" cy="4195763"/>
-          </a:xfrm>
           <a:prstGeom prst="rect">
             <a:avLst/>
           </a:prstGeom>
@@ -3826,55 +3737,16 @@
           <a:bodyPr/>
           <a:lstStyle/>
           <a:p>
-            <a:pPr>
-              <a:lnSpc>
-                <a:spcPct val="99000"/>
-              </a:lnSpc>
-              <a:defRPr sz="1600">
-                <a:latin typeface="Calibri"/>
-                <a:ea typeface="Calibri"/>
-                <a:cs typeface="Calibri"/>
-                <a:sym typeface="Calibri"/>
-              </a:defRPr>
-            </a:pPr>
-            <a:r>
-              <a:t>Chaque groupe aura 30 minutes pour présenter leur projet, faire une démonstration de ce dernier et répondre aux questions. Veuillez être présent 15 minutes avant votre horaire de passage.</a:t>
-            </a:r>
-            <a:br/>
-            <a:r>
-              <a:t>Dans ces 30 minutes, vous devrez avoir une présentation de 7 minutes et une démonstration de 5 minutes. Ce timing sera strict, donc entraînez-vous afin de respecter les délais imposés.</a:t>
-            </a:r>
-            <a:br/>
-            <a:r>
-              <a:t>Le reste du temps sera alloué pour poser des questions.</a:t>
-            </a:r>
-            <a:br/>
-            <a:br/>
-            <a:r>
-              <a:t>Pour votre présentation, vous devrez nous :</a:t>
-            </a:r>
-            <a:br/>
-            <a:r>
-              <a:t>1) décrire votre projet final,</a:t>
-            </a:r>
-            <a:br/>
-            <a:r>
-              <a:t>2) expliquer vos spécifications les plus importantes ainsi que vos extensions choisies (sans rentrer dans les détails),</a:t>
-            </a:r>
-            <a:br/>
-            <a:r>
-              <a:t>3) discuter de votre schéma conceptuel, </a:t>
-            </a:r>
-            <a:br/>
-            <a:r>
-              <a:t>4) décrire dans les grandes lignes les tests que vous avez réalisés dans votre projet,</a:t>
-            </a:r>
-            <a:br/>
-            <a:r>
-              <a:t>5) conclure avec une prise de recul sur le travail de groupe (càd une discussion sur ce qu'il s'est bien passé et ce qu'il pourrait être amélioré).</a:t>
-            </a:r>
-            <a:br/>
-            <a:endParaRPr/>
+            <a:pPr/>
+            <a:r>
+              <a:t>Le projet Belgoteek a pour but de rendre les livres accessibles à tous</a:t>
+            </a:r>
+          </a:p>
+          <a:p>
+            <a:pPr/>
+            <a:r>
+              <a:t>Notre projet comporte un website fonctionnel, une base de données ainsi qu’un repository sur GitHub où vous pourrez regarder notre travail</a:t>
+            </a:r>
           </a:p>
         </p:txBody>
       </p:sp>
@@ -3883,12 +3755,12 @@
   <p:clrMapOvr>
     <a:masterClrMapping/>
   </p:clrMapOvr>
-  <p:transition spd="med"/>
+  <p:transition xmlns:p14="http://schemas.microsoft.com/office/powerpoint/2010/main" spd="med" advClick="1"/>
 </p:sld>
 </file>
 
 <file path=ppt/slides/slide3.xml><?xml version="1.0" encoding="utf-8"?>
-<p:sld xmlns:a="http://schemas.openxmlformats.org/drawingml/2006/main" xmlns:r="http://schemas.openxmlformats.org/officeDocument/2006/relationships" xmlns:p="http://schemas.openxmlformats.org/presentationml/2006/main">
+<p:sld xmlns:a="http://schemas.openxmlformats.org/drawingml/2006/main" xmlns:r="http://schemas.openxmlformats.org/officeDocument/2006/relationships" xmlns:p="http://schemas.openxmlformats.org/presentationml/2006/main" xmlns:m="http://schemas.openxmlformats.org/officeDocument/2006/math" xmlns:a14="http://schemas.microsoft.com/office/drawing/2010/main" showMasterSp="1" showMasterPhAnim="1">
   <p:cSld>
     <p:spTree>
       <p:nvGrpSpPr>
@@ -3907,9 +3779,7 @@
       <p:sp>
         <p:nvSpPr>
           <p:cNvPr id="122" name="Titre 1"/>
-          <p:cNvSpPr txBox="1">
-            <a:spLocks noGrp="1"/>
-          </p:cNvSpPr>
+          <p:cNvSpPr txBox="1"/>
           <p:nvPr>
             <p:ph type="title"/>
           </p:nvPr>
@@ -3927,8 +3797,9 @@
           <a:bodyPr/>
           <a:lstStyle/>
           <a:p>
-            <a:r>
-              <a:t>Description du projet</a:t>
+            <a:pPr/>
+            <a:r>
+              <a:t>Specifications les plus importantes </a:t>
             </a:r>
           </a:p>
         </p:txBody>
@@ -3936,18 +3807,12 @@
       <p:sp>
         <p:nvSpPr>
           <p:cNvPr id="123" name="Espace réservé du contenu 2"/>
-          <p:cNvSpPr txBox="1">
-            <a:spLocks noGrp="1"/>
-          </p:cNvSpPr>
+          <p:cNvSpPr txBox="1"/>
           <p:nvPr>
             <p:ph type="body" idx="1"/>
           </p:nvPr>
         </p:nvSpPr>
         <p:spPr>
-          <a:xfrm>
-            <a:off x="838200" y="1949450"/>
-            <a:ext cx="10515600" cy="4195763"/>
-          </a:xfrm>
           <a:prstGeom prst="rect">
             <a:avLst/>
           </a:prstGeom>
@@ -3956,13 +3821,45 @@
           <a:bodyPr/>
           <a:lstStyle/>
           <a:p>
-            <a:r>
-              <a:t>Le projet Belgoteek a pour but de rendre les livres accessibles à tous</a:t>
-            </a:r>
-          </a:p>
-          <a:p>
-            <a:r>
-              <a:t>Notre projet comporte un website fonctionnel, une base de données ainsi qu’un repository sur GitHub où vous pourrez regarder notre travail</a:t>
+            <a:pPr/>
+            <a:r>
+              <a:t>Devenir un utilisateur</a:t>
+            </a:r>
+          </a:p>
+          <a:p>
+            <a:pPr/>
+            <a:r>
+              <a:t>Devenir un bibliothécaire</a:t>
+            </a:r>
+          </a:p>
+          <a:p>
+            <a:pPr/>
+            <a:r>
+              <a:t>Suggérer un livre en tant qu’utilisateur </a:t>
+            </a:r>
+          </a:p>
+          <a:p>
+            <a:pPr/>
+            <a:r>
+              <a:t>Accepter une suggestion de livre en tant que bibliothécaire</a:t>
+            </a:r>
+          </a:p>
+          <a:p>
+            <a:pPr/>
+            <a:r>
+              <a:t>Voir les livres suggérés dans la page Explorer</a:t>
+            </a:r>
+          </a:p>
+          <a:p>
+            <a:pPr/>
+            <a:r>
+              <a:t>Rechercher un livre</a:t>
+            </a:r>
+          </a:p>
+          <a:p>
+            <a:pPr/>
+            <a:r>
+              <a:t>Donner son avis sur un livre</a:t>
             </a:r>
           </a:p>
         </p:txBody>
@@ -3972,12 +3869,12 @@
   <p:clrMapOvr>
     <a:masterClrMapping/>
   </p:clrMapOvr>
-  <p:transition spd="med"/>
+  <p:transition xmlns:p14="http://schemas.microsoft.com/office/powerpoint/2010/main" spd="med" advClick="1"/>
 </p:sld>
 </file>
 
 <file path=ppt/slides/slide4.xml><?xml version="1.0" encoding="utf-8"?>
-<p:sld xmlns:a="http://schemas.openxmlformats.org/drawingml/2006/main" xmlns:r="http://schemas.openxmlformats.org/officeDocument/2006/relationships" xmlns:p="http://schemas.openxmlformats.org/presentationml/2006/main">
+<p:sld xmlns:a="http://schemas.openxmlformats.org/drawingml/2006/main" xmlns:r="http://schemas.openxmlformats.org/officeDocument/2006/relationships" xmlns:p="http://schemas.openxmlformats.org/presentationml/2006/main" xmlns:m="http://schemas.openxmlformats.org/officeDocument/2006/math" xmlns:a14="http://schemas.microsoft.com/office/drawing/2010/main" showMasterSp="1" showMasterPhAnim="1">
   <p:cSld>
     <p:spTree>
       <p:nvGrpSpPr>
@@ -3996,9 +3893,7 @@
       <p:sp>
         <p:nvSpPr>
           <p:cNvPr id="125" name="Titre 1"/>
-          <p:cNvSpPr txBox="1">
-            <a:spLocks noGrp="1"/>
-          </p:cNvSpPr>
+          <p:cNvSpPr txBox="1"/>
           <p:nvPr>
             <p:ph type="title"/>
           </p:nvPr>
@@ -4016,8 +3911,9 @@
           <a:bodyPr/>
           <a:lstStyle/>
           <a:p>
-            <a:r>
-              <a:t>Specifications les plus importantes </a:t>
+            <a:pPr/>
+            <a:r>
+              <a:t>Extensions</a:t>
             </a:r>
           </a:p>
         </p:txBody>
@@ -4025,18 +3921,12 @@
       <p:sp>
         <p:nvSpPr>
           <p:cNvPr id="126" name="Espace réservé du contenu 2"/>
-          <p:cNvSpPr txBox="1">
-            <a:spLocks noGrp="1"/>
-          </p:cNvSpPr>
+          <p:cNvSpPr txBox="1"/>
           <p:nvPr>
             <p:ph type="body" idx="1"/>
           </p:nvPr>
         </p:nvSpPr>
         <p:spPr>
-          <a:xfrm>
-            <a:off x="838200" y="1949450"/>
-            <a:ext cx="10515600" cy="4195763"/>
-          </a:xfrm>
           <a:prstGeom prst="rect">
             <a:avLst/>
           </a:prstGeom>
@@ -4045,38 +3935,25 @@
           <a:bodyPr/>
           <a:lstStyle/>
           <a:p>
-            <a:r>
-              <a:t>Devenir un utilisateur</a:t>
-            </a:r>
-          </a:p>
-          <a:p>
-            <a:r>
-              <a:t>Devenir un bibliothécaire</a:t>
-            </a:r>
-          </a:p>
-          <a:p>
-            <a:r>
-              <a:t>Suggérer un livre en tant qu’utilisateur </a:t>
-            </a:r>
-          </a:p>
-          <a:p>
-            <a:r>
-              <a:t>Accepter une suggestion de livre en tant que bibliothécaire</a:t>
-            </a:r>
-          </a:p>
-          <a:p>
-            <a:r>
-              <a:t>Voir les livres suggérés dans la page Explorer</a:t>
-            </a:r>
-          </a:p>
-          <a:p>
-            <a:r>
-              <a:t>Rechercher un livre</a:t>
-            </a:r>
-          </a:p>
-          <a:p>
-            <a:r>
-              <a:t>Donner son avis sur un livre</a:t>
+            <a:pPr/>
+            <a:r>
+              <a:t>Première extension :</a:t>
+            </a:r>
+            <a:br/>
+            <a:r>
+              <a:t>Système de votes et de commentaires sur les livres que les utilisateurs ont déjà loués.</a:t>
+            </a:r>
+            <a:br/>
+            <a:br/>
+          </a:p>
+          <a:p>
+            <a:pPr/>
+            <a:r>
+              <a:t>Deuxième extension : </a:t>
+            </a:r>
+            <a:br/>
+            <a:r>
+              <a:t>Ajout de la cardinalité sur les livres.</a:t>
             </a:r>
           </a:p>
         </p:txBody>
@@ -4086,12 +3963,136 @@
   <p:clrMapOvr>
     <a:masterClrMapping/>
   </p:clrMapOvr>
-  <p:transition spd="med"/>
+  <p:transition xmlns:p14="http://schemas.microsoft.com/office/powerpoint/2010/main" spd="med" advClick="1"/>
 </p:sld>
 </file>
 
 <file path=ppt/slides/slide5.xml><?xml version="1.0" encoding="utf-8"?>
-<p:sld xmlns:a="http://schemas.openxmlformats.org/drawingml/2006/main" xmlns:r="http://schemas.openxmlformats.org/officeDocument/2006/relationships" xmlns:p="http://schemas.openxmlformats.org/presentationml/2006/main">
+<p:sld xmlns:a="http://schemas.openxmlformats.org/drawingml/2006/main" xmlns:r="http://schemas.openxmlformats.org/officeDocument/2006/relationships" xmlns:p="http://schemas.openxmlformats.org/presentationml/2006/main" xmlns:m="http://schemas.openxmlformats.org/officeDocument/2006/math" xmlns:a14="http://schemas.microsoft.com/office/drawing/2010/main" showMasterSp="1" showMasterPhAnim="1">
+  <p:cSld>
+    <p:spTree>
+      <p:nvGrpSpPr>
+        <p:cNvPr id="1" name=""/>
+        <p:cNvGrpSpPr/>
+        <p:nvPr/>
+      </p:nvGrpSpPr>
+      <p:grpSpPr>
+        <a:xfrm>
+          <a:off x="0" y="0"/>
+          <a:ext cx="0" cy="0"/>
+          <a:chOff x="0" y="0"/>
+          <a:chExt cx="0" cy="0"/>
+        </a:xfrm>
+      </p:grpSpPr>
+      <p:pic>
+        <p:nvPicPr>
+          <p:cNvPr id="128" name="Image 4" descr="Image 4"/>
+          <p:cNvPicPr>
+            <a:picLocks noChangeAspect="1"/>
+          </p:cNvPicPr>
+          <p:nvPr/>
+        </p:nvPicPr>
+        <p:blipFill>
+          <a:blip r:embed="rId2">
+            <a:extLst/>
+          </a:blip>
+          <a:stretch>
+            <a:fillRect/>
+          </a:stretch>
+        </p:blipFill>
+        <p:spPr>
+          <a:xfrm>
+            <a:off x="1782998" y="1691322"/>
+            <a:ext cx="8626004" cy="4789732"/>
+          </a:xfrm>
+          <a:prstGeom prst="rect">
+            <a:avLst/>
+          </a:prstGeom>
+          <a:ln w="12700">
+            <a:miter lim="400000"/>
+          </a:ln>
+        </p:spPr>
+      </p:pic>
+      <p:sp>
+        <p:nvSpPr>
+          <p:cNvPr id="129" name="Titre 1"/>
+          <p:cNvSpPr txBox="1"/>
+          <p:nvPr>
+            <p:ph type="title"/>
+          </p:nvPr>
+        </p:nvSpPr>
+        <p:spPr>
+          <a:xfrm>
+            <a:off x="838200" y="365759"/>
+            <a:ext cx="10515600" cy="1325564"/>
+          </a:xfrm>
+          <a:prstGeom prst="rect">
+            <a:avLst/>
+          </a:prstGeom>
+        </p:spPr>
+        <p:txBody>
+          <a:bodyPr/>
+          <a:lstStyle/>
+          <a:p>
+            <a:pPr/>
+            <a:r>
+              <a:t>Sch</a:t>
+            </a:r>
+            <a:r>
+              <a:t>e</a:t>
+            </a:r>
+            <a:r>
+              <a:t>ma conc</a:t>
+            </a:r>
+            <a:r>
+              <a:t>é</a:t>
+            </a:r>
+            <a:r>
+              <a:t>ptuel</a:t>
+            </a:r>
+          </a:p>
+        </p:txBody>
+      </p:sp>
+      <p:pic>
+        <p:nvPicPr>
+          <p:cNvPr id="130" name="Image 2" descr="Image 2"/>
+          <p:cNvPicPr>
+            <a:picLocks noChangeAspect="1"/>
+          </p:cNvPicPr>
+          <p:nvPr/>
+        </p:nvPicPr>
+        <p:blipFill>
+          <a:blip r:embed="rId3">
+            <a:extLst/>
+          </a:blip>
+          <a:stretch>
+            <a:fillRect/>
+          </a:stretch>
+        </p:blipFill>
+        <p:spPr>
+          <a:xfrm>
+            <a:off x="1927698" y="2004006"/>
+            <a:ext cx="12192001" cy="4164362"/>
+          </a:xfrm>
+          <a:prstGeom prst="rect">
+            <a:avLst/>
+          </a:prstGeom>
+          <a:ln w="12700">
+            <a:miter lim="400000"/>
+          </a:ln>
+        </p:spPr>
+      </p:pic>
+    </p:spTree>
+  </p:cSld>
+  <p:clrMapOvr>
+    <a:masterClrMapping/>
+  </p:clrMapOvr>
+  <p:transition xmlns:p14="http://schemas.microsoft.com/office/powerpoint/2010/main" spd="med" advClick="1"/>
+</p:sld>
+</file>
+
+<file path=ppt/slides/slide6.xml><?xml version="1.0" encoding="utf-8"?>
+<p:sld xmlns:a="http://schemas.openxmlformats.org/drawingml/2006/main" xmlns:r="http://schemas.openxmlformats.org/officeDocument/2006/relationships" xmlns:p="http://schemas.openxmlformats.org/presentationml/2006/main" xmlns:m="http://schemas.openxmlformats.org/officeDocument/2006/math" xmlns:a14="http://schemas.microsoft.com/office/drawing/2010/main" showMasterSp="1" showMasterPhAnim="1">
   <p:cSld>
     <p:spTree>
       <p:nvGrpSpPr>
@@ -4109,10 +4110,8 @@
       </p:grpSpPr>
       <p:sp>
         <p:nvSpPr>
-          <p:cNvPr id="128" name="Titre 1"/>
-          <p:cNvSpPr txBox="1">
-            <a:spLocks noGrp="1"/>
-          </p:cNvSpPr>
+          <p:cNvPr id="132" name="Titre 1"/>
+          <p:cNvSpPr txBox="1"/>
           <p:nvPr>
             <p:ph type="title"/>
           </p:nvPr>
@@ -4130,27 +4129,22 @@
           <a:bodyPr/>
           <a:lstStyle/>
           <a:p>
-            <a:r>
-              <a:t>Extensions</a:t>
+            <a:pPr/>
+            <a:r>
+              <a:t>Tests</a:t>
             </a:r>
           </a:p>
         </p:txBody>
       </p:sp>
       <p:sp>
         <p:nvSpPr>
-          <p:cNvPr id="129" name="Espace réservé du contenu 2"/>
-          <p:cNvSpPr txBox="1">
-            <a:spLocks noGrp="1"/>
-          </p:cNvSpPr>
+          <p:cNvPr id="133" name="Espace réservé du contenu 2"/>
+          <p:cNvSpPr txBox="1"/>
           <p:nvPr>
             <p:ph type="body" idx="1"/>
           </p:nvPr>
         </p:nvSpPr>
         <p:spPr>
-          <a:xfrm>
-            <a:off x="838200" y="1949450"/>
-            <a:ext cx="10515600" cy="4195763"/>
-          </a:xfrm>
           <a:prstGeom prst="rect">
             <a:avLst/>
           </a:prstGeom>
@@ -4159,24 +4153,23 @@
           <a:bodyPr/>
           <a:lstStyle/>
           <a:p>
-            <a:r>
-              <a:t>Première extension :</a:t>
-            </a:r>
-            <a:br/>
-            <a:r>
-              <a:t>Système de votes et de commentaires sur les livres que les utilisateurs ont déjà loués.</a:t>
-            </a:r>
-            <a:br/>
-            <a:br/>
-            <a:endParaRPr/>
-          </a:p>
-          <a:p>
-            <a:r>
-              <a:t>Deuxième extension : </a:t>
-            </a:r>
-            <a:br/>
-            <a:r>
-              <a:t>Ajout de la cardinalité sur les livres.</a:t>
+            <a:pPr algn="ctr">
+              <a:defRPr b="1" sz="3800" u="sng"/>
+            </a:pPr>
+            <a:r>
+              <a:t>1 seul test </a:t>
+            </a:r>
+          </a:p>
+          <a:p>
+            <a:pPr/>
+          </a:p>
+          <a:p>
+            <a:pPr/>
+          </a:p>
+          <a:p>
+            <a:pPr algn="ctr"/>
+            <a:r>
+              <a:t>Authentification d’un utilisateur </a:t>
             </a:r>
           </a:p>
         </p:txBody>
@@ -4186,151 +4179,12 @@
   <p:clrMapOvr>
     <a:masterClrMapping/>
   </p:clrMapOvr>
-  <p:transition spd="med"/>
-</p:sld>
-</file>
-
-<file path=ppt/slides/slide6.xml><?xml version="1.0" encoding="utf-8"?>
-<p:sld xmlns:a="http://schemas.openxmlformats.org/drawingml/2006/main" xmlns:r="http://schemas.openxmlformats.org/officeDocument/2006/relationships" xmlns:p="http://schemas.openxmlformats.org/presentationml/2006/main">
-  <p:cSld>
-    <p:spTree>
-      <p:nvGrpSpPr>
-        <p:cNvPr id="1" name=""/>
-        <p:cNvGrpSpPr/>
-        <p:nvPr/>
-      </p:nvGrpSpPr>
-      <p:grpSpPr>
-        <a:xfrm>
-          <a:off x="0" y="0"/>
-          <a:ext cx="0" cy="0"/>
-          <a:chOff x="0" y="0"/>
-          <a:chExt cx="0" cy="0"/>
-        </a:xfrm>
-      </p:grpSpPr>
-      <p:pic>
-        <p:nvPicPr>
-          <p:cNvPr id="5" name="Image 4">
-            <a:extLst>
-              <a:ext uri="{FF2B5EF4-FFF2-40B4-BE49-F238E27FC236}">
-                <a16:creationId xmlns:a16="http://schemas.microsoft.com/office/drawing/2014/main" id="{810354CC-E13D-5D4A-C848-CEB6FB0EEC92}"/>
-              </a:ext>
-            </a:extLst>
-          </p:cNvPr>
-          <p:cNvPicPr>
-            <a:picLocks noChangeAspect="1"/>
-          </p:cNvPicPr>
-          <p:nvPr/>
-        </p:nvPicPr>
-        <p:blipFill>
-          <a:blip r:embed="rId2"/>
-          <a:stretch>
-            <a:fillRect/>
-          </a:stretch>
-        </p:blipFill>
-        <p:spPr>
-          <a:xfrm>
-            <a:off x="1782999" y="1691323"/>
-            <a:ext cx="8626002" cy="4789730"/>
-          </a:xfrm>
-          <a:prstGeom prst="rect">
-            <a:avLst/>
-          </a:prstGeom>
-        </p:spPr>
-      </p:pic>
-      <p:sp>
-        <p:nvSpPr>
-          <p:cNvPr id="131" name="Titre 1"/>
-          <p:cNvSpPr txBox="1">
-            <a:spLocks noGrp="1"/>
-          </p:cNvSpPr>
-          <p:nvPr>
-            <p:ph type="title"/>
-          </p:nvPr>
-        </p:nvSpPr>
-        <p:spPr>
-          <a:xfrm>
-            <a:off x="838200" y="365759"/>
-            <a:ext cx="10515600" cy="1325564"/>
-          </a:xfrm>
-          <a:prstGeom prst="rect">
-            <a:avLst/>
-          </a:prstGeom>
-        </p:spPr>
-        <p:txBody>
-          <a:bodyPr/>
-          <a:lstStyle/>
-          <a:p>
-            <a:r>
-              <a:rPr dirty="0"/>
-              <a:t>Sch</a:t>
-            </a:r>
-            <a:r>
-              <a:rPr lang="fr-BE" dirty="0"/>
-              <a:t>e</a:t>
-            </a:r>
-            <a:r>
-              <a:rPr dirty="0"/>
-              <a:t>ma conc</a:t>
-            </a:r>
-            <a:r>
-              <a:rPr lang="fr-BE" dirty="0"/>
-              <a:t>é</a:t>
-            </a:r>
-            <a:r>
-              <a:rPr dirty="0" err="1"/>
-              <a:t>ptuel</a:t>
-            </a:r>
-            <a:endParaRPr dirty="0"/>
-          </a:p>
-        </p:txBody>
-      </p:sp>
-      <p:pic>
-        <p:nvPicPr>
-          <p:cNvPr id="3" name="Image 2" descr="Une image contenant capture d’écran, texte">
-            <a:extLst>
-              <a:ext uri="{FF2B5EF4-FFF2-40B4-BE49-F238E27FC236}">
-                <a16:creationId xmlns:a16="http://schemas.microsoft.com/office/drawing/2014/main" id="{5C4A5B91-9F1E-5749-2B13-B7A9C889BE96}"/>
-              </a:ext>
-            </a:extLst>
-          </p:cNvPr>
-          <p:cNvPicPr>
-            <a:picLocks noChangeAspect="1"/>
-          </p:cNvPicPr>
-          <p:nvPr/>
-        </p:nvPicPr>
-        <p:blipFill>
-          <a:blip r:embed="rId3" cstate="print">
-            <a:extLst>
-              <a:ext uri="{28A0092B-C50C-407E-A947-70E740481C1C}">
-                <a14:useLocalDpi xmlns:a14="http://schemas.microsoft.com/office/drawing/2010/main" val="0"/>
-              </a:ext>
-            </a:extLst>
-          </a:blip>
-          <a:stretch>
-            <a:fillRect/>
-          </a:stretch>
-        </p:blipFill>
-        <p:spPr>
-          <a:xfrm>
-            <a:off x="1927698" y="2004007"/>
-            <a:ext cx="12192000" cy="4164361"/>
-          </a:xfrm>
-          <a:prstGeom prst="rect">
-            <a:avLst/>
-          </a:prstGeom>
-        </p:spPr>
-      </p:pic>
-    </p:spTree>
-  </p:cSld>
-  <p:clrMapOvr>
-    <a:masterClrMapping/>
-  </p:clrMapOvr>
-  <p:transition spd="med"/>
+  <p:transition xmlns:p14="http://schemas.microsoft.com/office/powerpoint/2010/main" spd="med" advClick="1"/>
 </p:sld>
 </file>
 
 <file path=ppt/slides/slide7.xml><?xml version="1.0" encoding="utf-8"?>
-<p:sld xmlns:a="http://schemas.openxmlformats.org/drawingml/2006/main" xmlns:r="http://schemas.openxmlformats.org/officeDocument/2006/relationships" xmlns:p="http://schemas.openxmlformats.org/presentationml/2006/main">
+<p:sld xmlns:a="http://schemas.openxmlformats.org/drawingml/2006/main" xmlns:r="http://schemas.openxmlformats.org/officeDocument/2006/relationships" xmlns:p="http://schemas.openxmlformats.org/presentationml/2006/main" xmlns:m="http://schemas.openxmlformats.org/officeDocument/2006/math" xmlns:a14="http://schemas.microsoft.com/office/drawing/2010/main" showMasterSp="1" showMasterPhAnim="1">
   <p:cSld>
     <p:spTree>
       <p:nvGrpSpPr>
@@ -4348,17 +4202,15 @@
       </p:grpSpPr>
       <p:sp>
         <p:nvSpPr>
-          <p:cNvPr id="134" name="Titre 1"/>
-          <p:cNvSpPr txBox="1">
-            <a:spLocks noGrp="1"/>
-          </p:cNvSpPr>
+          <p:cNvPr id="135" name="Titre 1"/>
+          <p:cNvSpPr txBox="1"/>
           <p:nvPr>
             <p:ph type="title"/>
           </p:nvPr>
         </p:nvSpPr>
         <p:spPr>
           <a:xfrm>
-            <a:off x="838200" y="365759"/>
+            <a:off x="825500" y="365759"/>
             <a:ext cx="10515600" cy="1325564"/>
           </a:xfrm>
           <a:prstGeom prst="rect">
@@ -4369,27 +4221,22 @@
           <a:bodyPr/>
           <a:lstStyle/>
           <a:p>
-            <a:r>
-              <a:t>Tests</a:t>
+            <a:pPr/>
+            <a:r>
+              <a:t>Conclusion : </a:t>
             </a:r>
           </a:p>
         </p:txBody>
       </p:sp>
       <p:sp>
         <p:nvSpPr>
-          <p:cNvPr id="135" name="Espace réservé du contenu 2"/>
-          <p:cNvSpPr txBox="1">
-            <a:spLocks noGrp="1"/>
-          </p:cNvSpPr>
+          <p:cNvPr id="136" name="Espace réservé du contenu 2"/>
+          <p:cNvSpPr txBox="1"/>
           <p:nvPr>
             <p:ph type="body" idx="1"/>
           </p:nvPr>
         </p:nvSpPr>
         <p:spPr>
-          <a:xfrm>
-            <a:off x="838200" y="1949450"/>
-            <a:ext cx="10515600" cy="4195763"/>
-          </a:xfrm>
           <a:prstGeom prst="rect">
             <a:avLst/>
           </a:prstGeom>
@@ -4398,7 +4245,56 @@
           <a:bodyPr/>
           <a:lstStyle/>
           <a:p>
-            <a:endParaRPr/>
+            <a:pPr/>
+            <a:r>
+              <a:t>Travail de groupe :</a:t>
+            </a:r>
+            <a:br/>
+            <a:br/>
+            <a:r>
+              <a:t>         </a:t>
+            </a:r>
+            <a:r>
+              <a:rPr>
+                <a:solidFill>
+                  <a:srgbClr val="51FF00"/>
+                </a:solidFill>
+              </a:rPr>
+              <a:t>-Point fort :</a:t>
+            </a:r>
+            <a:r>
+              <a:t>                                       </a:t>
+            </a:r>
+            <a:r>
+              <a:rPr>
+                <a:solidFill>
+                  <a:srgbClr val="FF1000"/>
+                </a:solidFill>
+              </a:rPr>
+              <a:t>-Point faible :</a:t>
+            </a:r>
+            <a:r>
+              <a:t> </a:t>
+            </a:r>
+            <a:br/>
+            <a:r>
+              <a:rPr sz="2400"/>
+              <a:t>          - Bonne cohésion                                      - Gestion du temps</a:t>
+            </a:r>
+            <a:br>
+              <a:rPr sz="2400"/>
+            </a:br>
+            <a:r>
+              <a:rPr sz="2400"/>
+              <a:t>          - Bonne communication</a:t>
+            </a:r>
+            <a:br>
+              <a:rPr sz="2400"/>
+            </a:br>
+            <a:r>
+              <a:rPr sz="2400"/>
+              <a:t>          </a:t>
+            </a:r>
           </a:p>
         </p:txBody>
       </p:sp>
@@ -4407,142 +4303,12 @@
   <p:clrMapOvr>
     <a:masterClrMapping/>
   </p:clrMapOvr>
-  <p:transition spd="med"/>
-</p:sld>
-</file>
-
-<file path=ppt/slides/slide8.xml><?xml version="1.0" encoding="utf-8"?>
-<p:sld xmlns:a="http://schemas.openxmlformats.org/drawingml/2006/main" xmlns:r="http://schemas.openxmlformats.org/officeDocument/2006/relationships" xmlns:p="http://schemas.openxmlformats.org/presentationml/2006/main">
-  <p:cSld>
-    <p:spTree>
-      <p:nvGrpSpPr>
-        <p:cNvPr id="1" name=""/>
-        <p:cNvGrpSpPr/>
-        <p:nvPr/>
-      </p:nvGrpSpPr>
-      <p:grpSpPr>
-        <a:xfrm>
-          <a:off x="0" y="0"/>
-          <a:ext cx="0" cy="0"/>
-          <a:chOff x="0" y="0"/>
-          <a:chExt cx="0" cy="0"/>
-        </a:xfrm>
-      </p:grpSpPr>
-      <p:sp>
-        <p:nvSpPr>
-          <p:cNvPr id="137" name="Titre 1"/>
-          <p:cNvSpPr txBox="1">
-            <a:spLocks noGrp="1"/>
-          </p:cNvSpPr>
-          <p:nvPr>
-            <p:ph type="title"/>
-          </p:nvPr>
-        </p:nvSpPr>
-        <p:spPr>
-          <a:xfrm>
-            <a:off x="825500" y="365759"/>
-            <a:ext cx="10515600" cy="1325564"/>
-          </a:xfrm>
-          <a:prstGeom prst="rect">
-            <a:avLst/>
-          </a:prstGeom>
-        </p:spPr>
-        <p:txBody>
-          <a:bodyPr/>
-          <a:lstStyle/>
-          <a:p>
-            <a:r>
-              <a:t>Conclusion : </a:t>
-            </a:r>
-          </a:p>
-        </p:txBody>
-      </p:sp>
-      <p:sp>
-        <p:nvSpPr>
-          <p:cNvPr id="138" name="Espace réservé du contenu 2"/>
-          <p:cNvSpPr txBox="1">
-            <a:spLocks noGrp="1"/>
-          </p:cNvSpPr>
-          <p:nvPr>
-            <p:ph type="body" idx="1"/>
-          </p:nvPr>
-        </p:nvSpPr>
-        <p:spPr>
-          <a:xfrm>
-            <a:off x="838200" y="1949450"/>
-            <a:ext cx="10515600" cy="4195763"/>
-          </a:xfrm>
-          <a:prstGeom prst="rect">
-            <a:avLst/>
-          </a:prstGeom>
-        </p:spPr>
-        <p:txBody>
-          <a:bodyPr/>
-          <a:lstStyle/>
-          <a:p>
-            <a:r>
-              <a:t>Travail de groupe :</a:t>
-            </a:r>
-            <a:br/>
-            <a:br/>
-            <a:r>
-              <a:t>         </a:t>
-            </a:r>
-            <a:r>
-              <a:rPr>
-                <a:solidFill>
-                  <a:srgbClr val="51FF00"/>
-                </a:solidFill>
-              </a:rPr>
-              <a:t>-Point fort :</a:t>
-            </a:r>
-            <a:r>
-              <a:t>                                       </a:t>
-            </a:r>
-            <a:r>
-              <a:rPr>
-                <a:solidFill>
-                  <a:srgbClr val="FF1000"/>
-                </a:solidFill>
-              </a:rPr>
-              <a:t>-Point faible :</a:t>
-            </a:r>
-            <a:r>
-              <a:t> </a:t>
-            </a:r>
-            <a:br/>
-            <a:r>
-              <a:rPr sz="2400"/>
-              <a:t>          - Bonne cohésion                                      - Gestion du temps</a:t>
-            </a:r>
-            <a:br>
-              <a:rPr sz="2400"/>
-            </a:br>
-            <a:r>
-              <a:rPr sz="2400"/>
-              <a:t>          - Bonne communication</a:t>
-            </a:r>
-            <a:br>
-              <a:rPr sz="2400"/>
-            </a:br>
-            <a:r>
-              <a:rPr sz="2400"/>
-              <a:t>          </a:t>
-            </a:r>
-          </a:p>
-        </p:txBody>
-      </p:sp>
-    </p:spTree>
-  </p:cSld>
-  <p:clrMapOvr>
-    <a:masterClrMapping/>
-  </p:clrMapOvr>
-  <p:transition spd="med"/>
+  <p:transition xmlns:p14="http://schemas.microsoft.com/office/powerpoint/2010/main" spd="med" advClick="1"/>
 </p:sld>
 </file>
 
 <file path=ppt/theme/theme1.xml><?xml version="1.0" encoding="utf-8"?>
-<a:theme xmlns:a="http://schemas.openxmlformats.org/drawingml/2006/main" name="BlockprintVTI">
+<a:theme xmlns:a="http://schemas.openxmlformats.org/drawingml/2006/main" xmlns:r="http://schemas.openxmlformats.org/officeDocument/2006/relationships" name="BlockprintVTI">
   <a:themeElements>
     <a:clrScheme name="BlockprintVTI">
       <a:dk1>
@@ -4584,14 +4350,14 @@
     </a:clrScheme>
     <a:fontScheme name="BlockprintVTI">
       <a:majorFont>
+        <a:latin typeface="Avenir Next LT Pro"/>
+        <a:ea typeface="Avenir Next LT Pro"/>
+        <a:cs typeface="Avenir Next LT Pro"/>
+      </a:majorFont>
+      <a:minorFont>
         <a:latin typeface="Helvetica"/>
         <a:ea typeface="Helvetica"/>
         <a:cs typeface="Helvetica"/>
-      </a:majorFont>
-      <a:minorFont>
-        <a:latin typeface="Avenir Next LT Pro"/>
-        <a:ea typeface="Avenir Next LT Pro"/>
-        <a:cs typeface="Avenir Next LT Pro"/>
       </a:minorFont>
     </a:fontScheme>
     <a:fmtScheme name="BlockprintVTI">
@@ -4734,17 +4500,17 @@
         <a:solidFill>
           <a:srgbClr val="FFFFFF"/>
         </a:solidFill>
-        <a:ln w="12700" cap="flat">
+        <a:ln w="25400" cap="flat">
           <a:solidFill>
             <a:schemeClr val="accent1"/>
           </a:solidFill>
           <a:prstDash val="solid"/>
-          <a:miter lim="800000"/>
+          <a:round/>
         </a:ln>
         <a:effectLst/>
         <a:sp3d/>
       </a:spPr>
-      <a:bodyPr rot="0" spcFirstLastPara="1" vertOverflow="overflow" horzOverflow="overflow" vert="horz" wrap="square" lIns="45719" tIns="45719" rIns="45719" bIns="45719" numCol="1" spcCol="38100" rtlCol="0" anchor="ctr">
+      <a:bodyPr rot="0" spcFirstLastPara="1" vertOverflow="overflow" horzOverflow="overflow" vert="horz" wrap="square" lIns="45718" tIns="45718" rIns="45718" bIns="45718" numCol="1" spcCol="38100" rtlCol="0" anchor="ctr" upright="0">
         <a:spAutoFit/>
       </a:bodyPr>
       <a:lstStyle>
@@ -4763,7 +4529,7 @@
           <a:buFontTx/>
           <a:buNone/>
           <a:tabLst/>
-          <a:defRPr kumimoji="0" sz="1800" b="0" i="0" u="none" strike="noStrike" cap="none" spc="0" normalizeH="0" baseline="0">
+          <a:defRPr b="0" baseline="0" cap="none" i="0" spc="0" strike="noStrike" sz="1800" u="none" kumimoji="0" normalizeH="0">
             <a:ln>
               <a:noFill/>
             </a:ln>
@@ -4772,9 +4538,9 @@
             </a:solidFill>
             <a:effectLst/>
             <a:uFillTx/>
-            <a:latin typeface="+mn-lt"/>
-            <a:ea typeface="+mn-ea"/>
-            <a:cs typeface="+mn-cs"/>
+            <a:latin typeface="+mj-lt"/>
+            <a:ea typeface="+mj-ea"/>
+            <a:cs typeface="+mj-cs"/>
             <a:sym typeface="Avenir Next LT Pro"/>
           </a:defRPr>
         </a:defPPr>
@@ -4793,7 +4559,7 @@
           <a:buFontTx/>
           <a:buNone/>
           <a:tabLst/>
-          <a:defRPr kumimoji="0" sz="1800" b="0" i="0" u="none" strike="noStrike" cap="none" spc="0" normalizeH="0" baseline="0">
+          <a:defRPr b="0" baseline="0" cap="none" i="0" spc="0" strike="noStrike" sz="1800" u="none" kumimoji="0" normalizeH="0">
             <a:ln>
               <a:noFill/>
             </a:ln>
@@ -4819,7 +4585,7 @@
           <a:buFontTx/>
           <a:buNone/>
           <a:tabLst/>
-          <a:defRPr kumimoji="0" sz="1800" b="0" i="0" u="none" strike="noStrike" cap="none" spc="0" normalizeH="0" baseline="0">
+          <a:defRPr b="0" baseline="0" cap="none" i="0" spc="0" strike="noStrike" sz="1800" u="none" kumimoji="0" normalizeH="0">
             <a:ln>
               <a:noFill/>
             </a:ln>
@@ -4845,7 +4611,7 @@
           <a:buFontTx/>
           <a:buNone/>
           <a:tabLst/>
-          <a:defRPr kumimoji="0" sz="1800" b="0" i="0" u="none" strike="noStrike" cap="none" spc="0" normalizeH="0" baseline="0">
+          <a:defRPr b="0" baseline="0" cap="none" i="0" spc="0" strike="noStrike" sz="1800" u="none" kumimoji="0" normalizeH="0">
             <a:ln>
               <a:noFill/>
             </a:ln>
@@ -4871,7 +4637,7 @@
           <a:buFontTx/>
           <a:buNone/>
           <a:tabLst/>
-          <a:defRPr kumimoji="0" sz="1800" b="0" i="0" u="none" strike="noStrike" cap="none" spc="0" normalizeH="0" baseline="0">
+          <a:defRPr b="0" baseline="0" cap="none" i="0" spc="0" strike="noStrike" sz="1800" u="none" kumimoji="0" normalizeH="0">
             <a:ln>
               <a:noFill/>
             </a:ln>
@@ -4897,7 +4663,7 @@
           <a:buFontTx/>
           <a:buNone/>
           <a:tabLst/>
-          <a:defRPr kumimoji="0" sz="1800" b="0" i="0" u="none" strike="noStrike" cap="none" spc="0" normalizeH="0" baseline="0">
+          <a:defRPr b="0" baseline="0" cap="none" i="0" spc="0" strike="noStrike" sz="1800" u="none" kumimoji="0" normalizeH="0">
             <a:ln>
               <a:noFill/>
             </a:ln>
@@ -4923,7 +4689,7 @@
           <a:buFontTx/>
           <a:buNone/>
           <a:tabLst/>
-          <a:defRPr kumimoji="0" sz="1800" b="0" i="0" u="none" strike="noStrike" cap="none" spc="0" normalizeH="0" baseline="0">
+          <a:defRPr b="0" baseline="0" cap="none" i="0" spc="0" strike="noStrike" sz="1800" u="none" kumimoji="0" normalizeH="0">
             <a:ln>
               <a:noFill/>
             </a:ln>
@@ -4949,7 +4715,7 @@
           <a:buFontTx/>
           <a:buNone/>
           <a:tabLst/>
-          <a:defRPr kumimoji="0" sz="1800" b="0" i="0" u="none" strike="noStrike" cap="none" spc="0" normalizeH="0" baseline="0">
+          <a:defRPr b="0" baseline="0" cap="none" i="0" spc="0" strike="noStrike" sz="1800" u="none" kumimoji="0" normalizeH="0">
             <a:ln>
               <a:noFill/>
             </a:ln>
@@ -4975,7 +4741,7 @@
           <a:buFontTx/>
           <a:buNone/>
           <a:tabLst/>
-          <a:defRPr kumimoji="0" sz="1800" b="0" i="0" u="none" strike="noStrike" cap="none" spc="0" normalizeH="0" baseline="0">
+          <a:defRPr b="0" baseline="0" cap="none" i="0" spc="0" strike="noStrike" sz="1800" u="none" kumimoji="0" normalizeH="0">
             <a:ln>
               <a:noFill/>
             </a:ln>
@@ -5001,7 +4767,7 @@
           <a:buFontTx/>
           <a:buNone/>
           <a:tabLst/>
-          <a:defRPr kumimoji="0" sz="1800" b="0" i="0" u="none" strike="noStrike" cap="none" spc="0" normalizeH="0" baseline="0">
+          <a:defRPr b="0" baseline="0" cap="none" i="0" spc="0" strike="noStrike" sz="1800" u="none" kumimoji="0" normalizeH="0">
             <a:ln>
               <a:noFill/>
             </a:ln>
@@ -5014,32 +4780,26 @@
         </a:lvl9pPr>
       </a:lstStyle>
       <a:style>
-        <a:lnRef idx="0">
-          <a:scrgbClr r="0" g="0" b="0"/>
-        </a:lnRef>
-        <a:fillRef idx="0">
-          <a:scrgbClr r="0" g="0" b="0"/>
-        </a:fillRef>
-        <a:effectRef idx="0">
-          <a:scrgbClr r="0" g="0" b="0"/>
-        </a:effectRef>
+        <a:lnRef idx="0"/>
+        <a:fillRef idx="0"/>
+        <a:effectRef idx="0"/>
         <a:fontRef idx="none"/>
       </a:style>
     </a:spDef>
     <a:lnDef>
       <a:spPr>
         <a:noFill/>
-        <a:ln w="12700" cap="flat">
+        <a:ln w="25400" cap="flat">
           <a:solidFill>
             <a:schemeClr val="accent1"/>
           </a:solidFill>
           <a:prstDash val="solid"/>
-          <a:miter lim="800000"/>
+          <a:round/>
         </a:ln>
         <a:effectLst/>
         <a:sp3d/>
       </a:spPr>
-      <a:bodyPr rot="0" spcFirstLastPara="1" vertOverflow="overflow" horzOverflow="overflow" vert="horz" wrap="square" lIns="91439" tIns="45719" rIns="91439" bIns="45719" numCol="1" spcCol="38100" rtlCol="0" anchor="t">
+      <a:bodyPr rot="0" spcFirstLastPara="1" vertOverflow="overflow" horzOverflow="overflow" vert="horz" wrap="square" lIns="91439" tIns="45719" rIns="91439" bIns="45719" numCol="1" spcCol="38100" rtlCol="0" anchor="t" upright="0">
         <a:noAutofit/>
       </a:bodyPr>
       <a:lstStyle>
@@ -5058,7 +4818,7 @@
           <a:buFontTx/>
           <a:buNone/>
           <a:tabLst/>
-          <a:defRPr kumimoji="0" sz="1800" b="0" i="0" u="none" strike="noStrike" cap="none" spc="0" normalizeH="0" baseline="0">
+          <a:defRPr b="0" baseline="0" cap="none" i="0" spc="0" strike="noStrike" sz="1800" u="none" kumimoji="0" normalizeH="0">
             <a:ln>
               <a:noFill/>
             </a:ln>
@@ -5084,7 +4844,7 @@
           <a:buFontTx/>
           <a:buNone/>
           <a:tabLst/>
-          <a:defRPr kumimoji="0" sz="1800" b="0" i="0" u="none" strike="noStrike" cap="none" spc="0" normalizeH="0" baseline="0">
+          <a:defRPr b="0" baseline="0" cap="none" i="0" spc="0" strike="noStrike" sz="1800" u="none" kumimoji="0" normalizeH="0">
             <a:ln>
               <a:noFill/>
             </a:ln>
@@ -5110,7 +4870,7 @@
           <a:buFontTx/>
           <a:buNone/>
           <a:tabLst/>
-          <a:defRPr kumimoji="0" sz="1800" b="0" i="0" u="none" strike="noStrike" cap="none" spc="0" normalizeH="0" baseline="0">
+          <a:defRPr b="0" baseline="0" cap="none" i="0" spc="0" strike="noStrike" sz="1800" u="none" kumimoji="0" normalizeH="0">
             <a:ln>
               <a:noFill/>
             </a:ln>
@@ -5136,7 +4896,7 @@
           <a:buFontTx/>
           <a:buNone/>
           <a:tabLst/>
-          <a:defRPr kumimoji="0" sz="1800" b="0" i="0" u="none" strike="noStrike" cap="none" spc="0" normalizeH="0" baseline="0">
+          <a:defRPr b="0" baseline="0" cap="none" i="0" spc="0" strike="noStrike" sz="1800" u="none" kumimoji="0" normalizeH="0">
             <a:ln>
               <a:noFill/>
             </a:ln>
@@ -5162,7 +4922,7 @@
           <a:buFontTx/>
           <a:buNone/>
           <a:tabLst/>
-          <a:defRPr kumimoji="0" sz="1800" b="0" i="0" u="none" strike="noStrike" cap="none" spc="0" normalizeH="0" baseline="0">
+          <a:defRPr b="0" baseline="0" cap="none" i="0" spc="0" strike="noStrike" sz="1800" u="none" kumimoji="0" normalizeH="0">
             <a:ln>
               <a:noFill/>
             </a:ln>
@@ -5188,7 +4948,7 @@
           <a:buFontTx/>
           <a:buNone/>
           <a:tabLst/>
-          <a:defRPr kumimoji="0" sz="1800" b="0" i="0" u="none" strike="noStrike" cap="none" spc="0" normalizeH="0" baseline="0">
+          <a:defRPr b="0" baseline="0" cap="none" i="0" spc="0" strike="noStrike" sz="1800" u="none" kumimoji="0" normalizeH="0">
             <a:ln>
               <a:noFill/>
             </a:ln>
@@ -5214,7 +4974,7 @@
           <a:buFontTx/>
           <a:buNone/>
           <a:tabLst/>
-          <a:defRPr kumimoji="0" sz="1800" b="0" i="0" u="none" strike="noStrike" cap="none" spc="0" normalizeH="0" baseline="0">
+          <a:defRPr b="0" baseline="0" cap="none" i="0" spc="0" strike="noStrike" sz="1800" u="none" kumimoji="0" normalizeH="0">
             <a:ln>
               <a:noFill/>
             </a:ln>
@@ -5240,7 +5000,7 @@
           <a:buFontTx/>
           <a:buNone/>
           <a:tabLst/>
-          <a:defRPr kumimoji="0" sz="1800" b="0" i="0" u="none" strike="noStrike" cap="none" spc="0" normalizeH="0" baseline="0">
+          <a:defRPr b="0" baseline="0" cap="none" i="0" spc="0" strike="noStrike" sz="1800" u="none" kumimoji="0" normalizeH="0">
             <a:ln>
               <a:noFill/>
             </a:ln>
@@ -5266,7 +5026,7 @@
           <a:buFontTx/>
           <a:buNone/>
           <a:tabLst/>
-          <a:defRPr kumimoji="0" sz="1800" b="0" i="0" u="none" strike="noStrike" cap="none" spc="0" normalizeH="0" baseline="0">
+          <a:defRPr b="0" baseline="0" cap="none" i="0" spc="0" strike="noStrike" sz="1800" u="none" kumimoji="0" normalizeH="0">
             <a:ln>
               <a:noFill/>
             </a:ln>
@@ -5292,7 +5052,7 @@
           <a:buFontTx/>
           <a:buNone/>
           <a:tabLst/>
-          <a:defRPr kumimoji="0" sz="1800" b="0" i="0" u="none" strike="noStrike" cap="none" spc="0" normalizeH="0" baseline="0">
+          <a:defRPr b="0" baseline="0" cap="none" i="0" spc="0" strike="noStrike" sz="1800" u="none" kumimoji="0" normalizeH="0">
             <a:ln>
               <a:noFill/>
             </a:ln>
@@ -5305,15 +5065,9 @@
         </a:lvl9pPr>
       </a:lstStyle>
       <a:style>
-        <a:lnRef idx="0">
-          <a:scrgbClr r="0" g="0" b="0"/>
-        </a:lnRef>
-        <a:fillRef idx="0">
-          <a:scrgbClr r="0" g="0" b="0"/>
-        </a:fillRef>
-        <a:effectRef idx="0">
-          <a:scrgbClr r="0" g="0" b="0"/>
-        </a:effectRef>
+        <a:lnRef idx="0"/>
+        <a:fillRef idx="0"/>
+        <a:effectRef idx="0"/>
         <a:fontRef idx="none"/>
       </a:style>
     </a:lnDef>
@@ -5327,7 +5081,7 @@
         <a:effectLst/>
         <a:sp3d/>
       </a:spPr>
-      <a:bodyPr rot="0" spcFirstLastPara="1" vertOverflow="overflow" horzOverflow="overflow" vert="horz" wrap="square" lIns="45719" tIns="45719" rIns="45719" bIns="45719" numCol="1" spcCol="38100" rtlCol="0" anchor="t">
+      <a:bodyPr rot="0" spcFirstLastPara="1" vertOverflow="overflow" horzOverflow="overflow" vert="horz" wrap="square" lIns="45718" tIns="45718" rIns="45718" bIns="45718" numCol="1" spcCol="38100" rtlCol="0" anchor="t" upright="0">
         <a:spAutoFit/>
       </a:bodyPr>
       <a:lstStyle>
@@ -5346,7 +5100,7 @@
           <a:buFontTx/>
           <a:buNone/>
           <a:tabLst/>
-          <a:defRPr kumimoji="0" sz="1800" b="0" i="0" u="none" strike="noStrike" cap="none" spc="0" normalizeH="0" baseline="0">
+          <a:defRPr b="0" baseline="0" cap="none" i="0" spc="0" strike="noStrike" sz="1800" u="none" kumimoji="0" normalizeH="0">
             <a:ln>
               <a:noFill/>
             </a:ln>
@@ -5355,9 +5109,9 @@
             </a:solidFill>
             <a:effectLst/>
             <a:uFillTx/>
-            <a:latin typeface="+mn-lt"/>
-            <a:ea typeface="+mn-ea"/>
-            <a:cs typeface="+mn-cs"/>
+            <a:latin typeface="+mj-lt"/>
+            <a:ea typeface="+mj-ea"/>
+            <a:cs typeface="+mj-cs"/>
             <a:sym typeface="Avenir Next LT Pro"/>
           </a:defRPr>
         </a:defPPr>
@@ -5376,7 +5130,7 @@
           <a:buFontTx/>
           <a:buNone/>
           <a:tabLst/>
-          <a:defRPr kumimoji="0" sz="1800" b="0" i="0" u="none" strike="noStrike" cap="none" spc="0" normalizeH="0" baseline="0">
+          <a:defRPr b="0" baseline="0" cap="none" i="0" spc="0" strike="noStrike" sz="1800" u="none" kumimoji="0" normalizeH="0">
             <a:ln>
               <a:noFill/>
             </a:ln>
@@ -5402,7 +5156,7 @@
           <a:buFontTx/>
           <a:buNone/>
           <a:tabLst/>
-          <a:defRPr kumimoji="0" sz="1800" b="0" i="0" u="none" strike="noStrike" cap="none" spc="0" normalizeH="0" baseline="0">
+          <a:defRPr b="0" baseline="0" cap="none" i="0" spc="0" strike="noStrike" sz="1800" u="none" kumimoji="0" normalizeH="0">
             <a:ln>
               <a:noFill/>
             </a:ln>
@@ -5428,7 +5182,7 @@
           <a:buFontTx/>
           <a:buNone/>
           <a:tabLst/>
-          <a:defRPr kumimoji="0" sz="1800" b="0" i="0" u="none" strike="noStrike" cap="none" spc="0" normalizeH="0" baseline="0">
+          <a:defRPr b="0" baseline="0" cap="none" i="0" spc="0" strike="noStrike" sz="1800" u="none" kumimoji="0" normalizeH="0">
             <a:ln>
               <a:noFill/>
             </a:ln>
@@ -5454,7 +5208,7 @@
           <a:buFontTx/>
           <a:buNone/>
           <a:tabLst/>
-          <a:defRPr kumimoji="0" sz="1800" b="0" i="0" u="none" strike="noStrike" cap="none" spc="0" normalizeH="0" baseline="0">
+          <a:defRPr b="0" baseline="0" cap="none" i="0" spc="0" strike="noStrike" sz="1800" u="none" kumimoji="0" normalizeH="0">
             <a:ln>
               <a:noFill/>
             </a:ln>
@@ -5480,7 +5234,7 @@
           <a:buFontTx/>
           <a:buNone/>
           <a:tabLst/>
-          <a:defRPr kumimoji="0" sz="1800" b="0" i="0" u="none" strike="noStrike" cap="none" spc="0" normalizeH="0" baseline="0">
+          <a:defRPr b="0" baseline="0" cap="none" i="0" spc="0" strike="noStrike" sz="1800" u="none" kumimoji="0" normalizeH="0">
             <a:ln>
               <a:noFill/>
             </a:ln>
@@ -5506,7 +5260,7 @@
           <a:buFontTx/>
           <a:buNone/>
           <a:tabLst/>
-          <a:defRPr kumimoji="0" sz="1800" b="0" i="0" u="none" strike="noStrike" cap="none" spc="0" normalizeH="0" baseline="0">
+          <a:defRPr b="0" baseline="0" cap="none" i="0" spc="0" strike="noStrike" sz="1800" u="none" kumimoji="0" normalizeH="0">
             <a:ln>
               <a:noFill/>
             </a:ln>
@@ -5532,7 +5286,7 @@
           <a:buFontTx/>
           <a:buNone/>
           <a:tabLst/>
-          <a:defRPr kumimoji="0" sz="1800" b="0" i="0" u="none" strike="noStrike" cap="none" spc="0" normalizeH="0" baseline="0">
+          <a:defRPr b="0" baseline="0" cap="none" i="0" spc="0" strike="noStrike" sz="1800" u="none" kumimoji="0" normalizeH="0">
             <a:ln>
               <a:noFill/>
             </a:ln>
@@ -5558,7 +5312,7 @@
           <a:buFontTx/>
           <a:buNone/>
           <a:tabLst/>
-          <a:defRPr kumimoji="0" sz="1800" b="0" i="0" u="none" strike="noStrike" cap="none" spc="0" normalizeH="0" baseline="0">
+          <a:defRPr b="0" baseline="0" cap="none" i="0" spc="0" strike="noStrike" sz="1800" u="none" kumimoji="0" normalizeH="0">
             <a:ln>
               <a:noFill/>
             </a:ln>
@@ -5584,7 +5338,7 @@
           <a:buFontTx/>
           <a:buNone/>
           <a:tabLst/>
-          <a:defRPr kumimoji="0" sz="1800" b="0" i="0" u="none" strike="noStrike" cap="none" spc="0" normalizeH="0" baseline="0">
+          <a:defRPr b="0" baseline="0" cap="none" i="0" spc="0" strike="noStrike" sz="1800" u="none" kumimoji="0" normalizeH="0">
             <a:ln>
               <a:noFill/>
             </a:ln>
@@ -5597,25 +5351,18 @@
         </a:lvl9pPr>
       </a:lstStyle>
       <a:style>
-        <a:lnRef idx="0">
-          <a:scrgbClr r="0" g="0" b="0"/>
-        </a:lnRef>
-        <a:fillRef idx="0">
-          <a:scrgbClr r="0" g="0" b="0"/>
-        </a:fillRef>
-        <a:effectRef idx="0">
-          <a:scrgbClr r="0" g="0" b="0"/>
-        </a:effectRef>
+        <a:lnRef idx="0"/>
+        <a:fillRef idx="0"/>
+        <a:effectRef idx="0"/>
         <a:fontRef idx="none"/>
       </a:style>
     </a:txDef>
   </a:objectDefaults>
-  <a:extraClrSchemeLst/>
 </a:theme>
 </file>
 
 <file path=ppt/theme/theme2.xml><?xml version="1.0" encoding="utf-8"?>
-<a:theme xmlns:a="http://schemas.openxmlformats.org/drawingml/2006/main" name="BlockprintVTI">
+<a:theme xmlns:a="http://schemas.openxmlformats.org/drawingml/2006/main" xmlns:r="http://schemas.openxmlformats.org/officeDocument/2006/relationships" name="BlockprintVTI">
   <a:themeElements>
     <a:clrScheme name="BlockprintVTI">
       <a:dk1>
@@ -5657,14 +5404,14 @@
     </a:clrScheme>
     <a:fontScheme name="BlockprintVTI">
       <a:majorFont>
+        <a:latin typeface="Avenir Next LT Pro"/>
+        <a:ea typeface="Avenir Next LT Pro"/>
+        <a:cs typeface="Avenir Next LT Pro"/>
+      </a:majorFont>
+      <a:minorFont>
         <a:latin typeface="Helvetica"/>
         <a:ea typeface="Helvetica"/>
         <a:cs typeface="Helvetica"/>
-      </a:majorFont>
-      <a:minorFont>
-        <a:latin typeface="Avenir Next LT Pro"/>
-        <a:ea typeface="Avenir Next LT Pro"/>
-        <a:cs typeface="Avenir Next LT Pro"/>
       </a:minorFont>
     </a:fontScheme>
     <a:fmtScheme name="BlockprintVTI">
@@ -5807,17 +5554,17 @@
         <a:solidFill>
           <a:srgbClr val="FFFFFF"/>
         </a:solidFill>
-        <a:ln w="12700" cap="flat">
+        <a:ln w="25400" cap="flat">
           <a:solidFill>
             <a:schemeClr val="accent1"/>
           </a:solidFill>
           <a:prstDash val="solid"/>
-          <a:miter lim="800000"/>
+          <a:round/>
         </a:ln>
         <a:effectLst/>
         <a:sp3d/>
       </a:spPr>
-      <a:bodyPr rot="0" spcFirstLastPara="1" vertOverflow="overflow" horzOverflow="overflow" vert="horz" wrap="square" lIns="45719" tIns="45719" rIns="45719" bIns="45719" numCol="1" spcCol="38100" rtlCol="0" anchor="ctr">
+      <a:bodyPr rot="0" spcFirstLastPara="1" vertOverflow="overflow" horzOverflow="overflow" vert="horz" wrap="square" lIns="45718" tIns="45718" rIns="45718" bIns="45718" numCol="1" spcCol="38100" rtlCol="0" anchor="ctr" upright="0">
         <a:spAutoFit/>
       </a:bodyPr>
       <a:lstStyle>
@@ -5836,7 +5583,7 @@
           <a:buFontTx/>
           <a:buNone/>
           <a:tabLst/>
-          <a:defRPr kumimoji="0" sz="1800" b="0" i="0" u="none" strike="noStrike" cap="none" spc="0" normalizeH="0" baseline="0">
+          <a:defRPr b="0" baseline="0" cap="none" i="0" spc="0" strike="noStrike" sz="1800" u="none" kumimoji="0" normalizeH="0">
             <a:ln>
               <a:noFill/>
             </a:ln>
@@ -5845,9 +5592,9 @@
             </a:solidFill>
             <a:effectLst/>
             <a:uFillTx/>
-            <a:latin typeface="+mn-lt"/>
-            <a:ea typeface="+mn-ea"/>
-            <a:cs typeface="+mn-cs"/>
+            <a:latin typeface="+mj-lt"/>
+            <a:ea typeface="+mj-ea"/>
+            <a:cs typeface="+mj-cs"/>
             <a:sym typeface="Avenir Next LT Pro"/>
           </a:defRPr>
         </a:defPPr>
@@ -5866,7 +5613,7 @@
           <a:buFontTx/>
           <a:buNone/>
           <a:tabLst/>
-          <a:defRPr kumimoji="0" sz="1800" b="0" i="0" u="none" strike="noStrike" cap="none" spc="0" normalizeH="0" baseline="0">
+          <a:defRPr b="0" baseline="0" cap="none" i="0" spc="0" strike="noStrike" sz="1800" u="none" kumimoji="0" normalizeH="0">
             <a:ln>
               <a:noFill/>
             </a:ln>
@@ -5892,7 +5639,7 @@
           <a:buFontTx/>
           <a:buNone/>
           <a:tabLst/>
-          <a:defRPr kumimoji="0" sz="1800" b="0" i="0" u="none" strike="noStrike" cap="none" spc="0" normalizeH="0" baseline="0">
+          <a:defRPr b="0" baseline="0" cap="none" i="0" spc="0" strike="noStrike" sz="1800" u="none" kumimoji="0" normalizeH="0">
             <a:ln>
               <a:noFill/>
             </a:ln>
@@ -5918,7 +5665,7 @@
           <a:buFontTx/>
           <a:buNone/>
           <a:tabLst/>
-          <a:defRPr kumimoji="0" sz="1800" b="0" i="0" u="none" strike="noStrike" cap="none" spc="0" normalizeH="0" baseline="0">
+          <a:defRPr b="0" baseline="0" cap="none" i="0" spc="0" strike="noStrike" sz="1800" u="none" kumimoji="0" normalizeH="0">
             <a:ln>
               <a:noFill/>
             </a:ln>
@@ -5944,7 +5691,7 @@
           <a:buFontTx/>
           <a:buNone/>
           <a:tabLst/>
-          <a:defRPr kumimoji="0" sz="1800" b="0" i="0" u="none" strike="noStrike" cap="none" spc="0" normalizeH="0" baseline="0">
+          <a:defRPr b="0" baseline="0" cap="none" i="0" spc="0" strike="noStrike" sz="1800" u="none" kumimoji="0" normalizeH="0">
             <a:ln>
               <a:noFill/>
             </a:ln>
@@ -5970,7 +5717,7 @@
           <a:buFontTx/>
           <a:buNone/>
           <a:tabLst/>
-          <a:defRPr kumimoji="0" sz="1800" b="0" i="0" u="none" strike="noStrike" cap="none" spc="0" normalizeH="0" baseline="0">
+          <a:defRPr b="0" baseline="0" cap="none" i="0" spc="0" strike="noStrike" sz="1800" u="none" kumimoji="0" normalizeH="0">
             <a:ln>
               <a:noFill/>
             </a:ln>
@@ -5996,7 +5743,7 @@
           <a:buFontTx/>
           <a:buNone/>
           <a:tabLst/>
-          <a:defRPr kumimoji="0" sz="1800" b="0" i="0" u="none" strike="noStrike" cap="none" spc="0" normalizeH="0" baseline="0">
+          <a:defRPr b="0" baseline="0" cap="none" i="0" spc="0" strike="noStrike" sz="1800" u="none" kumimoji="0" normalizeH="0">
             <a:ln>
               <a:noFill/>
             </a:ln>
@@ -6022,7 +5769,7 @@
           <a:buFontTx/>
           <a:buNone/>
           <a:tabLst/>
-          <a:defRPr kumimoji="0" sz="1800" b="0" i="0" u="none" strike="noStrike" cap="none" spc="0" normalizeH="0" baseline="0">
+          <a:defRPr b="0" baseline="0" cap="none" i="0" spc="0" strike="noStrike" sz="1800" u="none" kumimoji="0" normalizeH="0">
             <a:ln>
               <a:noFill/>
             </a:ln>
@@ -6048,7 +5795,7 @@
           <a:buFontTx/>
           <a:buNone/>
           <a:tabLst/>
-          <a:defRPr kumimoji="0" sz="1800" b="0" i="0" u="none" strike="noStrike" cap="none" spc="0" normalizeH="0" baseline="0">
+          <a:defRPr b="0" baseline="0" cap="none" i="0" spc="0" strike="noStrike" sz="1800" u="none" kumimoji="0" normalizeH="0">
             <a:ln>
               <a:noFill/>
             </a:ln>
@@ -6074,7 +5821,7 @@
           <a:buFontTx/>
           <a:buNone/>
           <a:tabLst/>
-          <a:defRPr kumimoji="0" sz="1800" b="0" i="0" u="none" strike="noStrike" cap="none" spc="0" normalizeH="0" baseline="0">
+          <a:defRPr b="0" baseline="0" cap="none" i="0" spc="0" strike="noStrike" sz="1800" u="none" kumimoji="0" normalizeH="0">
             <a:ln>
               <a:noFill/>
             </a:ln>
@@ -6087,32 +5834,26 @@
         </a:lvl9pPr>
       </a:lstStyle>
       <a:style>
-        <a:lnRef idx="0">
-          <a:scrgbClr r="0" g="0" b="0"/>
-        </a:lnRef>
-        <a:fillRef idx="0">
-          <a:scrgbClr r="0" g="0" b="0"/>
-        </a:fillRef>
-        <a:effectRef idx="0">
-          <a:scrgbClr r="0" g="0" b="0"/>
-        </a:effectRef>
+        <a:lnRef idx="0"/>
+        <a:fillRef idx="0"/>
+        <a:effectRef idx="0"/>
         <a:fontRef idx="none"/>
       </a:style>
     </a:spDef>
     <a:lnDef>
       <a:spPr>
         <a:noFill/>
-        <a:ln w="12700" cap="flat">
+        <a:ln w="25400" cap="flat">
           <a:solidFill>
             <a:schemeClr val="accent1"/>
           </a:solidFill>
           <a:prstDash val="solid"/>
-          <a:miter lim="800000"/>
+          <a:round/>
         </a:ln>
         <a:effectLst/>
         <a:sp3d/>
       </a:spPr>
-      <a:bodyPr rot="0" spcFirstLastPara="1" vertOverflow="overflow" horzOverflow="overflow" vert="horz" wrap="square" lIns="91439" tIns="45719" rIns="91439" bIns="45719" numCol="1" spcCol="38100" rtlCol="0" anchor="t">
+      <a:bodyPr rot="0" spcFirstLastPara="1" vertOverflow="overflow" horzOverflow="overflow" vert="horz" wrap="square" lIns="91439" tIns="45719" rIns="91439" bIns="45719" numCol="1" spcCol="38100" rtlCol="0" anchor="t" upright="0">
         <a:noAutofit/>
       </a:bodyPr>
       <a:lstStyle>
@@ -6131,7 +5872,7 @@
           <a:buFontTx/>
           <a:buNone/>
           <a:tabLst/>
-          <a:defRPr kumimoji="0" sz="1800" b="0" i="0" u="none" strike="noStrike" cap="none" spc="0" normalizeH="0" baseline="0">
+          <a:defRPr b="0" baseline="0" cap="none" i="0" spc="0" strike="noStrike" sz="1800" u="none" kumimoji="0" normalizeH="0">
             <a:ln>
               <a:noFill/>
             </a:ln>
@@ -6157,7 +5898,7 @@
           <a:buFontTx/>
           <a:buNone/>
           <a:tabLst/>
-          <a:defRPr kumimoji="0" sz="1800" b="0" i="0" u="none" strike="noStrike" cap="none" spc="0" normalizeH="0" baseline="0">
+          <a:defRPr b="0" baseline="0" cap="none" i="0" spc="0" strike="noStrike" sz="1800" u="none" kumimoji="0" normalizeH="0">
             <a:ln>
               <a:noFill/>
             </a:ln>
@@ -6183,7 +5924,7 @@
           <a:buFontTx/>
           <a:buNone/>
           <a:tabLst/>
-          <a:defRPr kumimoji="0" sz="1800" b="0" i="0" u="none" strike="noStrike" cap="none" spc="0" normalizeH="0" baseline="0">
+          <a:defRPr b="0" baseline="0" cap="none" i="0" spc="0" strike="noStrike" sz="1800" u="none" kumimoji="0" normalizeH="0">
             <a:ln>
               <a:noFill/>
             </a:ln>
@@ -6209,7 +5950,7 @@
           <a:buFontTx/>
           <a:buNone/>
           <a:tabLst/>
-          <a:defRPr kumimoji="0" sz="1800" b="0" i="0" u="none" strike="noStrike" cap="none" spc="0" normalizeH="0" baseline="0">
+          <a:defRPr b="0" baseline="0" cap="none" i="0" spc="0" strike="noStrike" sz="1800" u="none" kumimoji="0" normalizeH="0">
             <a:ln>
               <a:noFill/>
             </a:ln>
@@ -6235,7 +5976,7 @@
           <a:buFontTx/>
           <a:buNone/>
           <a:tabLst/>
-          <a:defRPr kumimoji="0" sz="1800" b="0" i="0" u="none" strike="noStrike" cap="none" spc="0" normalizeH="0" baseline="0">
+          <a:defRPr b="0" baseline="0" cap="none" i="0" spc="0" strike="noStrike" sz="1800" u="none" kumimoji="0" normalizeH="0">
             <a:ln>
               <a:noFill/>
             </a:ln>
@@ -6261,7 +6002,7 @@
           <a:buFontTx/>
           <a:buNone/>
           <a:tabLst/>
-          <a:defRPr kumimoji="0" sz="1800" b="0" i="0" u="none" strike="noStrike" cap="none" spc="0" normalizeH="0" baseline="0">
+          <a:defRPr b="0" baseline="0" cap="none" i="0" spc="0" strike="noStrike" sz="1800" u="none" kumimoji="0" normalizeH="0">
             <a:ln>
               <a:noFill/>
             </a:ln>
@@ -6287,7 +6028,7 @@
           <a:buFontTx/>
           <a:buNone/>
           <a:tabLst/>
-          <a:defRPr kumimoji="0" sz="1800" b="0" i="0" u="none" strike="noStrike" cap="none" spc="0" normalizeH="0" baseline="0">
+          <a:defRPr b="0" baseline="0" cap="none" i="0" spc="0" strike="noStrike" sz="1800" u="none" kumimoji="0" normalizeH="0">
             <a:ln>
               <a:noFill/>
             </a:ln>
@@ -6313,7 +6054,7 @@
           <a:buFontTx/>
           <a:buNone/>
           <a:tabLst/>
-          <a:defRPr kumimoji="0" sz="1800" b="0" i="0" u="none" strike="noStrike" cap="none" spc="0" normalizeH="0" baseline="0">
+          <a:defRPr b="0" baseline="0" cap="none" i="0" spc="0" strike="noStrike" sz="1800" u="none" kumimoji="0" normalizeH="0">
             <a:ln>
               <a:noFill/>
             </a:ln>
@@ -6339,7 +6080,7 @@
           <a:buFontTx/>
           <a:buNone/>
           <a:tabLst/>
-          <a:defRPr kumimoji="0" sz="1800" b="0" i="0" u="none" strike="noStrike" cap="none" spc="0" normalizeH="0" baseline="0">
+          <a:defRPr b="0" baseline="0" cap="none" i="0" spc="0" strike="noStrike" sz="1800" u="none" kumimoji="0" normalizeH="0">
             <a:ln>
               <a:noFill/>
             </a:ln>
@@ -6365,7 +6106,7 @@
           <a:buFontTx/>
           <a:buNone/>
           <a:tabLst/>
-          <a:defRPr kumimoji="0" sz="1800" b="0" i="0" u="none" strike="noStrike" cap="none" spc="0" normalizeH="0" baseline="0">
+          <a:defRPr b="0" baseline="0" cap="none" i="0" spc="0" strike="noStrike" sz="1800" u="none" kumimoji="0" normalizeH="0">
             <a:ln>
               <a:noFill/>
             </a:ln>
@@ -6378,15 +6119,9 @@
         </a:lvl9pPr>
       </a:lstStyle>
       <a:style>
-        <a:lnRef idx="0">
-          <a:scrgbClr r="0" g="0" b="0"/>
-        </a:lnRef>
-        <a:fillRef idx="0">
-          <a:scrgbClr r="0" g="0" b="0"/>
-        </a:fillRef>
-        <a:effectRef idx="0">
-          <a:scrgbClr r="0" g="0" b="0"/>
-        </a:effectRef>
+        <a:lnRef idx="0"/>
+        <a:fillRef idx="0"/>
+        <a:effectRef idx="0"/>
         <a:fontRef idx="none"/>
       </a:style>
     </a:lnDef>
@@ -6400,7 +6135,7 @@
         <a:effectLst/>
         <a:sp3d/>
       </a:spPr>
-      <a:bodyPr rot="0" spcFirstLastPara="1" vertOverflow="overflow" horzOverflow="overflow" vert="horz" wrap="square" lIns="45719" tIns="45719" rIns="45719" bIns="45719" numCol="1" spcCol="38100" rtlCol="0" anchor="t">
+      <a:bodyPr rot="0" spcFirstLastPara="1" vertOverflow="overflow" horzOverflow="overflow" vert="horz" wrap="square" lIns="45718" tIns="45718" rIns="45718" bIns="45718" numCol="1" spcCol="38100" rtlCol="0" anchor="t" upright="0">
         <a:spAutoFit/>
       </a:bodyPr>
       <a:lstStyle>
@@ -6419,7 +6154,7 @@
           <a:buFontTx/>
           <a:buNone/>
           <a:tabLst/>
-          <a:defRPr kumimoji="0" sz="1800" b="0" i="0" u="none" strike="noStrike" cap="none" spc="0" normalizeH="0" baseline="0">
+          <a:defRPr b="0" baseline="0" cap="none" i="0" spc="0" strike="noStrike" sz="1800" u="none" kumimoji="0" normalizeH="0">
             <a:ln>
               <a:noFill/>
             </a:ln>
@@ -6428,9 +6163,9 @@
             </a:solidFill>
             <a:effectLst/>
             <a:uFillTx/>
-            <a:latin typeface="+mn-lt"/>
-            <a:ea typeface="+mn-ea"/>
-            <a:cs typeface="+mn-cs"/>
+            <a:latin typeface="+mj-lt"/>
+            <a:ea typeface="+mj-ea"/>
+            <a:cs typeface="+mj-cs"/>
             <a:sym typeface="Avenir Next LT Pro"/>
           </a:defRPr>
         </a:defPPr>
@@ -6449,7 +6184,7 @@
           <a:buFontTx/>
           <a:buNone/>
           <a:tabLst/>
-          <a:defRPr kumimoji="0" sz="1800" b="0" i="0" u="none" strike="noStrike" cap="none" spc="0" normalizeH="0" baseline="0">
+          <a:defRPr b="0" baseline="0" cap="none" i="0" spc="0" strike="noStrike" sz="1800" u="none" kumimoji="0" normalizeH="0">
             <a:ln>
               <a:noFill/>
             </a:ln>
@@ -6475,7 +6210,7 @@
           <a:buFontTx/>
           <a:buNone/>
           <a:tabLst/>
-          <a:defRPr kumimoji="0" sz="1800" b="0" i="0" u="none" strike="noStrike" cap="none" spc="0" normalizeH="0" baseline="0">
+          <a:defRPr b="0" baseline="0" cap="none" i="0" spc="0" strike="noStrike" sz="1800" u="none" kumimoji="0" normalizeH="0">
             <a:ln>
               <a:noFill/>
             </a:ln>
@@ -6501,7 +6236,7 @@
           <a:buFontTx/>
           <a:buNone/>
           <a:tabLst/>
-          <a:defRPr kumimoji="0" sz="1800" b="0" i="0" u="none" strike="noStrike" cap="none" spc="0" normalizeH="0" baseline="0">
+          <a:defRPr b="0" baseline="0" cap="none" i="0" spc="0" strike="noStrike" sz="1800" u="none" kumimoji="0" normalizeH="0">
             <a:ln>
               <a:noFill/>
             </a:ln>
@@ -6527,7 +6262,7 @@
           <a:buFontTx/>
           <a:buNone/>
           <a:tabLst/>
-          <a:defRPr kumimoji="0" sz="1800" b="0" i="0" u="none" strike="noStrike" cap="none" spc="0" normalizeH="0" baseline="0">
+          <a:defRPr b="0" baseline="0" cap="none" i="0" spc="0" strike="noStrike" sz="1800" u="none" kumimoji="0" normalizeH="0">
             <a:ln>
               <a:noFill/>
             </a:ln>
@@ -6553,7 +6288,7 @@
           <a:buFontTx/>
           <a:buNone/>
           <a:tabLst/>
-          <a:defRPr kumimoji="0" sz="1800" b="0" i="0" u="none" strike="noStrike" cap="none" spc="0" normalizeH="0" baseline="0">
+          <a:defRPr b="0" baseline="0" cap="none" i="0" spc="0" strike="noStrike" sz="1800" u="none" kumimoji="0" normalizeH="0">
             <a:ln>
               <a:noFill/>
             </a:ln>
@@ -6579,7 +6314,7 @@
           <a:buFontTx/>
           <a:buNone/>
           <a:tabLst/>
-          <a:defRPr kumimoji="0" sz="1800" b="0" i="0" u="none" strike="noStrike" cap="none" spc="0" normalizeH="0" baseline="0">
+          <a:defRPr b="0" baseline="0" cap="none" i="0" spc="0" strike="noStrike" sz="1800" u="none" kumimoji="0" normalizeH="0">
             <a:ln>
               <a:noFill/>
             </a:ln>
@@ -6605,7 +6340,7 @@
           <a:buFontTx/>
           <a:buNone/>
           <a:tabLst/>
-          <a:defRPr kumimoji="0" sz="1800" b="0" i="0" u="none" strike="noStrike" cap="none" spc="0" normalizeH="0" baseline="0">
+          <a:defRPr b="0" baseline="0" cap="none" i="0" spc="0" strike="noStrike" sz="1800" u="none" kumimoji="0" normalizeH="0">
             <a:ln>
               <a:noFill/>
             </a:ln>
@@ -6631,7 +6366,7 @@
           <a:buFontTx/>
           <a:buNone/>
           <a:tabLst/>
-          <a:defRPr kumimoji="0" sz="1800" b="0" i="0" u="none" strike="noStrike" cap="none" spc="0" normalizeH="0" baseline="0">
+          <a:defRPr b="0" baseline="0" cap="none" i="0" spc="0" strike="noStrike" sz="1800" u="none" kumimoji="0" normalizeH="0">
             <a:ln>
               <a:noFill/>
             </a:ln>
@@ -6657,7 +6392,7 @@
           <a:buFontTx/>
           <a:buNone/>
           <a:tabLst/>
-          <a:defRPr kumimoji="0" sz="1800" b="0" i="0" u="none" strike="noStrike" cap="none" spc="0" normalizeH="0" baseline="0">
+          <a:defRPr b="0" baseline="0" cap="none" i="0" spc="0" strike="noStrike" sz="1800" u="none" kumimoji="0" normalizeH="0">
             <a:ln>
               <a:noFill/>
             </a:ln>
@@ -6670,19 +6405,12 @@
         </a:lvl9pPr>
       </a:lstStyle>
       <a:style>
-        <a:lnRef idx="0">
-          <a:scrgbClr r="0" g="0" b="0"/>
-        </a:lnRef>
-        <a:fillRef idx="0">
-          <a:scrgbClr r="0" g="0" b="0"/>
-        </a:fillRef>
-        <a:effectRef idx="0">
-          <a:scrgbClr r="0" g="0" b="0"/>
-        </a:effectRef>
+        <a:lnRef idx="0"/>
+        <a:fillRef idx="0"/>
+        <a:effectRef idx="0"/>
         <a:fontRef idx="none"/>
       </a:style>
     </a:txDef>
   </a:objectDefaults>
-  <a:extraClrSchemeLst/>
 </a:theme>
 </file>